--- a/PPT/RedBlack_DS_PPT.pptx
+++ b/PPT/RedBlack_DS_PPT.pptx
@@ -5,18 +5,21 @@
     <p:sldMasterId id="2147483660" r:id="rId1"/>
   </p:sldMasterIdLst>
   <p:notesMasterIdLst>
-    <p:notesMasterId r:id="rId8"/>
+    <p:notesMasterId r:id="rId11"/>
   </p:notesMasterIdLst>
   <p:handoutMasterIdLst>
-    <p:handoutMasterId r:id="rId9"/>
+    <p:handoutMasterId r:id="rId12"/>
   </p:handoutMasterIdLst>
   <p:sldIdLst>
     <p:sldId id="258" r:id="rId2"/>
     <p:sldId id="497" r:id="rId3"/>
     <p:sldId id="482" r:id="rId4"/>
     <p:sldId id="481" r:id="rId5"/>
-    <p:sldId id="495" r:id="rId6"/>
-    <p:sldId id="477" r:id="rId7"/>
+    <p:sldId id="498" r:id="rId6"/>
+    <p:sldId id="499" r:id="rId7"/>
+    <p:sldId id="500" r:id="rId8"/>
+    <p:sldId id="495" r:id="rId9"/>
+    <p:sldId id="477" r:id="rId10"/>
   </p:sldIdLst>
   <p:sldSz cx="9144000" cy="6858000" type="screen4x3"/>
   <p:notesSz cx="6858000" cy="9144000"/>
@@ -154,6 +157,9 @@
             <p14:sldId id="497"/>
             <p14:sldId id="482"/>
             <p14:sldId id="481"/>
+            <p14:sldId id="498"/>
+            <p14:sldId id="499"/>
+            <p14:sldId id="500"/>
             <p14:sldId id="495"/>
             <p14:sldId id="477"/>
           </p14:sldIdLst>
@@ -274,7 +280,7 @@
           <a:p>
             <a:fld id="{E9D97479-3EF4-4AE1-A487-6601379666D4}" type="datetimeFigureOut">
               <a:rPr lang="en-US" smtClean="0"/>
-              <a:t>10/26/2019</a:t>
+              <a:t>10/28/2019</a:t>
             </a:fld>
             <a:endParaRPr lang="en-US"/>
           </a:p>
@@ -466,7 +472,7 @@
               <a:pPr>
                 <a:defRPr/>
               </a:pPr>
-              <a:t>10/26/2019</a:t>
+              <a:t>10/28/2019</a:t>
             </a:fld>
             <a:endParaRPr lang="en-US" dirty="0"/>
           </a:p>
@@ -884,6 +890,186 @@
 </p:notes>
 </file>
 
+<file path=ppt/notesSlides/notesSlide2.xml><?xml version="1.0" encoding="utf-8"?>
+<p:notes xmlns:a="http://schemas.openxmlformats.org/drawingml/2006/main" xmlns:r="http://schemas.openxmlformats.org/officeDocument/2006/relationships" xmlns:p="http://schemas.openxmlformats.org/presentationml/2006/main">
+  <p:cSld>
+    <p:spTree>
+      <p:nvGrpSpPr>
+        <p:cNvPr id="1" name=""/>
+        <p:cNvGrpSpPr/>
+        <p:nvPr/>
+      </p:nvGrpSpPr>
+      <p:grpSpPr>
+        <a:xfrm>
+          <a:off x="0" y="0"/>
+          <a:ext cx="0" cy="0"/>
+          <a:chOff x="0" y="0"/>
+          <a:chExt cx="0" cy="0"/>
+        </a:xfrm>
+      </p:grpSpPr>
+      <p:sp>
+        <p:nvSpPr>
+          <p:cNvPr id="2" name="Slide Image Placeholder 1"/>
+          <p:cNvSpPr>
+            <a:spLocks noGrp="1" noRot="1" noChangeAspect="1"/>
+          </p:cNvSpPr>
+          <p:nvPr>
+            <p:ph type="sldImg"/>
+          </p:nvPr>
+        </p:nvSpPr>
+        <p:spPr/>
+      </p:sp>
+      <p:sp>
+        <p:nvSpPr>
+          <p:cNvPr id="3" name="Notes Placeholder 2"/>
+          <p:cNvSpPr>
+            <a:spLocks noGrp="1"/>
+          </p:cNvSpPr>
+          <p:nvPr>
+            <p:ph type="body" idx="1"/>
+          </p:nvPr>
+        </p:nvSpPr>
+        <p:spPr/>
+        <p:txBody>
+          <a:bodyPr/>
+          <a:lstStyle/>
+          <a:p>
+            <a:endParaRPr lang="en-US" dirty="0"/>
+          </a:p>
+        </p:txBody>
+      </p:sp>
+      <p:sp>
+        <p:nvSpPr>
+          <p:cNvPr id="4" name="Slide Number Placeholder 3"/>
+          <p:cNvSpPr>
+            <a:spLocks noGrp="1"/>
+          </p:cNvSpPr>
+          <p:nvPr>
+            <p:ph type="sldNum" sz="quarter" idx="10"/>
+          </p:nvPr>
+        </p:nvSpPr>
+        <p:spPr/>
+        <p:txBody>
+          <a:bodyPr/>
+          <a:lstStyle/>
+          <a:p>
+            <a:pPr>
+              <a:defRPr/>
+            </a:pPr>
+            <a:fld id="{7FB3FDA6-AD30-4F45-934D-A9F1C5058AC0}" type="slidenum">
+              <a:rPr lang="en-US" smtClean="0"/>
+              <a:pPr>
+                <a:defRPr/>
+              </a:pPr>
+              <a:t>6</a:t>
+            </a:fld>
+            <a:endParaRPr lang="en-US" dirty="0"/>
+          </a:p>
+        </p:txBody>
+      </p:sp>
+    </p:spTree>
+    <p:extLst>
+      <p:ext uri="{BB962C8B-B14F-4D97-AF65-F5344CB8AC3E}">
+        <p14:creationId xmlns:p14="http://schemas.microsoft.com/office/powerpoint/2010/main" val="1726045089"/>
+      </p:ext>
+    </p:extLst>
+  </p:cSld>
+  <p:clrMapOvr>
+    <a:masterClrMapping/>
+  </p:clrMapOvr>
+</p:notes>
+</file>
+
+<file path=ppt/notesSlides/notesSlide3.xml><?xml version="1.0" encoding="utf-8"?>
+<p:notes xmlns:a="http://schemas.openxmlformats.org/drawingml/2006/main" xmlns:r="http://schemas.openxmlformats.org/officeDocument/2006/relationships" xmlns:p="http://schemas.openxmlformats.org/presentationml/2006/main">
+  <p:cSld>
+    <p:spTree>
+      <p:nvGrpSpPr>
+        <p:cNvPr id="1" name=""/>
+        <p:cNvGrpSpPr/>
+        <p:nvPr/>
+      </p:nvGrpSpPr>
+      <p:grpSpPr>
+        <a:xfrm>
+          <a:off x="0" y="0"/>
+          <a:ext cx="0" cy="0"/>
+          <a:chOff x="0" y="0"/>
+          <a:chExt cx="0" cy="0"/>
+        </a:xfrm>
+      </p:grpSpPr>
+      <p:sp>
+        <p:nvSpPr>
+          <p:cNvPr id="2" name="Slide Image Placeholder 1"/>
+          <p:cNvSpPr>
+            <a:spLocks noGrp="1" noRot="1" noChangeAspect="1"/>
+          </p:cNvSpPr>
+          <p:nvPr>
+            <p:ph type="sldImg"/>
+          </p:nvPr>
+        </p:nvSpPr>
+        <p:spPr/>
+      </p:sp>
+      <p:sp>
+        <p:nvSpPr>
+          <p:cNvPr id="3" name="Notes Placeholder 2"/>
+          <p:cNvSpPr>
+            <a:spLocks noGrp="1"/>
+          </p:cNvSpPr>
+          <p:nvPr>
+            <p:ph type="body" idx="1"/>
+          </p:nvPr>
+        </p:nvSpPr>
+        <p:spPr/>
+        <p:txBody>
+          <a:bodyPr/>
+          <a:lstStyle/>
+          <a:p>
+            <a:endParaRPr lang="en-US" dirty="0"/>
+          </a:p>
+        </p:txBody>
+      </p:sp>
+      <p:sp>
+        <p:nvSpPr>
+          <p:cNvPr id="4" name="Slide Number Placeholder 3"/>
+          <p:cNvSpPr>
+            <a:spLocks noGrp="1"/>
+          </p:cNvSpPr>
+          <p:nvPr>
+            <p:ph type="sldNum" sz="quarter" idx="10"/>
+          </p:nvPr>
+        </p:nvSpPr>
+        <p:spPr/>
+        <p:txBody>
+          <a:bodyPr/>
+          <a:lstStyle/>
+          <a:p>
+            <a:pPr>
+              <a:defRPr/>
+            </a:pPr>
+            <a:fld id="{7FB3FDA6-AD30-4F45-934D-A9F1C5058AC0}" type="slidenum">
+              <a:rPr lang="en-US" smtClean="0"/>
+              <a:pPr>
+                <a:defRPr/>
+              </a:pPr>
+              <a:t>7</a:t>
+            </a:fld>
+            <a:endParaRPr lang="en-US" dirty="0"/>
+          </a:p>
+        </p:txBody>
+      </p:sp>
+    </p:spTree>
+    <p:extLst>
+      <p:ext uri="{BB962C8B-B14F-4D97-AF65-F5344CB8AC3E}">
+        <p14:creationId xmlns:p14="http://schemas.microsoft.com/office/powerpoint/2010/main" val="1587046279"/>
+      </p:ext>
+    </p:extLst>
+  </p:cSld>
+  <p:clrMapOvr>
+    <a:masterClrMapping/>
+  </p:clrMapOvr>
+</p:notes>
+</file>
+
 <file path=ppt/slideLayouts/slideLayout1.xml><?xml version="1.0" encoding="utf-8"?>
 <p:sldLayout xmlns:a="http://schemas.openxmlformats.org/drawingml/2006/main" xmlns:r="http://schemas.openxmlformats.org/officeDocument/2006/relationships" xmlns:p="http://schemas.openxmlformats.org/presentationml/2006/main" type="title" preserve="1">
   <p:cSld name="Title Slide">
@@ -2809,7 +2995,7 @@
           <a:graphicData uri="http://schemas.openxmlformats.org/presentationml/2006/ole">
             <mc:AlternateContent xmlns:mc="http://schemas.openxmlformats.org/markup-compatibility/2006">
               <mc:Choice xmlns:v="urn:schemas-microsoft-com:vml" Requires="v">
-                <p:oleObj spid="_x0000_s2030" name="Picture" r:id="rId15" imgW="671028" imgH="602628" progId="Word.Picture.8">
+                <p:oleObj spid="_x0000_s2034" name="Picture" r:id="rId15" imgW="671028" imgH="602628" progId="Word.Picture.8">
                   <p:embed/>
                 </p:oleObj>
               </mc:Choice>
@@ -3619,7 +3805,7 @@
           <p:nvPr>
             <p:extLst>
               <p:ext uri="{D42A27DB-BD31-4B8C-83A1-F6EECF244321}">
-                <p14:modId xmlns:p14="http://schemas.microsoft.com/office/powerpoint/2010/main" val="4263992596"/>
+                <p14:modId xmlns:p14="http://schemas.microsoft.com/office/powerpoint/2010/main" val="857863831"/>
               </p:ext>
             </p:extLst>
           </p:nvPr>
@@ -3683,8 +3869,8 @@
                         <a:t> </a:t>
                       </a:r>
                       <a:r>
-                        <a:rPr lang="en-US" dirty="0" err="1" smtClean="0"/>
-                        <a:t>Siddiquie</a:t>
+                        <a:rPr lang="en-US" dirty="0" smtClean="0"/>
+                        <a:t>Siddiqui</a:t>
                       </a:r>
                       <a:endParaRPr lang="en-US" dirty="0"/>
                     </a:p>
@@ -3746,7 +3932,7 @@
                     <a:p>
                       <a:r>
                         <a:rPr lang="en-US" dirty="0" smtClean="0"/>
-                        <a:t>14</a:t>
+                        <a:t>17</a:t>
                       </a:r>
                       <a:endParaRPr lang="en-US" dirty="0"/>
                     </a:p>
@@ -3808,7 +3994,7 @@
                     <a:p>
                       <a:r>
                         <a:rPr lang="en-US" dirty="0" smtClean="0"/>
-                        <a:t>1909480--</a:t>
+                        <a:t>190948019</a:t>
                       </a:r>
                       <a:endParaRPr lang="en-US" dirty="0"/>
                     </a:p>
@@ -3843,7 +4029,7 @@
         <p:spPr>
           <a:xfrm>
             <a:off x="395536" y="3933056"/>
-            <a:ext cx="6738892" cy="2800767"/>
+            <a:ext cx="6738892" cy="2062103"/>
           </a:xfrm>
           <a:prstGeom prst="rect">
             <a:avLst/>
@@ -3858,7 +4044,7 @@
           <a:p>
             <a:pPr algn="ctr"/>
             <a:r>
-              <a:rPr lang="en-US" sz="4400" b="1" spc="50" dirty="0" err="1" smtClean="0">
+              <a:rPr lang="en-US" sz="3200" b="1" spc="50" dirty="0" err="1" smtClean="0">
                 <a:ln w="0"/>
                 <a:solidFill>
                   <a:schemeClr val="bg2"/>
@@ -3874,7 +4060,7 @@
               <a:t>M.Tech</a:t>
             </a:r>
             <a:r>
-              <a:rPr lang="en-US" sz="4400" b="1" spc="50" dirty="0" smtClean="0">
+              <a:rPr lang="en-US" sz="3200" b="1" spc="50" dirty="0" smtClean="0">
                 <a:ln w="0"/>
                 <a:solidFill>
                   <a:schemeClr val="bg2"/>
@@ -3887,13 +4073,10 @@
                   </a:innerShdw>
                 </a:effectLst>
               </a:rPr>
-              <a:t> CSIS ADSA</a:t>
-            </a:r>
-          </a:p>
-          <a:p>
-            <a:pPr algn="ctr"/>
-            <a:r>
-              <a:rPr lang="en-US" sz="4400" b="1" spc="50" dirty="0">
+              <a:t> </a:t>
+            </a:r>
+            <a:r>
+              <a:rPr lang="en-US" sz="3200" b="1" spc="50" dirty="0" smtClean="0">
                 <a:ln w="0"/>
                 <a:solidFill>
                   <a:schemeClr val="bg2"/>
@@ -3906,13 +4089,48 @@
                   </a:innerShdw>
                 </a:effectLst>
               </a:rPr>
-              <a:t>PROGRAM LAB 	</a:t>
+              <a:t>CSIS </a:t>
             </a:r>
           </a:p>
           <a:p>
             <a:pPr algn="ctr"/>
             <a:r>
-              <a:rPr lang="en-US" sz="4400" b="1" spc="50" dirty="0">
+              <a:rPr lang="en-US" sz="3200" b="1" spc="50" dirty="0" smtClean="0">
+                <a:ln w="0"/>
+                <a:solidFill>
+                  <a:schemeClr val="bg2"/>
+                </a:solidFill>
+                <a:effectLst>
+                  <a:innerShdw blurRad="63500" dist="50800" dir="13500000">
+                    <a:srgbClr val="000000">
+                      <a:alpha val="50000"/>
+                    </a:srgbClr>
+                  </a:innerShdw>
+                </a:effectLst>
+              </a:rPr>
+              <a:t>Program Lab </a:t>
+            </a:r>
+            <a:r>
+              <a:rPr lang="en-US" sz="3200" b="1" spc="50" dirty="0">
+                <a:ln w="0"/>
+                <a:solidFill>
+                  <a:schemeClr val="bg2"/>
+                </a:solidFill>
+                <a:effectLst>
+                  <a:innerShdw blurRad="63500" dist="50800" dir="13500000">
+                    <a:srgbClr val="000000">
+                      <a:alpha val="50000"/>
+                    </a:srgbClr>
+                  </a:innerShdw>
+                </a:effectLst>
+              </a:rPr>
+              <a:t>	</a:t>
+            </a:r>
+          </a:p>
+          <a:p>
+            <a:pPr algn="ctr"/>
+            <a:r>
+              <a:rPr lang="en-US" sz="3200" b="1" spc="50" dirty="0">
                 <a:ln w="0"/>
                 <a:solidFill>
                   <a:schemeClr val="bg2"/>
@@ -3928,14 +4146,14 @@
               <a:t>CSE 5162 </a:t>
             </a:r>
             <a:r>
-              <a:rPr lang="en-US" sz="4400" dirty="0"/>
+              <a:rPr lang="en-US" sz="3200" dirty="0"/>
               <a:t>	</a:t>
             </a:r>
           </a:p>
           <a:p>
             <a:pPr algn="ctr"/>
             <a:r>
-              <a:rPr lang="en-US" sz="4400" b="1" spc="50" dirty="0" smtClean="0">
+              <a:rPr lang="en-US" sz="3200" b="1" spc="50" dirty="0" smtClean="0">
                 <a:ln w="0"/>
                 <a:solidFill>
                   <a:schemeClr val="bg2"/>
@@ -3950,7 +4168,7 @@
               </a:rPr>
               <a:t> </a:t>
             </a:r>
-            <a:endParaRPr lang="en-US" sz="4400" b="1" spc="50" dirty="0">
+            <a:endParaRPr lang="en-US" sz="3200" b="1" spc="50" dirty="0">
               <a:ln w="0"/>
               <a:solidFill>
                 <a:schemeClr val="bg2"/>
@@ -4977,11 +5195,11 @@
               <a:buAutoNum type="arabicPeriod"/>
             </a:pPr>
             <a:r>
-              <a:rPr lang="en-US" kern="0" smtClean="0"/>
+              <a:rPr lang="en-US" kern="0" dirty="0" smtClean="0"/>
               <a:t>For each node, all paths from the node to descendant leaves contain the same number of </a:t>
             </a:r>
             <a:r>
-              <a:rPr lang="en-US" kern="0" smtClean="0">
+              <a:rPr lang="en-US" kern="0" dirty="0" smtClean="0">
                 <a:solidFill>
                   <a:schemeClr val="hlink"/>
                 </a:solidFill>
@@ -4989,7 +5207,7 @@
               <a:t>black</a:t>
             </a:r>
             <a:r>
-              <a:rPr lang="en-US" kern="0" smtClean="0"/>
+              <a:rPr lang="en-US" kern="0" dirty="0" smtClean="0"/>
               <a:t> nodes.</a:t>
             </a:r>
           </a:p>
@@ -5044,6 +5262,1095 @@
       </p:grpSpPr>
       <p:sp>
         <p:nvSpPr>
+          <p:cNvPr id="5" name="Rectangle 2"/>
+          <p:cNvSpPr>
+            <a:spLocks noGrp="1" noChangeArrowheads="1"/>
+          </p:cNvSpPr>
+          <p:nvPr>
+            <p:ph type="title"/>
+          </p:nvPr>
+        </p:nvSpPr>
+        <p:spPr>
+          <a:xfrm>
+            <a:off x="299677" y="-8496"/>
+            <a:ext cx="8229600" cy="906462"/>
+          </a:xfrm>
+        </p:spPr>
+        <p:txBody>
+          <a:bodyPr/>
+          <a:lstStyle/>
+          <a:p>
+            <a:pPr eaLnBrk="1" hangingPunct="1"/>
+            <a:r>
+              <a:rPr lang="en-US" dirty="0" smtClean="0"/>
+              <a:t>Example: </a:t>
+            </a:r>
+            <a:r>
+              <a:rPr lang="en-US" sz="2800" dirty="0" smtClean="0"/>
+              <a:t>RED-BLACK-TREE</a:t>
+            </a:r>
+          </a:p>
+        </p:txBody>
+      </p:sp>
+      <p:sp>
+        <p:nvSpPr>
+          <p:cNvPr id="6" name="Rectangle 3"/>
+          <p:cNvSpPr txBox="1">
+            <a:spLocks noChangeArrowheads="1"/>
+          </p:cNvSpPr>
+          <p:nvPr/>
+        </p:nvSpPr>
+        <p:spPr>
+          <a:xfrm>
+            <a:off x="330092" y="4221088"/>
+            <a:ext cx="8543925" cy="2155825"/>
+          </a:xfrm>
+          <a:prstGeom prst="rect">
+            <a:avLst/>
+          </a:prstGeom>
+        </p:spPr>
+        <p:txBody>
+          <a:bodyPr/>
+          <a:lstStyle>
+            <a:lvl1pPr marL="342900" indent="-342900" algn="l" rtl="0" eaLnBrk="1" fontAlgn="base" hangingPunct="1">
+              <a:spcBef>
+                <a:spcPct val="20000"/>
+              </a:spcBef>
+              <a:spcAft>
+                <a:spcPct val="0"/>
+              </a:spcAft>
+              <a:buChar char="•"/>
+              <a:defRPr sz="3200">
+                <a:solidFill>
+                  <a:schemeClr val="tx1"/>
+                </a:solidFill>
+                <a:latin typeface="+mn-lt"/>
+                <a:ea typeface="+mn-ea"/>
+                <a:cs typeface="+mn-cs"/>
+              </a:defRPr>
+            </a:lvl1pPr>
+            <a:lvl2pPr marL="742950" indent="-285750" algn="l" rtl="0" eaLnBrk="1" fontAlgn="base" hangingPunct="1">
+              <a:spcBef>
+                <a:spcPct val="20000"/>
+              </a:spcBef>
+              <a:spcAft>
+                <a:spcPct val="0"/>
+              </a:spcAft>
+              <a:buChar char="–"/>
+              <a:defRPr sz="2800">
+                <a:solidFill>
+                  <a:schemeClr val="tx1"/>
+                </a:solidFill>
+                <a:latin typeface="+mn-lt"/>
+              </a:defRPr>
+            </a:lvl2pPr>
+            <a:lvl3pPr marL="1143000" indent="-228600" algn="l" rtl="0" eaLnBrk="1" fontAlgn="base" hangingPunct="1">
+              <a:spcBef>
+                <a:spcPct val="20000"/>
+              </a:spcBef>
+              <a:spcAft>
+                <a:spcPct val="0"/>
+              </a:spcAft>
+              <a:buChar char="•"/>
+              <a:defRPr sz="2400">
+                <a:solidFill>
+                  <a:schemeClr val="tx1"/>
+                </a:solidFill>
+                <a:latin typeface="+mn-lt"/>
+              </a:defRPr>
+            </a:lvl3pPr>
+            <a:lvl4pPr marL="1600200" indent="-228600" algn="l" rtl="0" eaLnBrk="1" fontAlgn="base" hangingPunct="1">
+              <a:spcBef>
+                <a:spcPct val="20000"/>
+              </a:spcBef>
+              <a:spcAft>
+                <a:spcPct val="0"/>
+              </a:spcAft>
+              <a:buChar char="–"/>
+              <a:defRPr sz="2000">
+                <a:solidFill>
+                  <a:schemeClr val="tx1"/>
+                </a:solidFill>
+                <a:latin typeface="+mn-lt"/>
+              </a:defRPr>
+            </a:lvl4pPr>
+            <a:lvl5pPr marL="2057400" indent="-228600" algn="l" rtl="0" eaLnBrk="1" fontAlgn="base" hangingPunct="1">
+              <a:spcBef>
+                <a:spcPct val="20000"/>
+              </a:spcBef>
+              <a:spcAft>
+                <a:spcPct val="0"/>
+              </a:spcAft>
+              <a:buChar char="»"/>
+              <a:defRPr sz="2000">
+                <a:solidFill>
+                  <a:schemeClr val="tx1"/>
+                </a:solidFill>
+                <a:latin typeface="+mn-lt"/>
+              </a:defRPr>
+            </a:lvl5pPr>
+            <a:lvl6pPr marL="2514600" indent="-228600" algn="l" rtl="0" eaLnBrk="1" fontAlgn="base" hangingPunct="1">
+              <a:spcBef>
+                <a:spcPct val="20000"/>
+              </a:spcBef>
+              <a:spcAft>
+                <a:spcPct val="0"/>
+              </a:spcAft>
+              <a:buChar char="»"/>
+              <a:defRPr sz="2000">
+                <a:solidFill>
+                  <a:schemeClr val="tx1"/>
+                </a:solidFill>
+                <a:latin typeface="+mn-lt"/>
+              </a:defRPr>
+            </a:lvl6pPr>
+            <a:lvl7pPr marL="2971800" indent="-228600" algn="l" rtl="0" eaLnBrk="1" fontAlgn="base" hangingPunct="1">
+              <a:spcBef>
+                <a:spcPct val="20000"/>
+              </a:spcBef>
+              <a:spcAft>
+                <a:spcPct val="0"/>
+              </a:spcAft>
+              <a:buChar char="»"/>
+              <a:defRPr sz="2000">
+                <a:solidFill>
+                  <a:schemeClr val="tx1"/>
+                </a:solidFill>
+                <a:latin typeface="+mn-lt"/>
+              </a:defRPr>
+            </a:lvl7pPr>
+            <a:lvl8pPr marL="3429000" indent="-228600" algn="l" rtl="0" eaLnBrk="1" fontAlgn="base" hangingPunct="1">
+              <a:spcBef>
+                <a:spcPct val="20000"/>
+              </a:spcBef>
+              <a:spcAft>
+                <a:spcPct val="0"/>
+              </a:spcAft>
+              <a:buChar char="»"/>
+              <a:defRPr sz="2000">
+                <a:solidFill>
+                  <a:schemeClr val="tx1"/>
+                </a:solidFill>
+                <a:latin typeface="+mn-lt"/>
+              </a:defRPr>
+            </a:lvl8pPr>
+            <a:lvl9pPr marL="3886200" indent="-228600" algn="l" rtl="0" eaLnBrk="1" fontAlgn="base" hangingPunct="1">
+              <a:spcBef>
+                <a:spcPct val="20000"/>
+              </a:spcBef>
+              <a:spcAft>
+                <a:spcPct val="0"/>
+              </a:spcAft>
+              <a:buChar char="»"/>
+              <a:defRPr sz="2000">
+                <a:solidFill>
+                  <a:schemeClr val="tx1"/>
+                </a:solidFill>
+                <a:latin typeface="+mn-lt"/>
+              </a:defRPr>
+            </a:lvl9pPr>
+          </a:lstStyle>
+          <a:p>
+            <a:r>
+              <a:rPr lang="en-US" sz="2400" kern="0" dirty="0" smtClean="0"/>
+              <a:t>For convenience we use </a:t>
+            </a:r>
+            <a:r>
+              <a:rPr lang="en-US" sz="2400" kern="0" dirty="0" smtClean="0">
+                <a:solidFill>
+                  <a:schemeClr val="hlink"/>
+                </a:solidFill>
+              </a:rPr>
+              <a:t>NIL[T</a:t>
+            </a:r>
+            <a:r>
+              <a:rPr lang="en-US" sz="2400" kern="0" dirty="0">
+                <a:solidFill>
+                  <a:schemeClr val="hlink"/>
+                </a:solidFill>
+              </a:rPr>
+              <a:t>]</a:t>
+            </a:r>
+            <a:r>
+              <a:rPr lang="en-US" sz="2800" kern="0" dirty="0">
+                <a:solidFill>
+                  <a:schemeClr val="hlink"/>
+                </a:solidFill>
+              </a:rPr>
+              <a:t> </a:t>
+            </a:r>
+            <a:r>
+              <a:rPr lang="en-US" sz="2400" kern="0" dirty="0" smtClean="0"/>
+              <a:t>to represent all the </a:t>
+            </a:r>
+            <a:r>
+              <a:rPr lang="en-US" sz="2400" kern="0" dirty="0" smtClean="0">
+                <a:latin typeface="Comic Sans MS" panose="030F0702030302020204" pitchFamily="66" charset="0"/>
+              </a:rPr>
+              <a:t>NULL</a:t>
+            </a:r>
+            <a:r>
+              <a:rPr lang="en-US" sz="2400" kern="0" dirty="0" smtClean="0"/>
+              <a:t> nodes at the leafs</a:t>
+            </a:r>
+          </a:p>
+          <a:p>
+            <a:pPr lvl="1"/>
+            <a:r>
+              <a:rPr lang="en-US" sz="2000" kern="0" dirty="0" smtClean="0">
+                <a:latin typeface="Comic Sans MS" panose="030F0702030302020204" pitchFamily="66" charset="0"/>
+              </a:rPr>
+              <a:t>NIL[T]</a:t>
+            </a:r>
+            <a:r>
+              <a:rPr lang="en-US" sz="2000" kern="0" dirty="0" smtClean="0"/>
+              <a:t> has the same fields as an ordinary node</a:t>
+            </a:r>
+          </a:p>
+          <a:p>
+            <a:pPr lvl="1"/>
+            <a:r>
+              <a:rPr lang="en-US" sz="2000" kern="0" dirty="0" smtClean="0">
+                <a:latin typeface="Comic Sans MS" panose="030F0702030302020204" pitchFamily="66" charset="0"/>
+              </a:rPr>
+              <a:t>Color[NIL[T]] = BLACK</a:t>
+            </a:r>
+          </a:p>
+          <a:p>
+            <a:pPr lvl="1"/>
+            <a:r>
+              <a:rPr lang="en-US" sz="2000" kern="0" dirty="0" smtClean="0"/>
+              <a:t>The other fields may be set to arbitrary values</a:t>
+            </a:r>
+            <a:endParaRPr lang="en-US" sz="2000" kern="0" dirty="0" smtClean="0"/>
+          </a:p>
+        </p:txBody>
+      </p:sp>
+      <p:pic>
+        <p:nvPicPr>
+          <p:cNvPr id="7" name="Picture 6"/>
+          <p:cNvPicPr>
+            <a:picLocks noChangeAspect="1"/>
+          </p:cNvPicPr>
+          <p:nvPr/>
+        </p:nvPicPr>
+        <p:blipFill>
+          <a:blip r:embed="rId2"/>
+          <a:stretch>
+            <a:fillRect/>
+          </a:stretch>
+        </p:blipFill>
+        <p:spPr>
+          <a:xfrm>
+            <a:off x="1475656" y="1052736"/>
+            <a:ext cx="5328323" cy="2753312"/>
+          </a:xfrm>
+          <a:prstGeom prst="rect">
+            <a:avLst/>
+          </a:prstGeom>
+        </p:spPr>
+      </p:pic>
+    </p:spTree>
+    <p:extLst>
+      <p:ext uri="{BB962C8B-B14F-4D97-AF65-F5344CB8AC3E}">
+        <p14:creationId xmlns:p14="http://schemas.microsoft.com/office/powerpoint/2010/main" val="3570913018"/>
+      </p:ext>
+    </p:extLst>
+  </p:cSld>
+  <p:clrMapOvr>
+    <a:masterClrMapping/>
+  </p:clrMapOvr>
+</p:sld>
+</file>
+
+<file path=ppt/slides/slide6.xml><?xml version="1.0" encoding="utf-8"?>
+<p:sld xmlns:a="http://schemas.openxmlformats.org/drawingml/2006/main" xmlns:r="http://schemas.openxmlformats.org/officeDocument/2006/relationships" xmlns:p="http://schemas.openxmlformats.org/presentationml/2006/main">
+  <p:cSld>
+    <p:spTree>
+      <p:nvGrpSpPr>
+        <p:cNvPr id="1" name=""/>
+        <p:cNvGrpSpPr/>
+        <p:nvPr/>
+      </p:nvGrpSpPr>
+      <p:grpSpPr>
+        <a:xfrm>
+          <a:off x="0" y="0"/>
+          <a:ext cx="0" cy="0"/>
+          <a:chOff x="0" y="0"/>
+          <a:chExt cx="0" cy="0"/>
+        </a:xfrm>
+      </p:grpSpPr>
+      <p:sp>
+        <p:nvSpPr>
+          <p:cNvPr id="28" name="Rectangle 2"/>
+          <p:cNvSpPr txBox="1">
+            <a:spLocks noChangeArrowheads="1"/>
+          </p:cNvSpPr>
+          <p:nvPr/>
+        </p:nvSpPr>
+        <p:spPr>
+          <a:xfrm>
+            <a:off x="457200" y="1124000"/>
+            <a:ext cx="8229600" cy="4343400"/>
+          </a:xfrm>
+          <a:prstGeom prst="rect">
+            <a:avLst/>
+          </a:prstGeom>
+        </p:spPr>
+        <p:txBody>
+          <a:bodyPr/>
+          <a:lstStyle>
+            <a:lvl1pPr marL="342900" indent="-342900" algn="l" rtl="0" eaLnBrk="1" fontAlgn="base" hangingPunct="1">
+              <a:spcBef>
+                <a:spcPct val="20000"/>
+              </a:spcBef>
+              <a:spcAft>
+                <a:spcPct val="0"/>
+              </a:spcAft>
+              <a:buChar char="•"/>
+              <a:defRPr sz="3200">
+                <a:solidFill>
+                  <a:schemeClr val="tx1"/>
+                </a:solidFill>
+                <a:latin typeface="+mn-lt"/>
+                <a:ea typeface="+mn-ea"/>
+                <a:cs typeface="+mn-cs"/>
+              </a:defRPr>
+            </a:lvl1pPr>
+            <a:lvl2pPr marL="742950" indent="-285750" algn="l" rtl="0" eaLnBrk="1" fontAlgn="base" hangingPunct="1">
+              <a:spcBef>
+                <a:spcPct val="20000"/>
+              </a:spcBef>
+              <a:spcAft>
+                <a:spcPct val="0"/>
+              </a:spcAft>
+              <a:buChar char="–"/>
+              <a:defRPr sz="2800">
+                <a:solidFill>
+                  <a:schemeClr val="tx1"/>
+                </a:solidFill>
+                <a:latin typeface="+mn-lt"/>
+              </a:defRPr>
+            </a:lvl2pPr>
+            <a:lvl3pPr marL="1143000" indent="-228600" algn="l" rtl="0" eaLnBrk="1" fontAlgn="base" hangingPunct="1">
+              <a:spcBef>
+                <a:spcPct val="20000"/>
+              </a:spcBef>
+              <a:spcAft>
+                <a:spcPct val="0"/>
+              </a:spcAft>
+              <a:buChar char="•"/>
+              <a:defRPr sz="2400">
+                <a:solidFill>
+                  <a:schemeClr val="tx1"/>
+                </a:solidFill>
+                <a:latin typeface="+mn-lt"/>
+              </a:defRPr>
+            </a:lvl3pPr>
+            <a:lvl4pPr marL="1600200" indent="-228600" algn="l" rtl="0" eaLnBrk="1" fontAlgn="base" hangingPunct="1">
+              <a:spcBef>
+                <a:spcPct val="20000"/>
+              </a:spcBef>
+              <a:spcAft>
+                <a:spcPct val="0"/>
+              </a:spcAft>
+              <a:buChar char="–"/>
+              <a:defRPr sz="2000">
+                <a:solidFill>
+                  <a:schemeClr val="tx1"/>
+                </a:solidFill>
+                <a:latin typeface="+mn-lt"/>
+              </a:defRPr>
+            </a:lvl4pPr>
+            <a:lvl5pPr marL="2057400" indent="-228600" algn="l" rtl="0" eaLnBrk="1" fontAlgn="base" hangingPunct="1">
+              <a:spcBef>
+                <a:spcPct val="20000"/>
+              </a:spcBef>
+              <a:spcAft>
+                <a:spcPct val="0"/>
+              </a:spcAft>
+              <a:buChar char="»"/>
+              <a:defRPr sz="2000">
+                <a:solidFill>
+                  <a:schemeClr val="tx1"/>
+                </a:solidFill>
+                <a:latin typeface="+mn-lt"/>
+              </a:defRPr>
+            </a:lvl5pPr>
+            <a:lvl6pPr marL="2514600" indent="-228600" algn="l" rtl="0" eaLnBrk="1" fontAlgn="base" hangingPunct="1">
+              <a:spcBef>
+                <a:spcPct val="20000"/>
+              </a:spcBef>
+              <a:spcAft>
+                <a:spcPct val="0"/>
+              </a:spcAft>
+              <a:buChar char="»"/>
+              <a:defRPr sz="2000">
+                <a:solidFill>
+                  <a:schemeClr val="tx1"/>
+                </a:solidFill>
+                <a:latin typeface="+mn-lt"/>
+              </a:defRPr>
+            </a:lvl6pPr>
+            <a:lvl7pPr marL="2971800" indent="-228600" algn="l" rtl="0" eaLnBrk="1" fontAlgn="base" hangingPunct="1">
+              <a:spcBef>
+                <a:spcPct val="20000"/>
+              </a:spcBef>
+              <a:spcAft>
+                <a:spcPct val="0"/>
+              </a:spcAft>
+              <a:buChar char="»"/>
+              <a:defRPr sz="2000">
+                <a:solidFill>
+                  <a:schemeClr val="tx1"/>
+                </a:solidFill>
+                <a:latin typeface="+mn-lt"/>
+              </a:defRPr>
+            </a:lvl7pPr>
+            <a:lvl8pPr marL="3429000" indent="-228600" algn="l" rtl="0" eaLnBrk="1" fontAlgn="base" hangingPunct="1">
+              <a:spcBef>
+                <a:spcPct val="20000"/>
+              </a:spcBef>
+              <a:spcAft>
+                <a:spcPct val="0"/>
+              </a:spcAft>
+              <a:buChar char="»"/>
+              <a:defRPr sz="2000">
+                <a:solidFill>
+                  <a:schemeClr val="tx1"/>
+                </a:solidFill>
+                <a:latin typeface="+mn-lt"/>
+              </a:defRPr>
+            </a:lvl8pPr>
+            <a:lvl9pPr marL="3886200" indent="-228600" algn="l" rtl="0" eaLnBrk="1" fontAlgn="base" hangingPunct="1">
+              <a:spcBef>
+                <a:spcPct val="20000"/>
+              </a:spcBef>
+              <a:spcAft>
+                <a:spcPct val="0"/>
+              </a:spcAft>
+              <a:buChar char="»"/>
+              <a:defRPr sz="2000">
+                <a:solidFill>
+                  <a:schemeClr val="tx1"/>
+                </a:solidFill>
+                <a:latin typeface="+mn-lt"/>
+              </a:defRPr>
+            </a:lvl9pPr>
+          </a:lstStyle>
+          <a:p>
+            <a:r>
+              <a:rPr lang="en-US" kern="0" dirty="0" smtClean="0"/>
+              <a:t>Insert 8</a:t>
+            </a:r>
+          </a:p>
+          <a:p>
+            <a:pPr lvl="1"/>
+            <a:r>
+              <a:rPr lang="en-US" i="1" kern="0" dirty="0" smtClean="0">
+                <a:solidFill>
+                  <a:schemeClr val="accent2"/>
+                </a:solidFill>
+              </a:rPr>
+              <a:t>Where does it go?</a:t>
+            </a:r>
+            <a:endParaRPr lang="en-US" kern="0" dirty="0">
+              <a:solidFill>
+                <a:schemeClr val="accent2"/>
+              </a:solidFill>
+            </a:endParaRPr>
+          </a:p>
+        </p:txBody>
+      </p:sp>
+      <p:sp>
+        <p:nvSpPr>
+          <p:cNvPr id="29" name="Rectangle 3"/>
+          <p:cNvSpPr>
+            <a:spLocks noGrp="1" noChangeArrowheads="1"/>
+          </p:cNvSpPr>
+          <p:nvPr>
+            <p:ph type="title"/>
+          </p:nvPr>
+        </p:nvSpPr>
+        <p:spPr>
+          <a:xfrm>
+            <a:off x="457200" y="-30686"/>
+            <a:ext cx="8229600" cy="990600"/>
+          </a:xfrm>
+        </p:spPr>
+        <p:txBody>
+          <a:bodyPr/>
+          <a:lstStyle/>
+          <a:p>
+            <a:r>
+              <a:rPr lang="en-US" dirty="0" smtClean="0"/>
+              <a:t>The </a:t>
+            </a:r>
+            <a:r>
+              <a:rPr lang="en-US" dirty="0"/>
+              <a:t>Problem With Insertion</a:t>
+            </a:r>
+          </a:p>
+        </p:txBody>
+      </p:sp>
+      <p:sp>
+        <p:nvSpPr>
+          <p:cNvPr id="49" name="Rectangle 23"/>
+          <p:cNvSpPr>
+            <a:spLocks noChangeArrowheads="1"/>
+          </p:cNvSpPr>
+          <p:nvPr/>
+        </p:nvSpPr>
+        <p:spPr bwMode="auto">
+          <a:xfrm>
+            <a:off x="228600" y="3867200"/>
+            <a:ext cx="6248400" cy="2311400"/>
+          </a:xfrm>
+          <a:prstGeom prst="rect">
+            <a:avLst/>
+          </a:prstGeom>
+          <a:noFill/>
+          <a:ln w="28575">
+            <a:solidFill>
+              <a:schemeClr val="tx2"/>
+            </a:solidFill>
+            <a:miter lim="800000"/>
+            <a:headEnd/>
+            <a:tailEnd/>
+          </a:ln>
+          <a:effectLst/>
+          <a:extLst>
+            <a:ext uri="{909E8E84-426E-40DD-AFC4-6F175D3DCCD1}">
+              <a14:hiddenFill xmlns:a14="http://schemas.microsoft.com/office/drawing/2010/main">
+                <a:solidFill>
+                  <a:srgbClr val="FFFFFF"/>
+                </a:solidFill>
+              </a14:hiddenFill>
+            </a:ext>
+            <a:ext uri="{AF507438-7753-43E0-B8FC-AC1667EBCBE1}">
+              <a14:hiddenEffects xmlns:a14="http://schemas.microsoft.com/office/drawing/2010/main">
+                <a:effectLst>
+                  <a:outerShdw dist="35921" dir="2700000" algn="ctr" rotWithShape="0">
+                    <a:schemeClr val="bg2"/>
+                  </a:outerShdw>
+                </a:effectLst>
+              </a14:hiddenEffects>
+            </a:ext>
+          </a:extLst>
+        </p:spPr>
+        <p:txBody>
+          <a:bodyPr anchor="ctr">
+            <a:spAutoFit/>
+          </a:bodyPr>
+          <a:lstStyle/>
+          <a:p>
+            <a:r>
+              <a:rPr lang="en-US" sz="2400" i="0">
+                <a:latin typeface="Times New Roman" panose="02020603050405020304" pitchFamily="18" charset="0"/>
+              </a:rPr>
+              <a:t>1.	Every node is either red or black</a:t>
+            </a:r>
+          </a:p>
+          <a:p>
+            <a:r>
+              <a:rPr lang="en-US" sz="2400" i="0">
+                <a:latin typeface="Times New Roman" panose="02020603050405020304" pitchFamily="18" charset="0"/>
+              </a:rPr>
+              <a:t>2.	Every leaf (NULL pointer) is black</a:t>
+            </a:r>
+          </a:p>
+          <a:p>
+            <a:r>
+              <a:rPr lang="en-US" sz="2400" i="0">
+                <a:latin typeface="Times New Roman" panose="02020603050405020304" pitchFamily="18" charset="0"/>
+              </a:rPr>
+              <a:t>3.	If a node is red, both children are black</a:t>
+            </a:r>
+          </a:p>
+          <a:p>
+            <a:r>
+              <a:rPr lang="en-US" sz="2400" i="0">
+                <a:latin typeface="Times New Roman" panose="02020603050405020304" pitchFamily="18" charset="0"/>
+              </a:rPr>
+              <a:t>4. 	Every path from node to descendent leaf</a:t>
+            </a:r>
+            <a:br>
+              <a:rPr lang="en-US" sz="2400" i="0">
+                <a:latin typeface="Times New Roman" panose="02020603050405020304" pitchFamily="18" charset="0"/>
+              </a:rPr>
+            </a:br>
+            <a:r>
+              <a:rPr lang="en-US" sz="2400" i="0">
+                <a:latin typeface="Times New Roman" panose="02020603050405020304" pitchFamily="18" charset="0"/>
+              </a:rPr>
+              <a:t>	contains the same number of black nodes</a:t>
+            </a:r>
+          </a:p>
+          <a:p>
+            <a:r>
+              <a:rPr lang="en-US" sz="2400" i="0">
+                <a:latin typeface="Times New Roman" panose="02020603050405020304" pitchFamily="18" charset="0"/>
+              </a:rPr>
+              <a:t>5. 	The root is always black</a:t>
+            </a:r>
+          </a:p>
+        </p:txBody>
+      </p:sp>
+      <p:pic>
+        <p:nvPicPr>
+          <p:cNvPr id="91" name="Picture 90"/>
+          <p:cNvPicPr>
+            <a:picLocks noChangeAspect="1"/>
+          </p:cNvPicPr>
+          <p:nvPr/>
+        </p:nvPicPr>
+        <p:blipFill>
+          <a:blip r:embed="rId3"/>
+          <a:stretch>
+            <a:fillRect/>
+          </a:stretch>
+        </p:blipFill>
+        <p:spPr>
+          <a:xfrm>
+            <a:off x="4716016" y="1484784"/>
+            <a:ext cx="3816424" cy="2184468"/>
+          </a:xfrm>
+          <a:prstGeom prst="rect">
+            <a:avLst/>
+          </a:prstGeom>
+        </p:spPr>
+      </p:pic>
+    </p:spTree>
+    <p:extLst>
+      <p:ext uri="{BB962C8B-B14F-4D97-AF65-F5344CB8AC3E}">
+        <p14:creationId xmlns:p14="http://schemas.microsoft.com/office/powerpoint/2010/main" val="1995350693"/>
+      </p:ext>
+    </p:extLst>
+  </p:cSld>
+  <p:clrMapOvr>
+    <a:masterClrMapping/>
+  </p:clrMapOvr>
+</p:sld>
+</file>
+
+<file path=ppt/slides/slide7.xml><?xml version="1.0" encoding="utf-8"?>
+<p:sld xmlns:a="http://schemas.openxmlformats.org/drawingml/2006/main" xmlns:r="http://schemas.openxmlformats.org/officeDocument/2006/relationships" xmlns:p="http://schemas.openxmlformats.org/presentationml/2006/main">
+  <p:cSld>
+    <p:spTree>
+      <p:nvGrpSpPr>
+        <p:cNvPr id="1" name=""/>
+        <p:cNvGrpSpPr/>
+        <p:nvPr/>
+      </p:nvGrpSpPr>
+      <p:grpSpPr>
+        <a:xfrm>
+          <a:off x="0" y="0"/>
+          <a:ext cx="0" cy="0"/>
+          <a:chOff x="0" y="0"/>
+          <a:chExt cx="0" cy="0"/>
+        </a:xfrm>
+      </p:grpSpPr>
+      <p:sp>
+        <p:nvSpPr>
+          <p:cNvPr id="28" name="Rectangle 2"/>
+          <p:cNvSpPr txBox="1">
+            <a:spLocks noChangeArrowheads="1"/>
+          </p:cNvSpPr>
+          <p:nvPr/>
+        </p:nvSpPr>
+        <p:spPr>
+          <a:xfrm>
+            <a:off x="457200" y="1124000"/>
+            <a:ext cx="8229600" cy="4343400"/>
+          </a:xfrm>
+          <a:prstGeom prst="rect">
+            <a:avLst/>
+          </a:prstGeom>
+        </p:spPr>
+        <p:txBody>
+          <a:bodyPr/>
+          <a:lstStyle>
+            <a:lvl1pPr marL="342900" indent="-342900" algn="l" rtl="0" eaLnBrk="1" fontAlgn="base" hangingPunct="1">
+              <a:spcBef>
+                <a:spcPct val="20000"/>
+              </a:spcBef>
+              <a:spcAft>
+                <a:spcPct val="0"/>
+              </a:spcAft>
+              <a:buChar char="•"/>
+              <a:defRPr sz="3200">
+                <a:solidFill>
+                  <a:schemeClr val="tx1"/>
+                </a:solidFill>
+                <a:latin typeface="+mn-lt"/>
+                <a:ea typeface="+mn-ea"/>
+                <a:cs typeface="+mn-cs"/>
+              </a:defRPr>
+            </a:lvl1pPr>
+            <a:lvl2pPr marL="742950" indent="-285750" algn="l" rtl="0" eaLnBrk="1" fontAlgn="base" hangingPunct="1">
+              <a:spcBef>
+                <a:spcPct val="20000"/>
+              </a:spcBef>
+              <a:spcAft>
+                <a:spcPct val="0"/>
+              </a:spcAft>
+              <a:buChar char="–"/>
+              <a:defRPr sz="2800">
+                <a:solidFill>
+                  <a:schemeClr val="tx1"/>
+                </a:solidFill>
+                <a:latin typeface="+mn-lt"/>
+              </a:defRPr>
+            </a:lvl2pPr>
+            <a:lvl3pPr marL="1143000" indent="-228600" algn="l" rtl="0" eaLnBrk="1" fontAlgn="base" hangingPunct="1">
+              <a:spcBef>
+                <a:spcPct val="20000"/>
+              </a:spcBef>
+              <a:spcAft>
+                <a:spcPct val="0"/>
+              </a:spcAft>
+              <a:buChar char="•"/>
+              <a:defRPr sz="2400">
+                <a:solidFill>
+                  <a:schemeClr val="tx1"/>
+                </a:solidFill>
+                <a:latin typeface="+mn-lt"/>
+              </a:defRPr>
+            </a:lvl3pPr>
+            <a:lvl4pPr marL="1600200" indent="-228600" algn="l" rtl="0" eaLnBrk="1" fontAlgn="base" hangingPunct="1">
+              <a:spcBef>
+                <a:spcPct val="20000"/>
+              </a:spcBef>
+              <a:spcAft>
+                <a:spcPct val="0"/>
+              </a:spcAft>
+              <a:buChar char="–"/>
+              <a:defRPr sz="2000">
+                <a:solidFill>
+                  <a:schemeClr val="tx1"/>
+                </a:solidFill>
+                <a:latin typeface="+mn-lt"/>
+              </a:defRPr>
+            </a:lvl4pPr>
+            <a:lvl5pPr marL="2057400" indent="-228600" algn="l" rtl="0" eaLnBrk="1" fontAlgn="base" hangingPunct="1">
+              <a:spcBef>
+                <a:spcPct val="20000"/>
+              </a:spcBef>
+              <a:spcAft>
+                <a:spcPct val="0"/>
+              </a:spcAft>
+              <a:buChar char="»"/>
+              <a:defRPr sz="2000">
+                <a:solidFill>
+                  <a:schemeClr val="tx1"/>
+                </a:solidFill>
+                <a:latin typeface="+mn-lt"/>
+              </a:defRPr>
+            </a:lvl5pPr>
+            <a:lvl6pPr marL="2514600" indent="-228600" algn="l" rtl="0" eaLnBrk="1" fontAlgn="base" hangingPunct="1">
+              <a:spcBef>
+                <a:spcPct val="20000"/>
+              </a:spcBef>
+              <a:spcAft>
+                <a:spcPct val="0"/>
+              </a:spcAft>
+              <a:buChar char="»"/>
+              <a:defRPr sz="2000">
+                <a:solidFill>
+                  <a:schemeClr val="tx1"/>
+                </a:solidFill>
+                <a:latin typeface="+mn-lt"/>
+              </a:defRPr>
+            </a:lvl6pPr>
+            <a:lvl7pPr marL="2971800" indent="-228600" algn="l" rtl="0" eaLnBrk="1" fontAlgn="base" hangingPunct="1">
+              <a:spcBef>
+                <a:spcPct val="20000"/>
+              </a:spcBef>
+              <a:spcAft>
+                <a:spcPct val="0"/>
+              </a:spcAft>
+              <a:buChar char="»"/>
+              <a:defRPr sz="2000">
+                <a:solidFill>
+                  <a:schemeClr val="tx1"/>
+                </a:solidFill>
+                <a:latin typeface="+mn-lt"/>
+              </a:defRPr>
+            </a:lvl7pPr>
+            <a:lvl8pPr marL="3429000" indent="-228600" algn="l" rtl="0" eaLnBrk="1" fontAlgn="base" hangingPunct="1">
+              <a:spcBef>
+                <a:spcPct val="20000"/>
+              </a:spcBef>
+              <a:spcAft>
+                <a:spcPct val="0"/>
+              </a:spcAft>
+              <a:buChar char="»"/>
+              <a:defRPr sz="2000">
+                <a:solidFill>
+                  <a:schemeClr val="tx1"/>
+                </a:solidFill>
+                <a:latin typeface="+mn-lt"/>
+              </a:defRPr>
+            </a:lvl8pPr>
+            <a:lvl9pPr marL="3886200" indent="-228600" algn="l" rtl="0" eaLnBrk="1" fontAlgn="base" hangingPunct="1">
+              <a:spcBef>
+                <a:spcPct val="20000"/>
+              </a:spcBef>
+              <a:spcAft>
+                <a:spcPct val="0"/>
+              </a:spcAft>
+              <a:buChar char="»"/>
+              <a:defRPr sz="2000">
+                <a:solidFill>
+                  <a:schemeClr val="tx1"/>
+                </a:solidFill>
+                <a:latin typeface="+mn-lt"/>
+              </a:defRPr>
+            </a:lvl9pPr>
+          </a:lstStyle>
+          <a:p>
+            <a:r>
+              <a:rPr lang="en-US" kern="0" dirty="0" smtClean="0"/>
+              <a:t>Insert 8</a:t>
+            </a:r>
+          </a:p>
+          <a:p>
+            <a:pPr lvl="1"/>
+            <a:r>
+              <a:rPr lang="en-US" i="1" kern="0" dirty="0" smtClean="0">
+                <a:solidFill>
+                  <a:schemeClr val="accent2"/>
+                </a:solidFill>
+              </a:rPr>
+              <a:t>Where does it go?</a:t>
+            </a:r>
+          </a:p>
+          <a:p>
+            <a:pPr lvl="1"/>
+            <a:r>
+              <a:rPr lang="en-US" i="1" kern="0" dirty="0">
+                <a:solidFill>
+                  <a:schemeClr val="accent2"/>
+                </a:solidFill>
+              </a:rPr>
+              <a:t>What color </a:t>
+            </a:r>
+            <a:br>
+              <a:rPr lang="en-US" i="1" kern="0" dirty="0">
+                <a:solidFill>
+                  <a:schemeClr val="accent2"/>
+                </a:solidFill>
+              </a:rPr>
+            </a:br>
+            <a:r>
+              <a:rPr lang="en-US" i="1" kern="0" dirty="0">
+                <a:solidFill>
+                  <a:schemeClr val="accent2"/>
+                </a:solidFill>
+              </a:rPr>
+              <a:t>should it be?</a:t>
+            </a:r>
+          </a:p>
+          <a:p>
+            <a:pPr lvl="1"/>
+            <a:endParaRPr lang="en-US" kern="0" dirty="0">
+              <a:solidFill>
+                <a:schemeClr val="accent2"/>
+              </a:solidFill>
+            </a:endParaRPr>
+          </a:p>
+        </p:txBody>
+      </p:sp>
+      <p:sp>
+        <p:nvSpPr>
+          <p:cNvPr id="29" name="Rectangle 3"/>
+          <p:cNvSpPr>
+            <a:spLocks noGrp="1" noChangeArrowheads="1"/>
+          </p:cNvSpPr>
+          <p:nvPr>
+            <p:ph type="title"/>
+          </p:nvPr>
+        </p:nvSpPr>
+        <p:spPr>
+          <a:xfrm>
+            <a:off x="457200" y="-30686"/>
+            <a:ext cx="8229600" cy="990600"/>
+          </a:xfrm>
+        </p:spPr>
+        <p:txBody>
+          <a:bodyPr/>
+          <a:lstStyle/>
+          <a:p>
+            <a:r>
+              <a:rPr lang="en-US" dirty="0" smtClean="0"/>
+              <a:t>The </a:t>
+            </a:r>
+            <a:r>
+              <a:rPr lang="en-US" dirty="0"/>
+              <a:t>Problem With Insertion</a:t>
+            </a:r>
+          </a:p>
+        </p:txBody>
+      </p:sp>
+      <p:sp>
+        <p:nvSpPr>
+          <p:cNvPr id="49" name="Rectangle 23"/>
+          <p:cNvSpPr>
+            <a:spLocks noChangeArrowheads="1"/>
+          </p:cNvSpPr>
+          <p:nvPr/>
+        </p:nvSpPr>
+        <p:spPr bwMode="auto">
+          <a:xfrm>
+            <a:off x="228600" y="3867200"/>
+            <a:ext cx="6248400" cy="2311400"/>
+          </a:xfrm>
+          <a:prstGeom prst="rect">
+            <a:avLst/>
+          </a:prstGeom>
+          <a:noFill/>
+          <a:ln w="28575">
+            <a:solidFill>
+              <a:schemeClr val="tx2"/>
+            </a:solidFill>
+            <a:miter lim="800000"/>
+            <a:headEnd/>
+            <a:tailEnd/>
+          </a:ln>
+          <a:effectLst/>
+          <a:extLst>
+            <a:ext uri="{909E8E84-426E-40DD-AFC4-6F175D3DCCD1}">
+              <a14:hiddenFill xmlns:a14="http://schemas.microsoft.com/office/drawing/2010/main">
+                <a:solidFill>
+                  <a:srgbClr val="FFFFFF"/>
+                </a:solidFill>
+              </a14:hiddenFill>
+            </a:ext>
+            <a:ext uri="{AF507438-7753-43E0-B8FC-AC1667EBCBE1}">
+              <a14:hiddenEffects xmlns:a14="http://schemas.microsoft.com/office/drawing/2010/main">
+                <a:effectLst>
+                  <a:outerShdw dist="35921" dir="2700000" algn="ctr" rotWithShape="0">
+                    <a:schemeClr val="bg2"/>
+                  </a:outerShdw>
+                </a:effectLst>
+              </a14:hiddenEffects>
+            </a:ext>
+          </a:extLst>
+        </p:spPr>
+        <p:txBody>
+          <a:bodyPr anchor="ctr">
+            <a:spAutoFit/>
+          </a:bodyPr>
+          <a:lstStyle/>
+          <a:p>
+            <a:r>
+              <a:rPr lang="en-US" sz="2400" i="0" dirty="0">
+                <a:latin typeface="Times New Roman" panose="02020603050405020304" pitchFamily="18" charset="0"/>
+              </a:rPr>
+              <a:t>1.	Every node is either red or black</a:t>
+            </a:r>
+          </a:p>
+          <a:p>
+            <a:r>
+              <a:rPr lang="en-US" sz="2400" i="0" dirty="0">
+                <a:latin typeface="Times New Roman" panose="02020603050405020304" pitchFamily="18" charset="0"/>
+              </a:rPr>
+              <a:t>2.	Every leaf (NULL pointer) is black</a:t>
+            </a:r>
+          </a:p>
+          <a:p>
+            <a:r>
+              <a:rPr lang="en-US" sz="2400" i="0" dirty="0">
+                <a:latin typeface="Times New Roman" panose="02020603050405020304" pitchFamily="18" charset="0"/>
+              </a:rPr>
+              <a:t>3.	If a node is red, both children are black</a:t>
+            </a:r>
+          </a:p>
+          <a:p>
+            <a:r>
+              <a:rPr lang="en-US" sz="2400" i="0" dirty="0">
+                <a:latin typeface="Times New Roman" panose="02020603050405020304" pitchFamily="18" charset="0"/>
+              </a:rPr>
+              <a:t>4. 	Every path from node to descendent leaf</a:t>
+            </a:r>
+            <a:br>
+              <a:rPr lang="en-US" sz="2400" i="0" dirty="0">
+                <a:latin typeface="Times New Roman" panose="02020603050405020304" pitchFamily="18" charset="0"/>
+              </a:rPr>
+            </a:br>
+            <a:r>
+              <a:rPr lang="en-US" sz="2400" i="0" dirty="0">
+                <a:latin typeface="Times New Roman" panose="02020603050405020304" pitchFamily="18" charset="0"/>
+              </a:rPr>
+              <a:t>	contains the same number of black nodes</a:t>
+            </a:r>
+          </a:p>
+          <a:p>
+            <a:r>
+              <a:rPr lang="en-US" sz="2400" i="0" dirty="0">
+                <a:latin typeface="Times New Roman" panose="02020603050405020304" pitchFamily="18" charset="0"/>
+              </a:rPr>
+              <a:t>5. 	The root is always black</a:t>
+            </a:r>
+          </a:p>
+        </p:txBody>
+      </p:sp>
+      <p:pic>
+        <p:nvPicPr>
+          <p:cNvPr id="2" name="Picture 1"/>
+          <p:cNvPicPr>
+            <a:picLocks noChangeAspect="1"/>
+          </p:cNvPicPr>
+          <p:nvPr/>
+        </p:nvPicPr>
+        <p:blipFill>
+          <a:blip r:embed="rId3"/>
+          <a:stretch>
+            <a:fillRect/>
+          </a:stretch>
+        </p:blipFill>
+        <p:spPr>
+          <a:xfrm>
+            <a:off x="4716016" y="1154074"/>
+            <a:ext cx="3749365" cy="2149026"/>
+          </a:xfrm>
+          <a:prstGeom prst="rect">
+            <a:avLst/>
+          </a:prstGeom>
+        </p:spPr>
+      </p:pic>
+    </p:spTree>
+    <p:extLst>
+      <p:ext uri="{BB962C8B-B14F-4D97-AF65-F5344CB8AC3E}">
+        <p14:creationId xmlns:p14="http://schemas.microsoft.com/office/powerpoint/2010/main" val="2368374692"/>
+      </p:ext>
+    </p:extLst>
+  </p:cSld>
+  <p:clrMapOvr>
+    <a:masterClrMapping/>
+  </p:clrMapOvr>
+</p:sld>
+</file>
+
+<file path=ppt/slides/slide8.xml><?xml version="1.0" encoding="utf-8"?>
+<p:sld xmlns:a="http://schemas.openxmlformats.org/drawingml/2006/main" xmlns:r="http://schemas.openxmlformats.org/officeDocument/2006/relationships" xmlns:p="http://schemas.openxmlformats.org/presentationml/2006/main">
+  <p:cSld>
+    <p:spTree>
+      <p:nvGrpSpPr>
+        <p:cNvPr id="1" name=""/>
+        <p:cNvGrpSpPr/>
+        <p:nvPr/>
+      </p:nvGrpSpPr>
+      <p:grpSpPr>
+        <a:xfrm>
+          <a:off x="0" y="0"/>
+          <a:ext cx="0" cy="0"/>
+          <a:chOff x="0" y="0"/>
+          <a:chExt cx="0" cy="0"/>
+        </a:xfrm>
+      </p:grpSpPr>
+      <p:sp>
+        <p:nvSpPr>
           <p:cNvPr id="2" name="Title 1"/>
           <p:cNvSpPr>
             <a:spLocks noGrp="1"/>
@@ -5155,7 +6462,7 @@
 </p:sld>
 </file>
 
-<file path=ppt/slides/slide6.xml><?xml version="1.0" encoding="utf-8"?>
+<file path=ppt/slides/slide9.xml><?xml version="1.0" encoding="utf-8"?>
 <p:sld xmlns:a="http://schemas.openxmlformats.org/drawingml/2006/main" xmlns:r="http://schemas.openxmlformats.org/officeDocument/2006/relationships" xmlns:p="http://schemas.openxmlformats.org/presentationml/2006/main">
   <p:cSld>
     <p:spTree>

--- a/PPT/RedBlack_DS_PPT.pptx
+++ b/PPT/RedBlack_DS_PPT.pptx
@@ -5,10 +5,10 @@
     <p:sldMasterId id="2147483660" r:id="rId1"/>
   </p:sldMasterIdLst>
   <p:notesMasterIdLst>
-    <p:notesMasterId r:id="rId11"/>
+    <p:notesMasterId r:id="rId19"/>
   </p:notesMasterIdLst>
   <p:handoutMasterIdLst>
-    <p:handoutMasterId r:id="rId12"/>
+    <p:handoutMasterId r:id="rId20"/>
   </p:handoutMasterIdLst>
   <p:sldIdLst>
     <p:sldId id="258" r:id="rId2"/>
@@ -18,8 +18,16 @@
     <p:sldId id="498" r:id="rId6"/>
     <p:sldId id="499" r:id="rId7"/>
     <p:sldId id="500" r:id="rId8"/>
-    <p:sldId id="495" r:id="rId9"/>
-    <p:sldId id="477" r:id="rId10"/>
+    <p:sldId id="501" r:id="rId9"/>
+    <p:sldId id="502" r:id="rId10"/>
+    <p:sldId id="503" r:id="rId11"/>
+    <p:sldId id="504" r:id="rId12"/>
+    <p:sldId id="506" r:id="rId13"/>
+    <p:sldId id="507" r:id="rId14"/>
+    <p:sldId id="508" r:id="rId15"/>
+    <p:sldId id="505" r:id="rId16"/>
+    <p:sldId id="495" r:id="rId17"/>
+    <p:sldId id="477" r:id="rId18"/>
   </p:sldIdLst>
   <p:sldSz cx="9144000" cy="6858000" type="screen4x3"/>
   <p:notesSz cx="6858000" cy="9144000"/>
@@ -160,6 +168,14 @@
             <p14:sldId id="498"/>
             <p14:sldId id="499"/>
             <p14:sldId id="500"/>
+            <p14:sldId id="501"/>
+            <p14:sldId id="502"/>
+            <p14:sldId id="503"/>
+            <p14:sldId id="504"/>
+            <p14:sldId id="506"/>
+            <p14:sldId id="507"/>
+            <p14:sldId id="508"/>
+            <p14:sldId id="505"/>
             <p14:sldId id="495"/>
             <p14:sldId id="477"/>
           </p14:sldIdLst>
@@ -890,6 +906,96 @@
 </p:notes>
 </file>
 
+<file path=ppt/notesSlides/notesSlide10.xml><?xml version="1.0" encoding="utf-8"?>
+<p:notes xmlns:a="http://schemas.openxmlformats.org/drawingml/2006/main" xmlns:r="http://schemas.openxmlformats.org/officeDocument/2006/relationships" xmlns:p="http://schemas.openxmlformats.org/presentationml/2006/main">
+  <p:cSld>
+    <p:spTree>
+      <p:nvGrpSpPr>
+        <p:cNvPr id="1" name=""/>
+        <p:cNvGrpSpPr/>
+        <p:nvPr/>
+      </p:nvGrpSpPr>
+      <p:grpSpPr>
+        <a:xfrm>
+          <a:off x="0" y="0"/>
+          <a:ext cx="0" cy="0"/>
+          <a:chOff x="0" y="0"/>
+          <a:chExt cx="0" cy="0"/>
+        </a:xfrm>
+      </p:grpSpPr>
+      <p:sp>
+        <p:nvSpPr>
+          <p:cNvPr id="2" name="Slide Image Placeholder 1"/>
+          <p:cNvSpPr>
+            <a:spLocks noGrp="1" noRot="1" noChangeAspect="1"/>
+          </p:cNvSpPr>
+          <p:nvPr>
+            <p:ph type="sldImg"/>
+          </p:nvPr>
+        </p:nvSpPr>
+        <p:spPr/>
+      </p:sp>
+      <p:sp>
+        <p:nvSpPr>
+          <p:cNvPr id="3" name="Notes Placeholder 2"/>
+          <p:cNvSpPr>
+            <a:spLocks noGrp="1"/>
+          </p:cNvSpPr>
+          <p:nvPr>
+            <p:ph type="body" idx="1"/>
+          </p:nvPr>
+        </p:nvSpPr>
+        <p:spPr/>
+        <p:txBody>
+          <a:bodyPr/>
+          <a:lstStyle/>
+          <a:p>
+            <a:endParaRPr lang="en-US" dirty="0"/>
+          </a:p>
+        </p:txBody>
+      </p:sp>
+      <p:sp>
+        <p:nvSpPr>
+          <p:cNvPr id="4" name="Slide Number Placeholder 3"/>
+          <p:cNvSpPr>
+            <a:spLocks noGrp="1"/>
+          </p:cNvSpPr>
+          <p:nvPr>
+            <p:ph type="sldNum" sz="quarter" idx="10"/>
+          </p:nvPr>
+        </p:nvSpPr>
+        <p:spPr/>
+        <p:txBody>
+          <a:bodyPr/>
+          <a:lstStyle/>
+          <a:p>
+            <a:pPr>
+              <a:defRPr/>
+            </a:pPr>
+            <a:fld id="{7FB3FDA6-AD30-4F45-934D-A9F1C5058AC0}" type="slidenum">
+              <a:rPr lang="en-US" smtClean="0"/>
+              <a:pPr>
+                <a:defRPr/>
+              </a:pPr>
+              <a:t>14</a:t>
+            </a:fld>
+            <a:endParaRPr lang="en-US" dirty="0"/>
+          </a:p>
+        </p:txBody>
+      </p:sp>
+    </p:spTree>
+    <p:extLst>
+      <p:ext uri="{BB962C8B-B14F-4D97-AF65-F5344CB8AC3E}">
+        <p14:creationId xmlns:p14="http://schemas.microsoft.com/office/powerpoint/2010/main" val="2522480232"/>
+      </p:ext>
+    </p:extLst>
+  </p:cSld>
+  <p:clrMapOvr>
+    <a:masterClrMapping/>
+  </p:clrMapOvr>
+</p:notes>
+</file>
+
 <file path=ppt/notesSlides/notesSlide2.xml><?xml version="1.0" encoding="utf-8"?>
 <p:notes xmlns:a="http://schemas.openxmlformats.org/drawingml/2006/main" xmlns:r="http://schemas.openxmlformats.org/officeDocument/2006/relationships" xmlns:p="http://schemas.openxmlformats.org/presentationml/2006/main">
   <p:cSld>
@@ -1061,6 +1167,546 @@
     <p:extLst>
       <p:ext uri="{BB962C8B-B14F-4D97-AF65-F5344CB8AC3E}">
         <p14:creationId xmlns:p14="http://schemas.microsoft.com/office/powerpoint/2010/main" val="1587046279"/>
+      </p:ext>
+    </p:extLst>
+  </p:cSld>
+  <p:clrMapOvr>
+    <a:masterClrMapping/>
+  </p:clrMapOvr>
+</p:notes>
+</file>
+
+<file path=ppt/notesSlides/notesSlide4.xml><?xml version="1.0" encoding="utf-8"?>
+<p:notes xmlns:a="http://schemas.openxmlformats.org/drawingml/2006/main" xmlns:r="http://schemas.openxmlformats.org/officeDocument/2006/relationships" xmlns:p="http://schemas.openxmlformats.org/presentationml/2006/main">
+  <p:cSld>
+    <p:spTree>
+      <p:nvGrpSpPr>
+        <p:cNvPr id="1" name=""/>
+        <p:cNvGrpSpPr/>
+        <p:nvPr/>
+      </p:nvGrpSpPr>
+      <p:grpSpPr>
+        <a:xfrm>
+          <a:off x="0" y="0"/>
+          <a:ext cx="0" cy="0"/>
+          <a:chOff x="0" y="0"/>
+          <a:chExt cx="0" cy="0"/>
+        </a:xfrm>
+      </p:grpSpPr>
+      <p:sp>
+        <p:nvSpPr>
+          <p:cNvPr id="2" name="Slide Image Placeholder 1"/>
+          <p:cNvSpPr>
+            <a:spLocks noGrp="1" noRot="1" noChangeAspect="1"/>
+          </p:cNvSpPr>
+          <p:nvPr>
+            <p:ph type="sldImg"/>
+          </p:nvPr>
+        </p:nvSpPr>
+        <p:spPr/>
+      </p:sp>
+      <p:sp>
+        <p:nvSpPr>
+          <p:cNvPr id="3" name="Notes Placeholder 2"/>
+          <p:cNvSpPr>
+            <a:spLocks noGrp="1"/>
+          </p:cNvSpPr>
+          <p:nvPr>
+            <p:ph type="body" idx="1"/>
+          </p:nvPr>
+        </p:nvSpPr>
+        <p:spPr/>
+        <p:txBody>
+          <a:bodyPr/>
+          <a:lstStyle/>
+          <a:p>
+            <a:endParaRPr lang="en-US" dirty="0"/>
+          </a:p>
+        </p:txBody>
+      </p:sp>
+      <p:sp>
+        <p:nvSpPr>
+          <p:cNvPr id="4" name="Slide Number Placeholder 3"/>
+          <p:cNvSpPr>
+            <a:spLocks noGrp="1"/>
+          </p:cNvSpPr>
+          <p:nvPr>
+            <p:ph type="sldNum" sz="quarter" idx="10"/>
+          </p:nvPr>
+        </p:nvSpPr>
+        <p:spPr/>
+        <p:txBody>
+          <a:bodyPr/>
+          <a:lstStyle/>
+          <a:p>
+            <a:pPr>
+              <a:defRPr/>
+            </a:pPr>
+            <a:fld id="{7FB3FDA6-AD30-4F45-934D-A9F1C5058AC0}" type="slidenum">
+              <a:rPr lang="en-US" smtClean="0"/>
+              <a:pPr>
+                <a:defRPr/>
+              </a:pPr>
+              <a:t>8</a:t>
+            </a:fld>
+            <a:endParaRPr lang="en-US" dirty="0"/>
+          </a:p>
+        </p:txBody>
+      </p:sp>
+    </p:spTree>
+    <p:extLst>
+      <p:ext uri="{BB962C8B-B14F-4D97-AF65-F5344CB8AC3E}">
+        <p14:creationId xmlns:p14="http://schemas.microsoft.com/office/powerpoint/2010/main" val="741612861"/>
+      </p:ext>
+    </p:extLst>
+  </p:cSld>
+  <p:clrMapOvr>
+    <a:masterClrMapping/>
+  </p:clrMapOvr>
+</p:notes>
+</file>
+
+<file path=ppt/notesSlides/notesSlide5.xml><?xml version="1.0" encoding="utf-8"?>
+<p:notes xmlns:a="http://schemas.openxmlformats.org/drawingml/2006/main" xmlns:r="http://schemas.openxmlformats.org/officeDocument/2006/relationships" xmlns:p="http://schemas.openxmlformats.org/presentationml/2006/main">
+  <p:cSld>
+    <p:spTree>
+      <p:nvGrpSpPr>
+        <p:cNvPr id="1" name=""/>
+        <p:cNvGrpSpPr/>
+        <p:nvPr/>
+      </p:nvGrpSpPr>
+      <p:grpSpPr>
+        <a:xfrm>
+          <a:off x="0" y="0"/>
+          <a:ext cx="0" cy="0"/>
+          <a:chOff x="0" y="0"/>
+          <a:chExt cx="0" cy="0"/>
+        </a:xfrm>
+      </p:grpSpPr>
+      <p:sp>
+        <p:nvSpPr>
+          <p:cNvPr id="2" name="Slide Image Placeholder 1"/>
+          <p:cNvSpPr>
+            <a:spLocks noGrp="1" noRot="1" noChangeAspect="1"/>
+          </p:cNvSpPr>
+          <p:nvPr>
+            <p:ph type="sldImg"/>
+          </p:nvPr>
+        </p:nvSpPr>
+        <p:spPr/>
+      </p:sp>
+      <p:sp>
+        <p:nvSpPr>
+          <p:cNvPr id="3" name="Notes Placeholder 2"/>
+          <p:cNvSpPr>
+            <a:spLocks noGrp="1"/>
+          </p:cNvSpPr>
+          <p:nvPr>
+            <p:ph type="body" idx="1"/>
+          </p:nvPr>
+        </p:nvSpPr>
+        <p:spPr/>
+        <p:txBody>
+          <a:bodyPr/>
+          <a:lstStyle/>
+          <a:p>
+            <a:endParaRPr lang="en-US" dirty="0"/>
+          </a:p>
+        </p:txBody>
+      </p:sp>
+      <p:sp>
+        <p:nvSpPr>
+          <p:cNvPr id="4" name="Slide Number Placeholder 3"/>
+          <p:cNvSpPr>
+            <a:spLocks noGrp="1"/>
+          </p:cNvSpPr>
+          <p:nvPr>
+            <p:ph type="sldNum" sz="quarter" idx="10"/>
+          </p:nvPr>
+        </p:nvSpPr>
+        <p:spPr/>
+        <p:txBody>
+          <a:bodyPr/>
+          <a:lstStyle/>
+          <a:p>
+            <a:pPr>
+              <a:defRPr/>
+            </a:pPr>
+            <a:fld id="{7FB3FDA6-AD30-4F45-934D-A9F1C5058AC0}" type="slidenum">
+              <a:rPr lang="en-US" smtClean="0"/>
+              <a:pPr>
+                <a:defRPr/>
+              </a:pPr>
+              <a:t>9</a:t>
+            </a:fld>
+            <a:endParaRPr lang="en-US" dirty="0"/>
+          </a:p>
+        </p:txBody>
+      </p:sp>
+    </p:spTree>
+    <p:extLst>
+      <p:ext uri="{BB962C8B-B14F-4D97-AF65-F5344CB8AC3E}">
+        <p14:creationId xmlns:p14="http://schemas.microsoft.com/office/powerpoint/2010/main" val="4208429278"/>
+      </p:ext>
+    </p:extLst>
+  </p:cSld>
+  <p:clrMapOvr>
+    <a:masterClrMapping/>
+  </p:clrMapOvr>
+</p:notes>
+</file>
+
+<file path=ppt/notesSlides/notesSlide6.xml><?xml version="1.0" encoding="utf-8"?>
+<p:notes xmlns:a="http://schemas.openxmlformats.org/drawingml/2006/main" xmlns:r="http://schemas.openxmlformats.org/officeDocument/2006/relationships" xmlns:p="http://schemas.openxmlformats.org/presentationml/2006/main">
+  <p:cSld>
+    <p:spTree>
+      <p:nvGrpSpPr>
+        <p:cNvPr id="1" name=""/>
+        <p:cNvGrpSpPr/>
+        <p:nvPr/>
+      </p:nvGrpSpPr>
+      <p:grpSpPr>
+        <a:xfrm>
+          <a:off x="0" y="0"/>
+          <a:ext cx="0" cy="0"/>
+          <a:chOff x="0" y="0"/>
+          <a:chExt cx="0" cy="0"/>
+        </a:xfrm>
+      </p:grpSpPr>
+      <p:sp>
+        <p:nvSpPr>
+          <p:cNvPr id="2" name="Slide Image Placeholder 1"/>
+          <p:cNvSpPr>
+            <a:spLocks noGrp="1" noRot="1" noChangeAspect="1"/>
+          </p:cNvSpPr>
+          <p:nvPr>
+            <p:ph type="sldImg"/>
+          </p:nvPr>
+        </p:nvSpPr>
+        <p:spPr/>
+      </p:sp>
+      <p:sp>
+        <p:nvSpPr>
+          <p:cNvPr id="3" name="Notes Placeholder 2"/>
+          <p:cNvSpPr>
+            <a:spLocks noGrp="1"/>
+          </p:cNvSpPr>
+          <p:nvPr>
+            <p:ph type="body" idx="1"/>
+          </p:nvPr>
+        </p:nvSpPr>
+        <p:spPr/>
+        <p:txBody>
+          <a:bodyPr/>
+          <a:lstStyle/>
+          <a:p>
+            <a:endParaRPr lang="en-US" dirty="0"/>
+          </a:p>
+        </p:txBody>
+      </p:sp>
+      <p:sp>
+        <p:nvSpPr>
+          <p:cNvPr id="4" name="Slide Number Placeholder 3"/>
+          <p:cNvSpPr>
+            <a:spLocks noGrp="1"/>
+          </p:cNvSpPr>
+          <p:nvPr>
+            <p:ph type="sldNum" sz="quarter" idx="10"/>
+          </p:nvPr>
+        </p:nvSpPr>
+        <p:spPr/>
+        <p:txBody>
+          <a:bodyPr/>
+          <a:lstStyle/>
+          <a:p>
+            <a:pPr>
+              <a:defRPr/>
+            </a:pPr>
+            <a:fld id="{7FB3FDA6-AD30-4F45-934D-A9F1C5058AC0}" type="slidenum">
+              <a:rPr lang="en-US" smtClean="0"/>
+              <a:pPr>
+                <a:defRPr/>
+              </a:pPr>
+              <a:t>10</a:t>
+            </a:fld>
+            <a:endParaRPr lang="en-US" dirty="0"/>
+          </a:p>
+        </p:txBody>
+      </p:sp>
+    </p:spTree>
+    <p:extLst>
+      <p:ext uri="{BB962C8B-B14F-4D97-AF65-F5344CB8AC3E}">
+        <p14:creationId xmlns:p14="http://schemas.microsoft.com/office/powerpoint/2010/main" val="709922823"/>
+      </p:ext>
+    </p:extLst>
+  </p:cSld>
+  <p:clrMapOvr>
+    <a:masterClrMapping/>
+  </p:clrMapOvr>
+</p:notes>
+</file>
+
+<file path=ppt/notesSlides/notesSlide7.xml><?xml version="1.0" encoding="utf-8"?>
+<p:notes xmlns:a="http://schemas.openxmlformats.org/drawingml/2006/main" xmlns:r="http://schemas.openxmlformats.org/officeDocument/2006/relationships" xmlns:p="http://schemas.openxmlformats.org/presentationml/2006/main">
+  <p:cSld>
+    <p:spTree>
+      <p:nvGrpSpPr>
+        <p:cNvPr id="1" name=""/>
+        <p:cNvGrpSpPr/>
+        <p:nvPr/>
+      </p:nvGrpSpPr>
+      <p:grpSpPr>
+        <a:xfrm>
+          <a:off x="0" y="0"/>
+          <a:ext cx="0" cy="0"/>
+          <a:chOff x="0" y="0"/>
+          <a:chExt cx="0" cy="0"/>
+        </a:xfrm>
+      </p:grpSpPr>
+      <p:sp>
+        <p:nvSpPr>
+          <p:cNvPr id="2" name="Slide Image Placeholder 1"/>
+          <p:cNvSpPr>
+            <a:spLocks noGrp="1" noRot="1" noChangeAspect="1"/>
+          </p:cNvSpPr>
+          <p:nvPr>
+            <p:ph type="sldImg"/>
+          </p:nvPr>
+        </p:nvSpPr>
+        <p:spPr/>
+      </p:sp>
+      <p:sp>
+        <p:nvSpPr>
+          <p:cNvPr id="3" name="Notes Placeholder 2"/>
+          <p:cNvSpPr>
+            <a:spLocks noGrp="1"/>
+          </p:cNvSpPr>
+          <p:nvPr>
+            <p:ph type="body" idx="1"/>
+          </p:nvPr>
+        </p:nvSpPr>
+        <p:spPr/>
+        <p:txBody>
+          <a:bodyPr/>
+          <a:lstStyle/>
+          <a:p>
+            <a:endParaRPr lang="en-US" dirty="0"/>
+          </a:p>
+        </p:txBody>
+      </p:sp>
+      <p:sp>
+        <p:nvSpPr>
+          <p:cNvPr id="4" name="Slide Number Placeholder 3"/>
+          <p:cNvSpPr>
+            <a:spLocks noGrp="1"/>
+          </p:cNvSpPr>
+          <p:nvPr>
+            <p:ph type="sldNum" sz="quarter" idx="10"/>
+          </p:nvPr>
+        </p:nvSpPr>
+        <p:spPr/>
+        <p:txBody>
+          <a:bodyPr/>
+          <a:lstStyle/>
+          <a:p>
+            <a:pPr>
+              <a:defRPr/>
+            </a:pPr>
+            <a:fld id="{7FB3FDA6-AD30-4F45-934D-A9F1C5058AC0}" type="slidenum">
+              <a:rPr lang="en-US" smtClean="0"/>
+              <a:pPr>
+                <a:defRPr/>
+              </a:pPr>
+              <a:t>11</a:t>
+            </a:fld>
+            <a:endParaRPr lang="en-US" dirty="0"/>
+          </a:p>
+        </p:txBody>
+      </p:sp>
+    </p:spTree>
+    <p:extLst>
+      <p:ext uri="{BB962C8B-B14F-4D97-AF65-F5344CB8AC3E}">
+        <p14:creationId xmlns:p14="http://schemas.microsoft.com/office/powerpoint/2010/main" val="145599104"/>
+      </p:ext>
+    </p:extLst>
+  </p:cSld>
+  <p:clrMapOvr>
+    <a:masterClrMapping/>
+  </p:clrMapOvr>
+</p:notes>
+</file>
+
+<file path=ppt/notesSlides/notesSlide8.xml><?xml version="1.0" encoding="utf-8"?>
+<p:notes xmlns:a="http://schemas.openxmlformats.org/drawingml/2006/main" xmlns:r="http://schemas.openxmlformats.org/officeDocument/2006/relationships" xmlns:p="http://schemas.openxmlformats.org/presentationml/2006/main">
+  <p:cSld>
+    <p:spTree>
+      <p:nvGrpSpPr>
+        <p:cNvPr id="1" name=""/>
+        <p:cNvGrpSpPr/>
+        <p:nvPr/>
+      </p:nvGrpSpPr>
+      <p:grpSpPr>
+        <a:xfrm>
+          <a:off x="0" y="0"/>
+          <a:ext cx="0" cy="0"/>
+          <a:chOff x="0" y="0"/>
+          <a:chExt cx="0" cy="0"/>
+        </a:xfrm>
+      </p:grpSpPr>
+      <p:sp>
+        <p:nvSpPr>
+          <p:cNvPr id="2" name="Slide Image Placeholder 1"/>
+          <p:cNvSpPr>
+            <a:spLocks noGrp="1" noRot="1" noChangeAspect="1"/>
+          </p:cNvSpPr>
+          <p:nvPr>
+            <p:ph type="sldImg"/>
+          </p:nvPr>
+        </p:nvSpPr>
+        <p:spPr/>
+      </p:sp>
+      <p:sp>
+        <p:nvSpPr>
+          <p:cNvPr id="3" name="Notes Placeholder 2"/>
+          <p:cNvSpPr>
+            <a:spLocks noGrp="1"/>
+          </p:cNvSpPr>
+          <p:nvPr>
+            <p:ph type="body" idx="1"/>
+          </p:nvPr>
+        </p:nvSpPr>
+        <p:spPr/>
+        <p:txBody>
+          <a:bodyPr/>
+          <a:lstStyle/>
+          <a:p>
+            <a:endParaRPr lang="en-US" dirty="0"/>
+          </a:p>
+        </p:txBody>
+      </p:sp>
+      <p:sp>
+        <p:nvSpPr>
+          <p:cNvPr id="4" name="Slide Number Placeholder 3"/>
+          <p:cNvSpPr>
+            <a:spLocks noGrp="1"/>
+          </p:cNvSpPr>
+          <p:nvPr>
+            <p:ph type="sldNum" sz="quarter" idx="10"/>
+          </p:nvPr>
+        </p:nvSpPr>
+        <p:spPr/>
+        <p:txBody>
+          <a:bodyPr/>
+          <a:lstStyle/>
+          <a:p>
+            <a:pPr>
+              <a:defRPr/>
+            </a:pPr>
+            <a:fld id="{7FB3FDA6-AD30-4F45-934D-A9F1C5058AC0}" type="slidenum">
+              <a:rPr lang="en-US" smtClean="0"/>
+              <a:pPr>
+                <a:defRPr/>
+              </a:pPr>
+              <a:t>12</a:t>
+            </a:fld>
+            <a:endParaRPr lang="en-US" dirty="0"/>
+          </a:p>
+        </p:txBody>
+      </p:sp>
+    </p:spTree>
+    <p:extLst>
+      <p:ext uri="{BB962C8B-B14F-4D97-AF65-F5344CB8AC3E}">
+        <p14:creationId xmlns:p14="http://schemas.microsoft.com/office/powerpoint/2010/main" val="3921784700"/>
+      </p:ext>
+    </p:extLst>
+  </p:cSld>
+  <p:clrMapOvr>
+    <a:masterClrMapping/>
+  </p:clrMapOvr>
+</p:notes>
+</file>
+
+<file path=ppt/notesSlides/notesSlide9.xml><?xml version="1.0" encoding="utf-8"?>
+<p:notes xmlns:a="http://schemas.openxmlformats.org/drawingml/2006/main" xmlns:r="http://schemas.openxmlformats.org/officeDocument/2006/relationships" xmlns:p="http://schemas.openxmlformats.org/presentationml/2006/main">
+  <p:cSld>
+    <p:spTree>
+      <p:nvGrpSpPr>
+        <p:cNvPr id="1" name=""/>
+        <p:cNvGrpSpPr/>
+        <p:nvPr/>
+      </p:nvGrpSpPr>
+      <p:grpSpPr>
+        <a:xfrm>
+          <a:off x="0" y="0"/>
+          <a:ext cx="0" cy="0"/>
+          <a:chOff x="0" y="0"/>
+          <a:chExt cx="0" cy="0"/>
+        </a:xfrm>
+      </p:grpSpPr>
+      <p:sp>
+        <p:nvSpPr>
+          <p:cNvPr id="2" name="Slide Image Placeholder 1"/>
+          <p:cNvSpPr>
+            <a:spLocks noGrp="1" noRot="1" noChangeAspect="1"/>
+          </p:cNvSpPr>
+          <p:nvPr>
+            <p:ph type="sldImg"/>
+          </p:nvPr>
+        </p:nvSpPr>
+        <p:spPr/>
+      </p:sp>
+      <p:sp>
+        <p:nvSpPr>
+          <p:cNvPr id="3" name="Notes Placeholder 2"/>
+          <p:cNvSpPr>
+            <a:spLocks noGrp="1"/>
+          </p:cNvSpPr>
+          <p:nvPr>
+            <p:ph type="body" idx="1"/>
+          </p:nvPr>
+        </p:nvSpPr>
+        <p:spPr/>
+        <p:txBody>
+          <a:bodyPr/>
+          <a:lstStyle/>
+          <a:p>
+            <a:endParaRPr lang="en-US" dirty="0"/>
+          </a:p>
+        </p:txBody>
+      </p:sp>
+      <p:sp>
+        <p:nvSpPr>
+          <p:cNvPr id="4" name="Slide Number Placeholder 3"/>
+          <p:cNvSpPr>
+            <a:spLocks noGrp="1"/>
+          </p:cNvSpPr>
+          <p:nvPr>
+            <p:ph type="sldNum" sz="quarter" idx="10"/>
+          </p:nvPr>
+        </p:nvSpPr>
+        <p:spPr/>
+        <p:txBody>
+          <a:bodyPr/>
+          <a:lstStyle/>
+          <a:p>
+            <a:pPr>
+              <a:defRPr/>
+            </a:pPr>
+            <a:fld id="{7FB3FDA6-AD30-4F45-934D-A9F1C5058AC0}" type="slidenum">
+              <a:rPr lang="en-US" smtClean="0"/>
+              <a:pPr>
+                <a:defRPr/>
+              </a:pPr>
+              <a:t>13</a:t>
+            </a:fld>
+            <a:endParaRPr lang="en-US" dirty="0"/>
+          </a:p>
+        </p:txBody>
+      </p:sp>
+    </p:spTree>
+    <p:extLst>
+      <p:ext uri="{BB962C8B-B14F-4D97-AF65-F5344CB8AC3E}">
+        <p14:creationId xmlns:p14="http://schemas.microsoft.com/office/powerpoint/2010/main" val="3097716279"/>
       </p:ext>
     </p:extLst>
   </p:cSld>
@@ -2995,7 +3641,7 @@
           <a:graphicData uri="http://schemas.openxmlformats.org/presentationml/2006/ole">
             <mc:AlternateContent xmlns:mc="http://schemas.openxmlformats.org/markup-compatibility/2006">
               <mc:Choice xmlns:v="urn:schemas-microsoft-com:vml" Requires="v">
-                <p:oleObj spid="_x0000_s2034" name="Picture" r:id="rId15" imgW="671028" imgH="602628" progId="Word.Picture.8">
+                <p:oleObj spid="_x0000_s2036" name="Picture" r:id="rId15" imgW="671028" imgH="602628" progId="Word.Picture.8">
                   <p:embed/>
                 </p:oleObj>
               </mc:Choice>
@@ -4204,6 +4850,2444 @@
 </p:sld>
 </file>
 
+<file path=ppt/slides/slide10.xml><?xml version="1.0" encoding="utf-8"?>
+<p:sld xmlns:a="http://schemas.openxmlformats.org/drawingml/2006/main" xmlns:r="http://schemas.openxmlformats.org/officeDocument/2006/relationships" xmlns:p="http://schemas.openxmlformats.org/presentationml/2006/main">
+  <p:cSld>
+    <p:spTree>
+      <p:nvGrpSpPr>
+        <p:cNvPr id="1" name=""/>
+        <p:cNvGrpSpPr/>
+        <p:nvPr/>
+      </p:nvGrpSpPr>
+      <p:grpSpPr>
+        <a:xfrm>
+          <a:off x="0" y="0"/>
+          <a:ext cx="0" cy="0"/>
+          <a:chOff x="0" y="0"/>
+          <a:chExt cx="0" cy="0"/>
+        </a:xfrm>
+      </p:grpSpPr>
+      <p:sp>
+        <p:nvSpPr>
+          <p:cNvPr id="28" name="Rectangle 2"/>
+          <p:cNvSpPr txBox="1">
+            <a:spLocks noChangeArrowheads="1"/>
+          </p:cNvSpPr>
+          <p:nvPr/>
+        </p:nvSpPr>
+        <p:spPr>
+          <a:xfrm>
+            <a:off x="457200" y="1124000"/>
+            <a:ext cx="8229600" cy="4343400"/>
+          </a:xfrm>
+          <a:prstGeom prst="rect">
+            <a:avLst/>
+          </a:prstGeom>
+        </p:spPr>
+        <p:txBody>
+          <a:bodyPr/>
+          <a:lstStyle>
+            <a:lvl1pPr marL="342900" indent="-342900" algn="l" rtl="0" eaLnBrk="1" fontAlgn="base" hangingPunct="1">
+              <a:spcBef>
+                <a:spcPct val="20000"/>
+              </a:spcBef>
+              <a:spcAft>
+                <a:spcPct val="0"/>
+              </a:spcAft>
+              <a:buChar char="•"/>
+              <a:defRPr sz="3200">
+                <a:solidFill>
+                  <a:schemeClr val="tx1"/>
+                </a:solidFill>
+                <a:latin typeface="+mn-lt"/>
+                <a:ea typeface="+mn-ea"/>
+                <a:cs typeface="+mn-cs"/>
+              </a:defRPr>
+            </a:lvl1pPr>
+            <a:lvl2pPr marL="742950" indent="-285750" algn="l" rtl="0" eaLnBrk="1" fontAlgn="base" hangingPunct="1">
+              <a:spcBef>
+                <a:spcPct val="20000"/>
+              </a:spcBef>
+              <a:spcAft>
+                <a:spcPct val="0"/>
+              </a:spcAft>
+              <a:buChar char="–"/>
+              <a:defRPr sz="2800">
+                <a:solidFill>
+                  <a:schemeClr val="tx1"/>
+                </a:solidFill>
+                <a:latin typeface="+mn-lt"/>
+              </a:defRPr>
+            </a:lvl2pPr>
+            <a:lvl3pPr marL="1143000" indent="-228600" algn="l" rtl="0" eaLnBrk="1" fontAlgn="base" hangingPunct="1">
+              <a:spcBef>
+                <a:spcPct val="20000"/>
+              </a:spcBef>
+              <a:spcAft>
+                <a:spcPct val="0"/>
+              </a:spcAft>
+              <a:buChar char="•"/>
+              <a:defRPr sz="2400">
+                <a:solidFill>
+                  <a:schemeClr val="tx1"/>
+                </a:solidFill>
+                <a:latin typeface="+mn-lt"/>
+              </a:defRPr>
+            </a:lvl3pPr>
+            <a:lvl4pPr marL="1600200" indent="-228600" algn="l" rtl="0" eaLnBrk="1" fontAlgn="base" hangingPunct="1">
+              <a:spcBef>
+                <a:spcPct val="20000"/>
+              </a:spcBef>
+              <a:spcAft>
+                <a:spcPct val="0"/>
+              </a:spcAft>
+              <a:buChar char="–"/>
+              <a:defRPr sz="2000">
+                <a:solidFill>
+                  <a:schemeClr val="tx1"/>
+                </a:solidFill>
+                <a:latin typeface="+mn-lt"/>
+              </a:defRPr>
+            </a:lvl4pPr>
+            <a:lvl5pPr marL="2057400" indent="-228600" algn="l" rtl="0" eaLnBrk="1" fontAlgn="base" hangingPunct="1">
+              <a:spcBef>
+                <a:spcPct val="20000"/>
+              </a:spcBef>
+              <a:spcAft>
+                <a:spcPct val="0"/>
+              </a:spcAft>
+              <a:buChar char="»"/>
+              <a:defRPr sz="2000">
+                <a:solidFill>
+                  <a:schemeClr val="tx1"/>
+                </a:solidFill>
+                <a:latin typeface="+mn-lt"/>
+              </a:defRPr>
+            </a:lvl5pPr>
+            <a:lvl6pPr marL="2514600" indent="-228600" algn="l" rtl="0" eaLnBrk="1" fontAlgn="base" hangingPunct="1">
+              <a:spcBef>
+                <a:spcPct val="20000"/>
+              </a:spcBef>
+              <a:spcAft>
+                <a:spcPct val="0"/>
+              </a:spcAft>
+              <a:buChar char="»"/>
+              <a:defRPr sz="2000">
+                <a:solidFill>
+                  <a:schemeClr val="tx1"/>
+                </a:solidFill>
+                <a:latin typeface="+mn-lt"/>
+              </a:defRPr>
+            </a:lvl6pPr>
+            <a:lvl7pPr marL="2971800" indent="-228600" algn="l" rtl="0" eaLnBrk="1" fontAlgn="base" hangingPunct="1">
+              <a:spcBef>
+                <a:spcPct val="20000"/>
+              </a:spcBef>
+              <a:spcAft>
+                <a:spcPct val="0"/>
+              </a:spcAft>
+              <a:buChar char="»"/>
+              <a:defRPr sz="2000">
+                <a:solidFill>
+                  <a:schemeClr val="tx1"/>
+                </a:solidFill>
+                <a:latin typeface="+mn-lt"/>
+              </a:defRPr>
+            </a:lvl7pPr>
+            <a:lvl8pPr marL="3429000" indent="-228600" algn="l" rtl="0" eaLnBrk="1" fontAlgn="base" hangingPunct="1">
+              <a:spcBef>
+                <a:spcPct val="20000"/>
+              </a:spcBef>
+              <a:spcAft>
+                <a:spcPct val="0"/>
+              </a:spcAft>
+              <a:buChar char="»"/>
+              <a:defRPr sz="2000">
+                <a:solidFill>
+                  <a:schemeClr val="tx1"/>
+                </a:solidFill>
+                <a:latin typeface="+mn-lt"/>
+              </a:defRPr>
+            </a:lvl8pPr>
+            <a:lvl9pPr marL="3886200" indent="-228600" algn="l" rtl="0" eaLnBrk="1" fontAlgn="base" hangingPunct="1">
+              <a:spcBef>
+                <a:spcPct val="20000"/>
+              </a:spcBef>
+              <a:spcAft>
+                <a:spcPct val="0"/>
+              </a:spcAft>
+              <a:buChar char="»"/>
+              <a:defRPr sz="2000">
+                <a:solidFill>
+                  <a:schemeClr val="tx1"/>
+                </a:solidFill>
+                <a:latin typeface="+mn-lt"/>
+              </a:defRPr>
+            </a:lvl9pPr>
+          </a:lstStyle>
+          <a:p>
+            <a:r>
+              <a:rPr lang="en-US" kern="0" dirty="0" smtClean="0"/>
+              <a:t>Insert 11</a:t>
+            </a:r>
+          </a:p>
+          <a:p>
+            <a:pPr lvl="1"/>
+            <a:r>
+              <a:rPr lang="en-US" i="1" kern="0" dirty="0" smtClean="0">
+                <a:solidFill>
+                  <a:schemeClr val="accent2"/>
+                </a:solidFill>
+              </a:rPr>
+              <a:t>Where does it go?</a:t>
+            </a:r>
+          </a:p>
+          <a:p>
+            <a:pPr lvl="1"/>
+            <a:r>
+              <a:rPr lang="en-US" i="1" kern="0" dirty="0">
+                <a:solidFill>
+                  <a:schemeClr val="accent2"/>
+                </a:solidFill>
+              </a:rPr>
+              <a:t>What color </a:t>
+            </a:r>
+            <a:br>
+              <a:rPr lang="en-US" i="1" kern="0" dirty="0">
+                <a:solidFill>
+                  <a:schemeClr val="accent2"/>
+                </a:solidFill>
+              </a:rPr>
+            </a:br>
+            <a:r>
+              <a:rPr lang="en-US" i="1" kern="0" dirty="0">
+                <a:solidFill>
+                  <a:schemeClr val="accent2"/>
+                </a:solidFill>
+              </a:rPr>
+              <a:t>should it be?</a:t>
+            </a:r>
+          </a:p>
+          <a:p>
+            <a:pPr lvl="1"/>
+            <a:endParaRPr lang="en-US" kern="0" dirty="0">
+              <a:solidFill>
+                <a:schemeClr val="accent2"/>
+              </a:solidFill>
+            </a:endParaRPr>
+          </a:p>
+        </p:txBody>
+      </p:sp>
+      <p:sp>
+        <p:nvSpPr>
+          <p:cNvPr id="29" name="Rectangle 3"/>
+          <p:cNvSpPr>
+            <a:spLocks noGrp="1" noChangeArrowheads="1"/>
+          </p:cNvSpPr>
+          <p:nvPr>
+            <p:ph type="title"/>
+          </p:nvPr>
+        </p:nvSpPr>
+        <p:spPr>
+          <a:xfrm>
+            <a:off x="457200" y="-30686"/>
+            <a:ext cx="8229600" cy="990600"/>
+          </a:xfrm>
+        </p:spPr>
+        <p:txBody>
+          <a:bodyPr/>
+          <a:lstStyle/>
+          <a:p>
+            <a:r>
+              <a:rPr lang="en-US" dirty="0" smtClean="0"/>
+              <a:t>The </a:t>
+            </a:r>
+            <a:r>
+              <a:rPr lang="en-US" dirty="0"/>
+              <a:t>Problem With Insertion</a:t>
+            </a:r>
+          </a:p>
+        </p:txBody>
+      </p:sp>
+      <p:sp>
+        <p:nvSpPr>
+          <p:cNvPr id="49" name="Rectangle 23"/>
+          <p:cNvSpPr>
+            <a:spLocks noChangeArrowheads="1"/>
+          </p:cNvSpPr>
+          <p:nvPr/>
+        </p:nvSpPr>
+        <p:spPr bwMode="auto">
+          <a:xfrm>
+            <a:off x="228600" y="3867200"/>
+            <a:ext cx="6248400" cy="2311400"/>
+          </a:xfrm>
+          <a:prstGeom prst="rect">
+            <a:avLst/>
+          </a:prstGeom>
+          <a:noFill/>
+          <a:ln w="28575">
+            <a:solidFill>
+              <a:schemeClr val="tx2"/>
+            </a:solidFill>
+            <a:miter lim="800000"/>
+            <a:headEnd/>
+            <a:tailEnd/>
+          </a:ln>
+          <a:effectLst/>
+          <a:extLst>
+            <a:ext uri="{909E8E84-426E-40DD-AFC4-6F175D3DCCD1}">
+              <a14:hiddenFill xmlns:a14="http://schemas.microsoft.com/office/drawing/2010/main">
+                <a:solidFill>
+                  <a:srgbClr val="FFFFFF"/>
+                </a:solidFill>
+              </a14:hiddenFill>
+            </a:ext>
+            <a:ext uri="{AF507438-7753-43E0-B8FC-AC1667EBCBE1}">
+              <a14:hiddenEffects xmlns:a14="http://schemas.microsoft.com/office/drawing/2010/main">
+                <a:effectLst>
+                  <a:outerShdw dist="35921" dir="2700000" algn="ctr" rotWithShape="0">
+                    <a:schemeClr val="bg2"/>
+                  </a:outerShdw>
+                </a:effectLst>
+              </a14:hiddenEffects>
+            </a:ext>
+          </a:extLst>
+        </p:spPr>
+        <p:txBody>
+          <a:bodyPr anchor="ctr">
+            <a:spAutoFit/>
+          </a:bodyPr>
+          <a:lstStyle/>
+          <a:p>
+            <a:r>
+              <a:rPr lang="en-US" sz="2400" i="0" dirty="0">
+                <a:latin typeface="Times New Roman" panose="02020603050405020304" pitchFamily="18" charset="0"/>
+              </a:rPr>
+              <a:t>1.	Every node is either red or black</a:t>
+            </a:r>
+          </a:p>
+          <a:p>
+            <a:r>
+              <a:rPr lang="en-US" sz="2400" i="0" dirty="0">
+                <a:latin typeface="Times New Roman" panose="02020603050405020304" pitchFamily="18" charset="0"/>
+              </a:rPr>
+              <a:t>2.	Every leaf (NULL pointer) is black</a:t>
+            </a:r>
+          </a:p>
+          <a:p>
+            <a:r>
+              <a:rPr lang="en-US" sz="2400" i="0" dirty="0">
+                <a:latin typeface="Times New Roman" panose="02020603050405020304" pitchFamily="18" charset="0"/>
+              </a:rPr>
+              <a:t>3.	If a node is red, both children are black</a:t>
+            </a:r>
+          </a:p>
+          <a:p>
+            <a:r>
+              <a:rPr lang="en-US" sz="2400" i="0" dirty="0">
+                <a:latin typeface="Times New Roman" panose="02020603050405020304" pitchFamily="18" charset="0"/>
+              </a:rPr>
+              <a:t>4. 	Every path from node to descendent leaf</a:t>
+            </a:r>
+            <a:br>
+              <a:rPr lang="en-US" sz="2400" i="0" dirty="0">
+                <a:latin typeface="Times New Roman" panose="02020603050405020304" pitchFamily="18" charset="0"/>
+              </a:rPr>
+            </a:br>
+            <a:r>
+              <a:rPr lang="en-US" sz="2400" i="0" dirty="0">
+                <a:latin typeface="Times New Roman" panose="02020603050405020304" pitchFamily="18" charset="0"/>
+              </a:rPr>
+              <a:t>	contains the same number of black nodes</a:t>
+            </a:r>
+          </a:p>
+          <a:p>
+            <a:r>
+              <a:rPr lang="en-US" sz="2400" i="0" dirty="0">
+                <a:latin typeface="Times New Roman" panose="02020603050405020304" pitchFamily="18" charset="0"/>
+              </a:rPr>
+              <a:t>5. 	The root is always black</a:t>
+            </a:r>
+          </a:p>
+        </p:txBody>
+      </p:sp>
+      <p:pic>
+        <p:nvPicPr>
+          <p:cNvPr id="3" name="Picture 2"/>
+          <p:cNvPicPr>
+            <a:picLocks noChangeAspect="1"/>
+          </p:cNvPicPr>
+          <p:nvPr/>
+        </p:nvPicPr>
+        <p:blipFill>
+          <a:blip r:embed="rId3"/>
+          <a:stretch>
+            <a:fillRect/>
+          </a:stretch>
+        </p:blipFill>
+        <p:spPr>
+          <a:xfrm>
+            <a:off x="4860032" y="836712"/>
+            <a:ext cx="3888432" cy="2913911"/>
+          </a:xfrm>
+          <a:prstGeom prst="rect">
+            <a:avLst/>
+          </a:prstGeom>
+        </p:spPr>
+      </p:pic>
+    </p:spTree>
+    <p:extLst>
+      <p:ext uri="{BB962C8B-B14F-4D97-AF65-F5344CB8AC3E}">
+        <p14:creationId xmlns:p14="http://schemas.microsoft.com/office/powerpoint/2010/main" val="2645275272"/>
+      </p:ext>
+    </p:extLst>
+  </p:cSld>
+  <p:clrMapOvr>
+    <a:masterClrMapping/>
+  </p:clrMapOvr>
+</p:sld>
+</file>
+
+<file path=ppt/slides/slide11.xml><?xml version="1.0" encoding="utf-8"?>
+<p:sld xmlns:a="http://schemas.openxmlformats.org/drawingml/2006/main" xmlns:r="http://schemas.openxmlformats.org/officeDocument/2006/relationships" xmlns:p="http://schemas.openxmlformats.org/presentationml/2006/main">
+  <p:cSld>
+    <p:spTree>
+      <p:nvGrpSpPr>
+        <p:cNvPr id="1" name=""/>
+        <p:cNvGrpSpPr/>
+        <p:nvPr/>
+      </p:nvGrpSpPr>
+      <p:grpSpPr>
+        <a:xfrm>
+          <a:off x="0" y="0"/>
+          <a:ext cx="0" cy="0"/>
+          <a:chOff x="0" y="0"/>
+          <a:chExt cx="0" cy="0"/>
+        </a:xfrm>
+      </p:grpSpPr>
+      <p:sp>
+        <p:nvSpPr>
+          <p:cNvPr id="28" name="Rectangle 2"/>
+          <p:cNvSpPr txBox="1">
+            <a:spLocks noChangeArrowheads="1"/>
+          </p:cNvSpPr>
+          <p:nvPr/>
+        </p:nvSpPr>
+        <p:spPr>
+          <a:xfrm>
+            <a:off x="457200" y="1124000"/>
+            <a:ext cx="8229600" cy="4343400"/>
+          </a:xfrm>
+          <a:prstGeom prst="rect">
+            <a:avLst/>
+          </a:prstGeom>
+        </p:spPr>
+        <p:txBody>
+          <a:bodyPr/>
+          <a:lstStyle>
+            <a:lvl1pPr marL="342900" indent="-342900" algn="l" rtl="0" eaLnBrk="1" fontAlgn="base" hangingPunct="1">
+              <a:spcBef>
+                <a:spcPct val="20000"/>
+              </a:spcBef>
+              <a:spcAft>
+                <a:spcPct val="0"/>
+              </a:spcAft>
+              <a:buChar char="•"/>
+              <a:defRPr sz="3200">
+                <a:solidFill>
+                  <a:schemeClr val="tx1"/>
+                </a:solidFill>
+                <a:latin typeface="+mn-lt"/>
+                <a:ea typeface="+mn-ea"/>
+                <a:cs typeface="+mn-cs"/>
+              </a:defRPr>
+            </a:lvl1pPr>
+            <a:lvl2pPr marL="742950" indent="-285750" algn="l" rtl="0" eaLnBrk="1" fontAlgn="base" hangingPunct="1">
+              <a:spcBef>
+                <a:spcPct val="20000"/>
+              </a:spcBef>
+              <a:spcAft>
+                <a:spcPct val="0"/>
+              </a:spcAft>
+              <a:buChar char="–"/>
+              <a:defRPr sz="2800">
+                <a:solidFill>
+                  <a:schemeClr val="tx1"/>
+                </a:solidFill>
+                <a:latin typeface="+mn-lt"/>
+              </a:defRPr>
+            </a:lvl2pPr>
+            <a:lvl3pPr marL="1143000" indent="-228600" algn="l" rtl="0" eaLnBrk="1" fontAlgn="base" hangingPunct="1">
+              <a:spcBef>
+                <a:spcPct val="20000"/>
+              </a:spcBef>
+              <a:spcAft>
+                <a:spcPct val="0"/>
+              </a:spcAft>
+              <a:buChar char="•"/>
+              <a:defRPr sz="2400">
+                <a:solidFill>
+                  <a:schemeClr val="tx1"/>
+                </a:solidFill>
+                <a:latin typeface="+mn-lt"/>
+              </a:defRPr>
+            </a:lvl3pPr>
+            <a:lvl4pPr marL="1600200" indent="-228600" algn="l" rtl="0" eaLnBrk="1" fontAlgn="base" hangingPunct="1">
+              <a:spcBef>
+                <a:spcPct val="20000"/>
+              </a:spcBef>
+              <a:spcAft>
+                <a:spcPct val="0"/>
+              </a:spcAft>
+              <a:buChar char="–"/>
+              <a:defRPr sz="2000">
+                <a:solidFill>
+                  <a:schemeClr val="tx1"/>
+                </a:solidFill>
+                <a:latin typeface="+mn-lt"/>
+              </a:defRPr>
+            </a:lvl4pPr>
+            <a:lvl5pPr marL="2057400" indent="-228600" algn="l" rtl="0" eaLnBrk="1" fontAlgn="base" hangingPunct="1">
+              <a:spcBef>
+                <a:spcPct val="20000"/>
+              </a:spcBef>
+              <a:spcAft>
+                <a:spcPct val="0"/>
+              </a:spcAft>
+              <a:buChar char="»"/>
+              <a:defRPr sz="2000">
+                <a:solidFill>
+                  <a:schemeClr val="tx1"/>
+                </a:solidFill>
+                <a:latin typeface="+mn-lt"/>
+              </a:defRPr>
+            </a:lvl5pPr>
+            <a:lvl6pPr marL="2514600" indent="-228600" algn="l" rtl="0" eaLnBrk="1" fontAlgn="base" hangingPunct="1">
+              <a:spcBef>
+                <a:spcPct val="20000"/>
+              </a:spcBef>
+              <a:spcAft>
+                <a:spcPct val="0"/>
+              </a:spcAft>
+              <a:buChar char="»"/>
+              <a:defRPr sz="2000">
+                <a:solidFill>
+                  <a:schemeClr val="tx1"/>
+                </a:solidFill>
+                <a:latin typeface="+mn-lt"/>
+              </a:defRPr>
+            </a:lvl6pPr>
+            <a:lvl7pPr marL="2971800" indent="-228600" algn="l" rtl="0" eaLnBrk="1" fontAlgn="base" hangingPunct="1">
+              <a:spcBef>
+                <a:spcPct val="20000"/>
+              </a:spcBef>
+              <a:spcAft>
+                <a:spcPct val="0"/>
+              </a:spcAft>
+              <a:buChar char="»"/>
+              <a:defRPr sz="2000">
+                <a:solidFill>
+                  <a:schemeClr val="tx1"/>
+                </a:solidFill>
+                <a:latin typeface="+mn-lt"/>
+              </a:defRPr>
+            </a:lvl7pPr>
+            <a:lvl8pPr marL="3429000" indent="-228600" algn="l" rtl="0" eaLnBrk="1" fontAlgn="base" hangingPunct="1">
+              <a:spcBef>
+                <a:spcPct val="20000"/>
+              </a:spcBef>
+              <a:spcAft>
+                <a:spcPct val="0"/>
+              </a:spcAft>
+              <a:buChar char="»"/>
+              <a:defRPr sz="2000">
+                <a:solidFill>
+                  <a:schemeClr val="tx1"/>
+                </a:solidFill>
+                <a:latin typeface="+mn-lt"/>
+              </a:defRPr>
+            </a:lvl8pPr>
+            <a:lvl9pPr marL="3886200" indent="-228600" algn="l" rtl="0" eaLnBrk="1" fontAlgn="base" hangingPunct="1">
+              <a:spcBef>
+                <a:spcPct val="20000"/>
+              </a:spcBef>
+              <a:spcAft>
+                <a:spcPct val="0"/>
+              </a:spcAft>
+              <a:buChar char="»"/>
+              <a:defRPr sz="2000">
+                <a:solidFill>
+                  <a:schemeClr val="tx1"/>
+                </a:solidFill>
+                <a:latin typeface="+mn-lt"/>
+              </a:defRPr>
+            </a:lvl9pPr>
+          </a:lstStyle>
+          <a:p>
+            <a:r>
+              <a:rPr lang="en-US" kern="0" dirty="0" smtClean="0"/>
+              <a:t>Insert 11</a:t>
+            </a:r>
+          </a:p>
+          <a:p>
+            <a:pPr lvl="1"/>
+            <a:r>
+              <a:rPr lang="en-US" i="1" kern="0" dirty="0" smtClean="0">
+                <a:solidFill>
+                  <a:schemeClr val="accent2"/>
+                </a:solidFill>
+              </a:rPr>
+              <a:t>Where does it go?</a:t>
+            </a:r>
+          </a:p>
+          <a:p>
+            <a:pPr lvl="1"/>
+            <a:r>
+              <a:rPr lang="en-US" i="1" kern="0" dirty="0">
+                <a:solidFill>
+                  <a:schemeClr val="accent2"/>
+                </a:solidFill>
+              </a:rPr>
+              <a:t>What color </a:t>
+            </a:r>
+            <a:r>
+              <a:rPr lang="en-US" i="1" kern="0" dirty="0" smtClean="0">
+                <a:solidFill>
+                  <a:schemeClr val="accent2"/>
+                </a:solidFill>
+              </a:rPr>
+              <a:t>should </a:t>
+            </a:r>
+            <a:r>
+              <a:rPr lang="en-US" i="1" kern="0" dirty="0">
+                <a:solidFill>
+                  <a:schemeClr val="accent2"/>
+                </a:solidFill>
+              </a:rPr>
+              <a:t>it be</a:t>
+            </a:r>
+            <a:r>
+              <a:rPr lang="en-US" i="1" kern="0" dirty="0" smtClean="0">
+                <a:solidFill>
+                  <a:schemeClr val="accent2"/>
+                </a:solidFill>
+              </a:rPr>
+              <a:t>?</a:t>
+            </a:r>
+          </a:p>
+          <a:p>
+            <a:pPr marL="1077913" lvl="1">
+              <a:buFont typeface="Courier New" panose="02070309020205020404" pitchFamily="49" charset="0"/>
+              <a:buChar char="o"/>
+            </a:pPr>
+            <a:r>
+              <a:rPr lang="en-US" dirty="0">
+                <a:solidFill>
+                  <a:srgbClr val="FF0000"/>
+                </a:solidFill>
+              </a:rPr>
+              <a:t>C</a:t>
+            </a:r>
+            <a:r>
+              <a:rPr lang="en-US" dirty="0">
+                <a:solidFill>
+                  <a:srgbClr val="FF0000"/>
+                </a:solidFill>
+              </a:rPr>
+              <a:t>an’t </a:t>
+            </a:r>
+            <a:r>
+              <a:rPr lang="en-US" dirty="0">
+                <a:solidFill>
+                  <a:srgbClr val="FF0000"/>
+                </a:solidFill>
+              </a:rPr>
+              <a:t>be red! (#3</a:t>
+            </a:r>
+            <a:r>
+              <a:rPr lang="en-US" dirty="0" smtClean="0">
+                <a:solidFill>
+                  <a:srgbClr val="FF0000"/>
+                </a:solidFill>
+              </a:rPr>
+              <a:t>)</a:t>
+            </a:r>
+          </a:p>
+          <a:p>
+            <a:pPr marL="1077913" lvl="1">
+              <a:buFont typeface="Courier New" panose="02070309020205020404" pitchFamily="49" charset="0"/>
+              <a:buChar char="o"/>
+            </a:pPr>
+            <a:r>
+              <a:rPr lang="en-US" dirty="0">
+                <a:solidFill>
+                  <a:srgbClr val="FF0000"/>
+                </a:solidFill>
+              </a:rPr>
+              <a:t>Can’t be black! (#4)</a:t>
+            </a:r>
+          </a:p>
+          <a:p>
+            <a:pPr marL="1077913" lvl="1">
+              <a:buFont typeface="Courier New" panose="02070309020205020404" pitchFamily="49" charset="0"/>
+              <a:buChar char="o"/>
+            </a:pPr>
+            <a:endParaRPr lang="en-US" dirty="0">
+              <a:solidFill>
+                <a:srgbClr val="FF0000"/>
+              </a:solidFill>
+            </a:endParaRPr>
+          </a:p>
+          <a:p>
+            <a:pPr lvl="1"/>
+            <a:endParaRPr lang="en-US" i="1" kern="0" dirty="0">
+              <a:solidFill>
+                <a:schemeClr val="accent2"/>
+              </a:solidFill>
+            </a:endParaRPr>
+          </a:p>
+          <a:p>
+            <a:pPr lvl="1"/>
+            <a:endParaRPr lang="en-US" kern="0" dirty="0">
+              <a:solidFill>
+                <a:schemeClr val="accent2"/>
+              </a:solidFill>
+            </a:endParaRPr>
+          </a:p>
+        </p:txBody>
+      </p:sp>
+      <p:sp>
+        <p:nvSpPr>
+          <p:cNvPr id="29" name="Rectangle 3"/>
+          <p:cNvSpPr>
+            <a:spLocks noGrp="1" noChangeArrowheads="1"/>
+          </p:cNvSpPr>
+          <p:nvPr>
+            <p:ph type="title"/>
+          </p:nvPr>
+        </p:nvSpPr>
+        <p:spPr>
+          <a:xfrm>
+            <a:off x="457200" y="-30686"/>
+            <a:ext cx="8229600" cy="990600"/>
+          </a:xfrm>
+        </p:spPr>
+        <p:txBody>
+          <a:bodyPr/>
+          <a:lstStyle/>
+          <a:p>
+            <a:r>
+              <a:rPr lang="en-US" dirty="0" smtClean="0"/>
+              <a:t>The </a:t>
+            </a:r>
+            <a:r>
+              <a:rPr lang="en-US" dirty="0"/>
+              <a:t>Problem With Insertion</a:t>
+            </a:r>
+          </a:p>
+        </p:txBody>
+      </p:sp>
+      <p:sp>
+        <p:nvSpPr>
+          <p:cNvPr id="49" name="Rectangle 23"/>
+          <p:cNvSpPr>
+            <a:spLocks noChangeArrowheads="1"/>
+          </p:cNvSpPr>
+          <p:nvPr/>
+        </p:nvSpPr>
+        <p:spPr bwMode="auto">
+          <a:xfrm>
+            <a:off x="228600" y="3867200"/>
+            <a:ext cx="6248400" cy="2311400"/>
+          </a:xfrm>
+          <a:prstGeom prst="rect">
+            <a:avLst/>
+          </a:prstGeom>
+          <a:noFill/>
+          <a:ln w="28575">
+            <a:solidFill>
+              <a:schemeClr val="tx2"/>
+            </a:solidFill>
+            <a:miter lim="800000"/>
+            <a:headEnd/>
+            <a:tailEnd/>
+          </a:ln>
+          <a:effectLst/>
+          <a:extLst>
+            <a:ext uri="{909E8E84-426E-40DD-AFC4-6F175D3DCCD1}">
+              <a14:hiddenFill xmlns:a14="http://schemas.microsoft.com/office/drawing/2010/main">
+                <a:solidFill>
+                  <a:srgbClr val="FFFFFF"/>
+                </a:solidFill>
+              </a14:hiddenFill>
+            </a:ext>
+            <a:ext uri="{AF507438-7753-43E0-B8FC-AC1667EBCBE1}">
+              <a14:hiddenEffects xmlns:a14="http://schemas.microsoft.com/office/drawing/2010/main">
+                <a:effectLst>
+                  <a:outerShdw dist="35921" dir="2700000" algn="ctr" rotWithShape="0">
+                    <a:schemeClr val="bg2"/>
+                  </a:outerShdw>
+                </a:effectLst>
+              </a14:hiddenEffects>
+            </a:ext>
+          </a:extLst>
+        </p:spPr>
+        <p:txBody>
+          <a:bodyPr anchor="ctr">
+            <a:spAutoFit/>
+          </a:bodyPr>
+          <a:lstStyle/>
+          <a:p>
+            <a:r>
+              <a:rPr lang="en-US" sz="2400" i="0" dirty="0">
+                <a:latin typeface="Times New Roman" panose="02020603050405020304" pitchFamily="18" charset="0"/>
+              </a:rPr>
+              <a:t>1.	Every node is either red or black</a:t>
+            </a:r>
+          </a:p>
+          <a:p>
+            <a:r>
+              <a:rPr lang="en-US" sz="2400" i="0" dirty="0">
+                <a:latin typeface="Times New Roman" panose="02020603050405020304" pitchFamily="18" charset="0"/>
+              </a:rPr>
+              <a:t>2.	Every leaf (NULL pointer) is black</a:t>
+            </a:r>
+          </a:p>
+          <a:p>
+            <a:r>
+              <a:rPr lang="en-US" sz="2400" i="0" dirty="0">
+                <a:latin typeface="Times New Roman" panose="02020603050405020304" pitchFamily="18" charset="0"/>
+              </a:rPr>
+              <a:t>3.	If a node is red, both children are black</a:t>
+            </a:r>
+          </a:p>
+          <a:p>
+            <a:r>
+              <a:rPr lang="en-US" sz="2400" i="0" dirty="0">
+                <a:latin typeface="Times New Roman" panose="02020603050405020304" pitchFamily="18" charset="0"/>
+              </a:rPr>
+              <a:t>4. 	Every path from node to descendent leaf</a:t>
+            </a:r>
+            <a:br>
+              <a:rPr lang="en-US" sz="2400" i="0" dirty="0">
+                <a:latin typeface="Times New Roman" panose="02020603050405020304" pitchFamily="18" charset="0"/>
+              </a:rPr>
+            </a:br>
+            <a:r>
+              <a:rPr lang="en-US" sz="2400" i="0" dirty="0">
+                <a:latin typeface="Times New Roman" panose="02020603050405020304" pitchFamily="18" charset="0"/>
+              </a:rPr>
+              <a:t>	contains the same number of black nodes</a:t>
+            </a:r>
+          </a:p>
+          <a:p>
+            <a:r>
+              <a:rPr lang="en-US" sz="2400" i="0" dirty="0">
+                <a:latin typeface="Times New Roman" panose="02020603050405020304" pitchFamily="18" charset="0"/>
+              </a:rPr>
+              <a:t>5. 	The root is always black</a:t>
+            </a:r>
+          </a:p>
+        </p:txBody>
+      </p:sp>
+      <p:pic>
+        <p:nvPicPr>
+          <p:cNvPr id="2" name="Picture 1"/>
+          <p:cNvPicPr>
+            <a:picLocks noChangeAspect="1"/>
+          </p:cNvPicPr>
+          <p:nvPr/>
+        </p:nvPicPr>
+        <p:blipFill>
+          <a:blip r:embed="rId3"/>
+          <a:stretch>
+            <a:fillRect/>
+          </a:stretch>
+        </p:blipFill>
+        <p:spPr>
+          <a:xfrm>
+            <a:off x="5253303" y="791353"/>
+            <a:ext cx="3888432" cy="2942041"/>
+          </a:xfrm>
+          <a:prstGeom prst="rect">
+            <a:avLst/>
+          </a:prstGeom>
+        </p:spPr>
+      </p:pic>
+    </p:spTree>
+    <p:extLst>
+      <p:ext uri="{BB962C8B-B14F-4D97-AF65-F5344CB8AC3E}">
+        <p14:creationId xmlns:p14="http://schemas.microsoft.com/office/powerpoint/2010/main" val="1024107815"/>
+      </p:ext>
+    </p:extLst>
+  </p:cSld>
+  <p:clrMapOvr>
+    <a:masterClrMapping/>
+  </p:clrMapOvr>
+</p:sld>
+</file>
+
+<file path=ppt/slides/slide12.xml><?xml version="1.0" encoding="utf-8"?>
+<p:sld xmlns:a="http://schemas.openxmlformats.org/drawingml/2006/main" xmlns:r="http://schemas.openxmlformats.org/officeDocument/2006/relationships" xmlns:p="http://schemas.openxmlformats.org/presentationml/2006/main">
+  <p:cSld>
+    <p:spTree>
+      <p:nvGrpSpPr>
+        <p:cNvPr id="1" name=""/>
+        <p:cNvGrpSpPr/>
+        <p:nvPr/>
+      </p:nvGrpSpPr>
+      <p:grpSpPr>
+        <a:xfrm>
+          <a:off x="0" y="0"/>
+          <a:ext cx="0" cy="0"/>
+          <a:chOff x="0" y="0"/>
+          <a:chExt cx="0" cy="0"/>
+        </a:xfrm>
+      </p:grpSpPr>
+      <p:sp>
+        <p:nvSpPr>
+          <p:cNvPr id="28" name="Rectangle 2"/>
+          <p:cNvSpPr txBox="1">
+            <a:spLocks noChangeArrowheads="1"/>
+          </p:cNvSpPr>
+          <p:nvPr/>
+        </p:nvSpPr>
+        <p:spPr>
+          <a:xfrm>
+            <a:off x="457200" y="1124000"/>
+            <a:ext cx="8229600" cy="4343400"/>
+          </a:xfrm>
+          <a:prstGeom prst="rect">
+            <a:avLst/>
+          </a:prstGeom>
+        </p:spPr>
+        <p:txBody>
+          <a:bodyPr/>
+          <a:lstStyle>
+            <a:lvl1pPr marL="342900" indent="-342900" algn="l" rtl="0" eaLnBrk="1" fontAlgn="base" hangingPunct="1">
+              <a:spcBef>
+                <a:spcPct val="20000"/>
+              </a:spcBef>
+              <a:spcAft>
+                <a:spcPct val="0"/>
+              </a:spcAft>
+              <a:buChar char="•"/>
+              <a:defRPr sz="3200">
+                <a:solidFill>
+                  <a:schemeClr val="tx1"/>
+                </a:solidFill>
+                <a:latin typeface="+mn-lt"/>
+                <a:ea typeface="+mn-ea"/>
+                <a:cs typeface="+mn-cs"/>
+              </a:defRPr>
+            </a:lvl1pPr>
+            <a:lvl2pPr marL="742950" indent="-285750" algn="l" rtl="0" eaLnBrk="1" fontAlgn="base" hangingPunct="1">
+              <a:spcBef>
+                <a:spcPct val="20000"/>
+              </a:spcBef>
+              <a:spcAft>
+                <a:spcPct val="0"/>
+              </a:spcAft>
+              <a:buChar char="–"/>
+              <a:defRPr sz="2800">
+                <a:solidFill>
+                  <a:schemeClr val="tx1"/>
+                </a:solidFill>
+                <a:latin typeface="+mn-lt"/>
+              </a:defRPr>
+            </a:lvl2pPr>
+            <a:lvl3pPr marL="1143000" indent="-228600" algn="l" rtl="0" eaLnBrk="1" fontAlgn="base" hangingPunct="1">
+              <a:spcBef>
+                <a:spcPct val="20000"/>
+              </a:spcBef>
+              <a:spcAft>
+                <a:spcPct val="0"/>
+              </a:spcAft>
+              <a:buChar char="•"/>
+              <a:defRPr sz="2400">
+                <a:solidFill>
+                  <a:schemeClr val="tx1"/>
+                </a:solidFill>
+                <a:latin typeface="+mn-lt"/>
+              </a:defRPr>
+            </a:lvl3pPr>
+            <a:lvl4pPr marL="1600200" indent="-228600" algn="l" rtl="0" eaLnBrk="1" fontAlgn="base" hangingPunct="1">
+              <a:spcBef>
+                <a:spcPct val="20000"/>
+              </a:spcBef>
+              <a:spcAft>
+                <a:spcPct val="0"/>
+              </a:spcAft>
+              <a:buChar char="–"/>
+              <a:defRPr sz="2000">
+                <a:solidFill>
+                  <a:schemeClr val="tx1"/>
+                </a:solidFill>
+                <a:latin typeface="+mn-lt"/>
+              </a:defRPr>
+            </a:lvl4pPr>
+            <a:lvl5pPr marL="2057400" indent="-228600" algn="l" rtl="0" eaLnBrk="1" fontAlgn="base" hangingPunct="1">
+              <a:spcBef>
+                <a:spcPct val="20000"/>
+              </a:spcBef>
+              <a:spcAft>
+                <a:spcPct val="0"/>
+              </a:spcAft>
+              <a:buChar char="»"/>
+              <a:defRPr sz="2000">
+                <a:solidFill>
+                  <a:schemeClr val="tx1"/>
+                </a:solidFill>
+                <a:latin typeface="+mn-lt"/>
+              </a:defRPr>
+            </a:lvl5pPr>
+            <a:lvl6pPr marL="2514600" indent="-228600" algn="l" rtl="0" eaLnBrk="1" fontAlgn="base" hangingPunct="1">
+              <a:spcBef>
+                <a:spcPct val="20000"/>
+              </a:spcBef>
+              <a:spcAft>
+                <a:spcPct val="0"/>
+              </a:spcAft>
+              <a:buChar char="»"/>
+              <a:defRPr sz="2000">
+                <a:solidFill>
+                  <a:schemeClr val="tx1"/>
+                </a:solidFill>
+                <a:latin typeface="+mn-lt"/>
+              </a:defRPr>
+            </a:lvl6pPr>
+            <a:lvl7pPr marL="2971800" indent="-228600" algn="l" rtl="0" eaLnBrk="1" fontAlgn="base" hangingPunct="1">
+              <a:spcBef>
+                <a:spcPct val="20000"/>
+              </a:spcBef>
+              <a:spcAft>
+                <a:spcPct val="0"/>
+              </a:spcAft>
+              <a:buChar char="»"/>
+              <a:defRPr sz="2000">
+                <a:solidFill>
+                  <a:schemeClr val="tx1"/>
+                </a:solidFill>
+                <a:latin typeface="+mn-lt"/>
+              </a:defRPr>
+            </a:lvl7pPr>
+            <a:lvl8pPr marL="3429000" indent="-228600" algn="l" rtl="0" eaLnBrk="1" fontAlgn="base" hangingPunct="1">
+              <a:spcBef>
+                <a:spcPct val="20000"/>
+              </a:spcBef>
+              <a:spcAft>
+                <a:spcPct val="0"/>
+              </a:spcAft>
+              <a:buChar char="»"/>
+              <a:defRPr sz="2000">
+                <a:solidFill>
+                  <a:schemeClr val="tx1"/>
+                </a:solidFill>
+                <a:latin typeface="+mn-lt"/>
+              </a:defRPr>
+            </a:lvl8pPr>
+            <a:lvl9pPr marL="3886200" indent="-228600" algn="l" rtl="0" eaLnBrk="1" fontAlgn="base" hangingPunct="1">
+              <a:spcBef>
+                <a:spcPct val="20000"/>
+              </a:spcBef>
+              <a:spcAft>
+                <a:spcPct val="0"/>
+              </a:spcAft>
+              <a:buChar char="»"/>
+              <a:defRPr sz="2000">
+                <a:solidFill>
+                  <a:schemeClr val="tx1"/>
+                </a:solidFill>
+                <a:latin typeface="+mn-lt"/>
+              </a:defRPr>
+            </a:lvl9pPr>
+          </a:lstStyle>
+          <a:p>
+            <a:r>
+              <a:rPr lang="en-US" kern="0" dirty="0" smtClean="0"/>
+              <a:t>Insert 11</a:t>
+            </a:r>
+          </a:p>
+          <a:p>
+            <a:pPr lvl="1"/>
+            <a:r>
+              <a:rPr lang="en-US" i="1" kern="0" dirty="0" smtClean="0">
+                <a:solidFill>
+                  <a:schemeClr val="accent2"/>
+                </a:solidFill>
+              </a:rPr>
+              <a:t>Where does it go?</a:t>
+            </a:r>
+          </a:p>
+          <a:p>
+            <a:pPr lvl="1"/>
+            <a:r>
+              <a:rPr lang="en-US" i="1" kern="0" dirty="0">
+                <a:solidFill>
+                  <a:schemeClr val="accent2"/>
+                </a:solidFill>
+              </a:rPr>
+              <a:t>What color </a:t>
+            </a:r>
+            <a:r>
+              <a:rPr lang="en-US" i="1" kern="0" dirty="0" smtClean="0">
+                <a:solidFill>
+                  <a:schemeClr val="accent2"/>
+                </a:solidFill>
+              </a:rPr>
+              <a:t>should </a:t>
+            </a:r>
+            <a:r>
+              <a:rPr lang="en-US" i="1" kern="0" dirty="0">
+                <a:solidFill>
+                  <a:schemeClr val="accent2"/>
+                </a:solidFill>
+              </a:rPr>
+              <a:t>it be</a:t>
+            </a:r>
+            <a:r>
+              <a:rPr lang="en-US" i="1" kern="0" dirty="0" smtClean="0">
+                <a:solidFill>
+                  <a:schemeClr val="accent2"/>
+                </a:solidFill>
+              </a:rPr>
+              <a:t>?</a:t>
+            </a:r>
+          </a:p>
+          <a:p>
+            <a:pPr lvl="2"/>
+            <a:r>
+              <a:rPr lang="en-US" dirty="0"/>
+              <a:t>Solution: </a:t>
+            </a:r>
+            <a:br>
+              <a:rPr lang="en-US" dirty="0"/>
+            </a:br>
+            <a:r>
+              <a:rPr lang="en-US" dirty="0"/>
+              <a:t>recolor the tree</a:t>
+            </a:r>
+          </a:p>
+          <a:p>
+            <a:pPr marL="1077913" lvl="1">
+              <a:buFont typeface="Courier New" panose="02070309020205020404" pitchFamily="49" charset="0"/>
+              <a:buChar char="o"/>
+            </a:pPr>
+            <a:endParaRPr lang="en-US" dirty="0">
+              <a:solidFill>
+                <a:srgbClr val="FF0000"/>
+              </a:solidFill>
+            </a:endParaRPr>
+          </a:p>
+          <a:p>
+            <a:pPr lvl="1"/>
+            <a:endParaRPr lang="en-US" i="1" kern="0" dirty="0">
+              <a:solidFill>
+                <a:schemeClr val="accent2"/>
+              </a:solidFill>
+            </a:endParaRPr>
+          </a:p>
+          <a:p>
+            <a:pPr lvl="1"/>
+            <a:endParaRPr lang="en-US" kern="0" dirty="0">
+              <a:solidFill>
+                <a:schemeClr val="accent2"/>
+              </a:solidFill>
+            </a:endParaRPr>
+          </a:p>
+        </p:txBody>
+      </p:sp>
+      <p:sp>
+        <p:nvSpPr>
+          <p:cNvPr id="29" name="Rectangle 3"/>
+          <p:cNvSpPr>
+            <a:spLocks noGrp="1" noChangeArrowheads="1"/>
+          </p:cNvSpPr>
+          <p:nvPr>
+            <p:ph type="title"/>
+          </p:nvPr>
+        </p:nvSpPr>
+        <p:spPr>
+          <a:xfrm>
+            <a:off x="457200" y="-30686"/>
+            <a:ext cx="8229600" cy="990600"/>
+          </a:xfrm>
+        </p:spPr>
+        <p:txBody>
+          <a:bodyPr/>
+          <a:lstStyle/>
+          <a:p>
+            <a:r>
+              <a:rPr lang="en-US" dirty="0" smtClean="0"/>
+              <a:t>The </a:t>
+            </a:r>
+            <a:r>
+              <a:rPr lang="en-US" dirty="0"/>
+              <a:t>Problem With Insertion</a:t>
+            </a:r>
+          </a:p>
+        </p:txBody>
+      </p:sp>
+      <p:sp>
+        <p:nvSpPr>
+          <p:cNvPr id="49" name="Rectangle 23"/>
+          <p:cNvSpPr>
+            <a:spLocks noChangeArrowheads="1"/>
+          </p:cNvSpPr>
+          <p:nvPr/>
+        </p:nvSpPr>
+        <p:spPr bwMode="auto">
+          <a:xfrm>
+            <a:off x="228600" y="3867200"/>
+            <a:ext cx="6248400" cy="2311400"/>
+          </a:xfrm>
+          <a:prstGeom prst="rect">
+            <a:avLst/>
+          </a:prstGeom>
+          <a:noFill/>
+          <a:ln w="28575">
+            <a:solidFill>
+              <a:schemeClr val="tx2"/>
+            </a:solidFill>
+            <a:miter lim="800000"/>
+            <a:headEnd/>
+            <a:tailEnd/>
+          </a:ln>
+          <a:effectLst/>
+          <a:extLst>
+            <a:ext uri="{909E8E84-426E-40DD-AFC4-6F175D3DCCD1}">
+              <a14:hiddenFill xmlns:a14="http://schemas.microsoft.com/office/drawing/2010/main">
+                <a:solidFill>
+                  <a:srgbClr val="FFFFFF"/>
+                </a:solidFill>
+              </a14:hiddenFill>
+            </a:ext>
+            <a:ext uri="{AF507438-7753-43E0-B8FC-AC1667EBCBE1}">
+              <a14:hiddenEffects xmlns:a14="http://schemas.microsoft.com/office/drawing/2010/main">
+                <a:effectLst>
+                  <a:outerShdw dist="35921" dir="2700000" algn="ctr" rotWithShape="0">
+                    <a:schemeClr val="bg2"/>
+                  </a:outerShdw>
+                </a:effectLst>
+              </a14:hiddenEffects>
+            </a:ext>
+          </a:extLst>
+        </p:spPr>
+        <p:txBody>
+          <a:bodyPr anchor="ctr">
+            <a:spAutoFit/>
+          </a:bodyPr>
+          <a:lstStyle/>
+          <a:p>
+            <a:r>
+              <a:rPr lang="en-US" sz="2400" i="0" dirty="0">
+                <a:latin typeface="Times New Roman" panose="02020603050405020304" pitchFamily="18" charset="0"/>
+              </a:rPr>
+              <a:t>1.	Every node is either red or black</a:t>
+            </a:r>
+          </a:p>
+          <a:p>
+            <a:r>
+              <a:rPr lang="en-US" sz="2400" i="0" dirty="0">
+                <a:latin typeface="Times New Roman" panose="02020603050405020304" pitchFamily="18" charset="0"/>
+              </a:rPr>
+              <a:t>2.	Every leaf (NULL pointer) is black</a:t>
+            </a:r>
+          </a:p>
+          <a:p>
+            <a:r>
+              <a:rPr lang="en-US" sz="2400" i="0" dirty="0">
+                <a:latin typeface="Times New Roman" panose="02020603050405020304" pitchFamily="18" charset="0"/>
+              </a:rPr>
+              <a:t>3.	If a node is red, both children are black</a:t>
+            </a:r>
+          </a:p>
+          <a:p>
+            <a:r>
+              <a:rPr lang="en-US" sz="2400" i="0" dirty="0">
+                <a:latin typeface="Times New Roman" panose="02020603050405020304" pitchFamily="18" charset="0"/>
+              </a:rPr>
+              <a:t>4. 	Every path from node to descendent leaf</a:t>
+            </a:r>
+            <a:br>
+              <a:rPr lang="en-US" sz="2400" i="0" dirty="0">
+                <a:latin typeface="Times New Roman" panose="02020603050405020304" pitchFamily="18" charset="0"/>
+              </a:rPr>
+            </a:br>
+            <a:r>
+              <a:rPr lang="en-US" sz="2400" i="0" dirty="0">
+                <a:latin typeface="Times New Roman" panose="02020603050405020304" pitchFamily="18" charset="0"/>
+              </a:rPr>
+              <a:t>	contains the same number of black nodes</a:t>
+            </a:r>
+          </a:p>
+          <a:p>
+            <a:r>
+              <a:rPr lang="en-US" sz="2400" i="0" dirty="0">
+                <a:latin typeface="Times New Roman" panose="02020603050405020304" pitchFamily="18" charset="0"/>
+              </a:rPr>
+              <a:t>5. 	The root is always black</a:t>
+            </a:r>
+          </a:p>
+        </p:txBody>
+      </p:sp>
+      <p:pic>
+        <p:nvPicPr>
+          <p:cNvPr id="3" name="Picture 2"/>
+          <p:cNvPicPr>
+            <a:picLocks noChangeAspect="1"/>
+          </p:cNvPicPr>
+          <p:nvPr/>
+        </p:nvPicPr>
+        <p:blipFill>
+          <a:blip r:embed="rId3"/>
+          <a:stretch>
+            <a:fillRect/>
+          </a:stretch>
+        </p:blipFill>
+        <p:spPr>
+          <a:xfrm>
+            <a:off x="5148064" y="827540"/>
+            <a:ext cx="3792700" cy="2875574"/>
+          </a:xfrm>
+          <a:prstGeom prst="rect">
+            <a:avLst/>
+          </a:prstGeom>
+        </p:spPr>
+      </p:pic>
+    </p:spTree>
+    <p:extLst>
+      <p:ext uri="{BB962C8B-B14F-4D97-AF65-F5344CB8AC3E}">
+        <p14:creationId xmlns:p14="http://schemas.microsoft.com/office/powerpoint/2010/main" val="113962106"/>
+      </p:ext>
+    </p:extLst>
+  </p:cSld>
+  <p:clrMapOvr>
+    <a:masterClrMapping/>
+  </p:clrMapOvr>
+</p:sld>
+</file>
+
+<file path=ppt/slides/slide13.xml><?xml version="1.0" encoding="utf-8"?>
+<p:sld xmlns:a="http://schemas.openxmlformats.org/drawingml/2006/main" xmlns:r="http://schemas.openxmlformats.org/officeDocument/2006/relationships" xmlns:p="http://schemas.openxmlformats.org/presentationml/2006/main">
+  <p:cSld>
+    <p:spTree>
+      <p:nvGrpSpPr>
+        <p:cNvPr id="1" name=""/>
+        <p:cNvGrpSpPr/>
+        <p:nvPr/>
+      </p:nvGrpSpPr>
+      <p:grpSpPr>
+        <a:xfrm>
+          <a:off x="0" y="0"/>
+          <a:ext cx="0" cy="0"/>
+          <a:chOff x="0" y="0"/>
+          <a:chExt cx="0" cy="0"/>
+        </a:xfrm>
+      </p:grpSpPr>
+      <p:sp>
+        <p:nvSpPr>
+          <p:cNvPr id="28" name="Rectangle 2"/>
+          <p:cNvSpPr txBox="1">
+            <a:spLocks noChangeArrowheads="1"/>
+          </p:cNvSpPr>
+          <p:nvPr/>
+        </p:nvSpPr>
+        <p:spPr>
+          <a:xfrm>
+            <a:off x="457200" y="1124000"/>
+            <a:ext cx="8229600" cy="4343400"/>
+          </a:xfrm>
+          <a:prstGeom prst="rect">
+            <a:avLst/>
+          </a:prstGeom>
+        </p:spPr>
+        <p:txBody>
+          <a:bodyPr/>
+          <a:lstStyle>
+            <a:lvl1pPr marL="342900" indent="-342900" algn="l" rtl="0" eaLnBrk="1" fontAlgn="base" hangingPunct="1">
+              <a:spcBef>
+                <a:spcPct val="20000"/>
+              </a:spcBef>
+              <a:spcAft>
+                <a:spcPct val="0"/>
+              </a:spcAft>
+              <a:buChar char="•"/>
+              <a:defRPr sz="3200">
+                <a:solidFill>
+                  <a:schemeClr val="tx1"/>
+                </a:solidFill>
+                <a:latin typeface="+mn-lt"/>
+                <a:ea typeface="+mn-ea"/>
+                <a:cs typeface="+mn-cs"/>
+              </a:defRPr>
+            </a:lvl1pPr>
+            <a:lvl2pPr marL="742950" indent="-285750" algn="l" rtl="0" eaLnBrk="1" fontAlgn="base" hangingPunct="1">
+              <a:spcBef>
+                <a:spcPct val="20000"/>
+              </a:spcBef>
+              <a:spcAft>
+                <a:spcPct val="0"/>
+              </a:spcAft>
+              <a:buChar char="–"/>
+              <a:defRPr sz="2800">
+                <a:solidFill>
+                  <a:schemeClr val="tx1"/>
+                </a:solidFill>
+                <a:latin typeface="+mn-lt"/>
+              </a:defRPr>
+            </a:lvl2pPr>
+            <a:lvl3pPr marL="1143000" indent="-228600" algn="l" rtl="0" eaLnBrk="1" fontAlgn="base" hangingPunct="1">
+              <a:spcBef>
+                <a:spcPct val="20000"/>
+              </a:spcBef>
+              <a:spcAft>
+                <a:spcPct val="0"/>
+              </a:spcAft>
+              <a:buChar char="•"/>
+              <a:defRPr sz="2400">
+                <a:solidFill>
+                  <a:schemeClr val="tx1"/>
+                </a:solidFill>
+                <a:latin typeface="+mn-lt"/>
+              </a:defRPr>
+            </a:lvl3pPr>
+            <a:lvl4pPr marL="1600200" indent="-228600" algn="l" rtl="0" eaLnBrk="1" fontAlgn="base" hangingPunct="1">
+              <a:spcBef>
+                <a:spcPct val="20000"/>
+              </a:spcBef>
+              <a:spcAft>
+                <a:spcPct val="0"/>
+              </a:spcAft>
+              <a:buChar char="–"/>
+              <a:defRPr sz="2000">
+                <a:solidFill>
+                  <a:schemeClr val="tx1"/>
+                </a:solidFill>
+                <a:latin typeface="+mn-lt"/>
+              </a:defRPr>
+            </a:lvl4pPr>
+            <a:lvl5pPr marL="2057400" indent="-228600" algn="l" rtl="0" eaLnBrk="1" fontAlgn="base" hangingPunct="1">
+              <a:spcBef>
+                <a:spcPct val="20000"/>
+              </a:spcBef>
+              <a:spcAft>
+                <a:spcPct val="0"/>
+              </a:spcAft>
+              <a:buChar char="»"/>
+              <a:defRPr sz="2000">
+                <a:solidFill>
+                  <a:schemeClr val="tx1"/>
+                </a:solidFill>
+                <a:latin typeface="+mn-lt"/>
+              </a:defRPr>
+            </a:lvl5pPr>
+            <a:lvl6pPr marL="2514600" indent="-228600" algn="l" rtl="0" eaLnBrk="1" fontAlgn="base" hangingPunct="1">
+              <a:spcBef>
+                <a:spcPct val="20000"/>
+              </a:spcBef>
+              <a:spcAft>
+                <a:spcPct val="0"/>
+              </a:spcAft>
+              <a:buChar char="»"/>
+              <a:defRPr sz="2000">
+                <a:solidFill>
+                  <a:schemeClr val="tx1"/>
+                </a:solidFill>
+                <a:latin typeface="+mn-lt"/>
+              </a:defRPr>
+            </a:lvl6pPr>
+            <a:lvl7pPr marL="2971800" indent="-228600" algn="l" rtl="0" eaLnBrk="1" fontAlgn="base" hangingPunct="1">
+              <a:spcBef>
+                <a:spcPct val="20000"/>
+              </a:spcBef>
+              <a:spcAft>
+                <a:spcPct val="0"/>
+              </a:spcAft>
+              <a:buChar char="»"/>
+              <a:defRPr sz="2000">
+                <a:solidFill>
+                  <a:schemeClr val="tx1"/>
+                </a:solidFill>
+                <a:latin typeface="+mn-lt"/>
+              </a:defRPr>
+            </a:lvl7pPr>
+            <a:lvl8pPr marL="3429000" indent="-228600" algn="l" rtl="0" eaLnBrk="1" fontAlgn="base" hangingPunct="1">
+              <a:spcBef>
+                <a:spcPct val="20000"/>
+              </a:spcBef>
+              <a:spcAft>
+                <a:spcPct val="0"/>
+              </a:spcAft>
+              <a:buChar char="»"/>
+              <a:defRPr sz="2000">
+                <a:solidFill>
+                  <a:schemeClr val="tx1"/>
+                </a:solidFill>
+                <a:latin typeface="+mn-lt"/>
+              </a:defRPr>
+            </a:lvl8pPr>
+            <a:lvl9pPr marL="3886200" indent="-228600" algn="l" rtl="0" eaLnBrk="1" fontAlgn="base" hangingPunct="1">
+              <a:spcBef>
+                <a:spcPct val="20000"/>
+              </a:spcBef>
+              <a:spcAft>
+                <a:spcPct val="0"/>
+              </a:spcAft>
+              <a:buChar char="»"/>
+              <a:defRPr sz="2000">
+                <a:solidFill>
+                  <a:schemeClr val="tx1"/>
+                </a:solidFill>
+                <a:latin typeface="+mn-lt"/>
+              </a:defRPr>
+            </a:lvl9pPr>
+          </a:lstStyle>
+          <a:p>
+            <a:r>
+              <a:rPr lang="en-US" kern="0" dirty="0" smtClean="0"/>
+              <a:t>Insert 10</a:t>
+            </a:r>
+          </a:p>
+          <a:p>
+            <a:pPr lvl="1"/>
+            <a:r>
+              <a:rPr lang="en-US" i="1" kern="0" dirty="0" smtClean="0">
+                <a:solidFill>
+                  <a:schemeClr val="accent2"/>
+                </a:solidFill>
+              </a:rPr>
+              <a:t>Where does it go?</a:t>
+            </a:r>
+          </a:p>
+          <a:p>
+            <a:pPr lvl="1"/>
+            <a:r>
+              <a:rPr lang="en-US" i="1" kern="0" dirty="0">
+                <a:solidFill>
+                  <a:schemeClr val="accent2"/>
+                </a:solidFill>
+              </a:rPr>
+              <a:t>What color </a:t>
+            </a:r>
+            <a:r>
+              <a:rPr lang="en-US" i="1" kern="0" dirty="0" smtClean="0">
+                <a:solidFill>
+                  <a:schemeClr val="accent2"/>
+                </a:solidFill>
+              </a:rPr>
+              <a:t>should </a:t>
+            </a:r>
+            <a:r>
+              <a:rPr lang="en-US" i="1" kern="0" dirty="0">
+                <a:solidFill>
+                  <a:schemeClr val="accent2"/>
+                </a:solidFill>
+              </a:rPr>
+              <a:t>it be</a:t>
+            </a:r>
+            <a:r>
+              <a:rPr lang="en-US" i="1" kern="0" dirty="0" smtClean="0">
+                <a:solidFill>
+                  <a:schemeClr val="accent2"/>
+                </a:solidFill>
+              </a:rPr>
+              <a:t>?</a:t>
+            </a:r>
+            <a:endParaRPr lang="en-US" dirty="0">
+              <a:solidFill>
+                <a:srgbClr val="FF0000"/>
+              </a:solidFill>
+            </a:endParaRPr>
+          </a:p>
+          <a:p>
+            <a:pPr lvl="1"/>
+            <a:endParaRPr lang="en-US" i="1" kern="0" dirty="0">
+              <a:solidFill>
+                <a:schemeClr val="accent2"/>
+              </a:solidFill>
+            </a:endParaRPr>
+          </a:p>
+          <a:p>
+            <a:pPr lvl="1"/>
+            <a:endParaRPr lang="en-US" kern="0" dirty="0">
+              <a:solidFill>
+                <a:schemeClr val="accent2"/>
+              </a:solidFill>
+            </a:endParaRPr>
+          </a:p>
+        </p:txBody>
+      </p:sp>
+      <p:sp>
+        <p:nvSpPr>
+          <p:cNvPr id="29" name="Rectangle 3"/>
+          <p:cNvSpPr>
+            <a:spLocks noGrp="1" noChangeArrowheads="1"/>
+          </p:cNvSpPr>
+          <p:nvPr>
+            <p:ph type="title"/>
+          </p:nvPr>
+        </p:nvSpPr>
+        <p:spPr>
+          <a:xfrm>
+            <a:off x="457200" y="-30686"/>
+            <a:ext cx="8229600" cy="990600"/>
+          </a:xfrm>
+        </p:spPr>
+        <p:txBody>
+          <a:bodyPr/>
+          <a:lstStyle/>
+          <a:p>
+            <a:r>
+              <a:rPr lang="en-US" dirty="0" smtClean="0"/>
+              <a:t>The </a:t>
+            </a:r>
+            <a:r>
+              <a:rPr lang="en-US" dirty="0"/>
+              <a:t>Problem With Insertion</a:t>
+            </a:r>
+          </a:p>
+        </p:txBody>
+      </p:sp>
+      <p:sp>
+        <p:nvSpPr>
+          <p:cNvPr id="49" name="Rectangle 23"/>
+          <p:cNvSpPr>
+            <a:spLocks noChangeArrowheads="1"/>
+          </p:cNvSpPr>
+          <p:nvPr/>
+        </p:nvSpPr>
+        <p:spPr bwMode="auto">
+          <a:xfrm>
+            <a:off x="228600" y="3867200"/>
+            <a:ext cx="6248400" cy="2311400"/>
+          </a:xfrm>
+          <a:prstGeom prst="rect">
+            <a:avLst/>
+          </a:prstGeom>
+          <a:noFill/>
+          <a:ln w="28575">
+            <a:solidFill>
+              <a:schemeClr val="tx2"/>
+            </a:solidFill>
+            <a:miter lim="800000"/>
+            <a:headEnd/>
+            <a:tailEnd/>
+          </a:ln>
+          <a:effectLst/>
+          <a:extLst>
+            <a:ext uri="{909E8E84-426E-40DD-AFC4-6F175D3DCCD1}">
+              <a14:hiddenFill xmlns:a14="http://schemas.microsoft.com/office/drawing/2010/main">
+                <a:solidFill>
+                  <a:srgbClr val="FFFFFF"/>
+                </a:solidFill>
+              </a14:hiddenFill>
+            </a:ext>
+            <a:ext uri="{AF507438-7753-43E0-B8FC-AC1667EBCBE1}">
+              <a14:hiddenEffects xmlns:a14="http://schemas.microsoft.com/office/drawing/2010/main">
+                <a:effectLst>
+                  <a:outerShdw dist="35921" dir="2700000" algn="ctr" rotWithShape="0">
+                    <a:schemeClr val="bg2"/>
+                  </a:outerShdw>
+                </a:effectLst>
+              </a14:hiddenEffects>
+            </a:ext>
+          </a:extLst>
+        </p:spPr>
+        <p:txBody>
+          <a:bodyPr anchor="ctr">
+            <a:spAutoFit/>
+          </a:bodyPr>
+          <a:lstStyle/>
+          <a:p>
+            <a:r>
+              <a:rPr lang="en-US" sz="2400" i="0" dirty="0">
+                <a:latin typeface="Times New Roman" panose="02020603050405020304" pitchFamily="18" charset="0"/>
+              </a:rPr>
+              <a:t>1.	Every node is either red or black</a:t>
+            </a:r>
+          </a:p>
+          <a:p>
+            <a:r>
+              <a:rPr lang="en-US" sz="2400" i="0" dirty="0">
+                <a:latin typeface="Times New Roman" panose="02020603050405020304" pitchFamily="18" charset="0"/>
+              </a:rPr>
+              <a:t>2.	Every leaf (NULL pointer) is black</a:t>
+            </a:r>
+          </a:p>
+          <a:p>
+            <a:r>
+              <a:rPr lang="en-US" sz="2400" i="0" dirty="0">
+                <a:latin typeface="Times New Roman" panose="02020603050405020304" pitchFamily="18" charset="0"/>
+              </a:rPr>
+              <a:t>3.	If a node is red, both children are black</a:t>
+            </a:r>
+          </a:p>
+          <a:p>
+            <a:r>
+              <a:rPr lang="en-US" sz="2400" i="0" dirty="0">
+                <a:latin typeface="Times New Roman" panose="02020603050405020304" pitchFamily="18" charset="0"/>
+              </a:rPr>
+              <a:t>4. 	Every path from node to descendent leaf</a:t>
+            </a:r>
+            <a:br>
+              <a:rPr lang="en-US" sz="2400" i="0" dirty="0">
+                <a:latin typeface="Times New Roman" panose="02020603050405020304" pitchFamily="18" charset="0"/>
+              </a:rPr>
+            </a:br>
+            <a:r>
+              <a:rPr lang="en-US" sz="2400" i="0" dirty="0">
+                <a:latin typeface="Times New Roman" panose="02020603050405020304" pitchFamily="18" charset="0"/>
+              </a:rPr>
+              <a:t>	contains the same number of black nodes</a:t>
+            </a:r>
+          </a:p>
+          <a:p>
+            <a:r>
+              <a:rPr lang="en-US" sz="2400" i="0" dirty="0">
+                <a:latin typeface="Times New Roman" panose="02020603050405020304" pitchFamily="18" charset="0"/>
+              </a:rPr>
+              <a:t>5. 	The root is always black</a:t>
+            </a:r>
+          </a:p>
+        </p:txBody>
+      </p:sp>
+      <p:pic>
+        <p:nvPicPr>
+          <p:cNvPr id="2" name="Picture 1"/>
+          <p:cNvPicPr>
+            <a:picLocks noChangeAspect="1"/>
+          </p:cNvPicPr>
+          <p:nvPr/>
+        </p:nvPicPr>
+        <p:blipFill>
+          <a:blip r:embed="rId3"/>
+          <a:stretch>
+            <a:fillRect/>
+          </a:stretch>
+        </p:blipFill>
+        <p:spPr>
+          <a:xfrm>
+            <a:off x="5148064" y="836712"/>
+            <a:ext cx="3767336" cy="2958940"/>
+          </a:xfrm>
+          <a:prstGeom prst="rect">
+            <a:avLst/>
+          </a:prstGeom>
+        </p:spPr>
+      </p:pic>
+    </p:spTree>
+    <p:extLst>
+      <p:ext uri="{BB962C8B-B14F-4D97-AF65-F5344CB8AC3E}">
+        <p14:creationId xmlns:p14="http://schemas.microsoft.com/office/powerpoint/2010/main" val="3121550800"/>
+      </p:ext>
+    </p:extLst>
+  </p:cSld>
+  <p:clrMapOvr>
+    <a:masterClrMapping/>
+  </p:clrMapOvr>
+</p:sld>
+</file>
+
+<file path=ppt/slides/slide14.xml><?xml version="1.0" encoding="utf-8"?>
+<p:sld xmlns:a="http://schemas.openxmlformats.org/drawingml/2006/main" xmlns:r="http://schemas.openxmlformats.org/officeDocument/2006/relationships" xmlns:p="http://schemas.openxmlformats.org/presentationml/2006/main">
+  <p:cSld>
+    <p:spTree>
+      <p:nvGrpSpPr>
+        <p:cNvPr id="1" name=""/>
+        <p:cNvGrpSpPr/>
+        <p:nvPr/>
+      </p:nvGrpSpPr>
+      <p:grpSpPr>
+        <a:xfrm>
+          <a:off x="0" y="0"/>
+          <a:ext cx="0" cy="0"/>
+          <a:chOff x="0" y="0"/>
+          <a:chExt cx="0" cy="0"/>
+        </a:xfrm>
+      </p:grpSpPr>
+      <p:sp>
+        <p:nvSpPr>
+          <p:cNvPr id="28" name="Rectangle 2"/>
+          <p:cNvSpPr txBox="1">
+            <a:spLocks noChangeArrowheads="1"/>
+          </p:cNvSpPr>
+          <p:nvPr/>
+        </p:nvSpPr>
+        <p:spPr>
+          <a:xfrm>
+            <a:off x="457200" y="1124000"/>
+            <a:ext cx="8229600" cy="4343400"/>
+          </a:xfrm>
+          <a:prstGeom prst="rect">
+            <a:avLst/>
+          </a:prstGeom>
+        </p:spPr>
+        <p:txBody>
+          <a:bodyPr/>
+          <a:lstStyle>
+            <a:lvl1pPr marL="342900" indent="-342900" algn="l" rtl="0" eaLnBrk="1" fontAlgn="base" hangingPunct="1">
+              <a:spcBef>
+                <a:spcPct val="20000"/>
+              </a:spcBef>
+              <a:spcAft>
+                <a:spcPct val="0"/>
+              </a:spcAft>
+              <a:buChar char="•"/>
+              <a:defRPr sz="3200">
+                <a:solidFill>
+                  <a:schemeClr val="tx1"/>
+                </a:solidFill>
+                <a:latin typeface="+mn-lt"/>
+                <a:ea typeface="+mn-ea"/>
+                <a:cs typeface="+mn-cs"/>
+              </a:defRPr>
+            </a:lvl1pPr>
+            <a:lvl2pPr marL="742950" indent="-285750" algn="l" rtl="0" eaLnBrk="1" fontAlgn="base" hangingPunct="1">
+              <a:spcBef>
+                <a:spcPct val="20000"/>
+              </a:spcBef>
+              <a:spcAft>
+                <a:spcPct val="0"/>
+              </a:spcAft>
+              <a:buChar char="–"/>
+              <a:defRPr sz="2800">
+                <a:solidFill>
+                  <a:schemeClr val="tx1"/>
+                </a:solidFill>
+                <a:latin typeface="+mn-lt"/>
+              </a:defRPr>
+            </a:lvl2pPr>
+            <a:lvl3pPr marL="1143000" indent="-228600" algn="l" rtl="0" eaLnBrk="1" fontAlgn="base" hangingPunct="1">
+              <a:spcBef>
+                <a:spcPct val="20000"/>
+              </a:spcBef>
+              <a:spcAft>
+                <a:spcPct val="0"/>
+              </a:spcAft>
+              <a:buChar char="•"/>
+              <a:defRPr sz="2400">
+                <a:solidFill>
+                  <a:schemeClr val="tx1"/>
+                </a:solidFill>
+                <a:latin typeface="+mn-lt"/>
+              </a:defRPr>
+            </a:lvl3pPr>
+            <a:lvl4pPr marL="1600200" indent="-228600" algn="l" rtl="0" eaLnBrk="1" fontAlgn="base" hangingPunct="1">
+              <a:spcBef>
+                <a:spcPct val="20000"/>
+              </a:spcBef>
+              <a:spcAft>
+                <a:spcPct val="0"/>
+              </a:spcAft>
+              <a:buChar char="–"/>
+              <a:defRPr sz="2000">
+                <a:solidFill>
+                  <a:schemeClr val="tx1"/>
+                </a:solidFill>
+                <a:latin typeface="+mn-lt"/>
+              </a:defRPr>
+            </a:lvl4pPr>
+            <a:lvl5pPr marL="2057400" indent="-228600" algn="l" rtl="0" eaLnBrk="1" fontAlgn="base" hangingPunct="1">
+              <a:spcBef>
+                <a:spcPct val="20000"/>
+              </a:spcBef>
+              <a:spcAft>
+                <a:spcPct val="0"/>
+              </a:spcAft>
+              <a:buChar char="»"/>
+              <a:defRPr sz="2000">
+                <a:solidFill>
+                  <a:schemeClr val="tx1"/>
+                </a:solidFill>
+                <a:latin typeface="+mn-lt"/>
+              </a:defRPr>
+            </a:lvl5pPr>
+            <a:lvl6pPr marL="2514600" indent="-228600" algn="l" rtl="0" eaLnBrk="1" fontAlgn="base" hangingPunct="1">
+              <a:spcBef>
+                <a:spcPct val="20000"/>
+              </a:spcBef>
+              <a:spcAft>
+                <a:spcPct val="0"/>
+              </a:spcAft>
+              <a:buChar char="»"/>
+              <a:defRPr sz="2000">
+                <a:solidFill>
+                  <a:schemeClr val="tx1"/>
+                </a:solidFill>
+                <a:latin typeface="+mn-lt"/>
+              </a:defRPr>
+            </a:lvl6pPr>
+            <a:lvl7pPr marL="2971800" indent="-228600" algn="l" rtl="0" eaLnBrk="1" fontAlgn="base" hangingPunct="1">
+              <a:spcBef>
+                <a:spcPct val="20000"/>
+              </a:spcBef>
+              <a:spcAft>
+                <a:spcPct val="0"/>
+              </a:spcAft>
+              <a:buChar char="»"/>
+              <a:defRPr sz="2000">
+                <a:solidFill>
+                  <a:schemeClr val="tx1"/>
+                </a:solidFill>
+                <a:latin typeface="+mn-lt"/>
+              </a:defRPr>
+            </a:lvl7pPr>
+            <a:lvl8pPr marL="3429000" indent="-228600" algn="l" rtl="0" eaLnBrk="1" fontAlgn="base" hangingPunct="1">
+              <a:spcBef>
+                <a:spcPct val="20000"/>
+              </a:spcBef>
+              <a:spcAft>
+                <a:spcPct val="0"/>
+              </a:spcAft>
+              <a:buChar char="»"/>
+              <a:defRPr sz="2000">
+                <a:solidFill>
+                  <a:schemeClr val="tx1"/>
+                </a:solidFill>
+                <a:latin typeface="+mn-lt"/>
+              </a:defRPr>
+            </a:lvl8pPr>
+            <a:lvl9pPr marL="3886200" indent="-228600" algn="l" rtl="0" eaLnBrk="1" fontAlgn="base" hangingPunct="1">
+              <a:spcBef>
+                <a:spcPct val="20000"/>
+              </a:spcBef>
+              <a:spcAft>
+                <a:spcPct val="0"/>
+              </a:spcAft>
+              <a:buChar char="»"/>
+              <a:defRPr sz="2000">
+                <a:solidFill>
+                  <a:schemeClr val="tx1"/>
+                </a:solidFill>
+                <a:latin typeface="+mn-lt"/>
+              </a:defRPr>
+            </a:lvl9pPr>
+          </a:lstStyle>
+          <a:p>
+            <a:r>
+              <a:rPr lang="en-US" kern="0" dirty="0" smtClean="0"/>
+              <a:t>Insert 10</a:t>
+            </a:r>
+          </a:p>
+          <a:p>
+            <a:pPr lvl="1"/>
+            <a:r>
+              <a:rPr lang="en-US" i="1" kern="0" dirty="0" smtClean="0">
+                <a:solidFill>
+                  <a:schemeClr val="accent2"/>
+                </a:solidFill>
+              </a:rPr>
+              <a:t>Where does it go?</a:t>
+            </a:r>
+          </a:p>
+          <a:p>
+            <a:pPr lvl="1"/>
+            <a:r>
+              <a:rPr lang="en-US" i="1" kern="0" dirty="0">
+                <a:solidFill>
+                  <a:schemeClr val="accent2"/>
+                </a:solidFill>
+              </a:rPr>
+              <a:t>What color?</a:t>
+            </a:r>
+          </a:p>
+          <a:p>
+            <a:pPr lvl="2"/>
+            <a:r>
+              <a:rPr lang="en-US" dirty="0"/>
+              <a:t>A: no color! Tree </a:t>
+            </a:r>
+            <a:br>
+              <a:rPr lang="en-US" dirty="0"/>
+            </a:br>
+            <a:r>
+              <a:rPr lang="en-US" dirty="0"/>
+              <a:t>is too imbalanced</a:t>
+            </a:r>
+          </a:p>
+          <a:p>
+            <a:pPr lvl="2"/>
+            <a:r>
+              <a:rPr lang="en-US" dirty="0"/>
+              <a:t>Must change tree structure</a:t>
+            </a:r>
+            <a:br>
+              <a:rPr lang="en-US" dirty="0"/>
+            </a:br>
+            <a:r>
+              <a:rPr lang="en-US" dirty="0"/>
+              <a:t>to allow recoloring</a:t>
+            </a:r>
+          </a:p>
+          <a:p>
+            <a:pPr lvl="1"/>
+            <a:r>
+              <a:rPr lang="en-US" i="1" kern="0" dirty="0">
+                <a:solidFill>
+                  <a:schemeClr val="accent2"/>
+                </a:solidFill>
+              </a:rPr>
+              <a:t>Goal: </a:t>
+            </a:r>
+            <a:r>
+              <a:rPr lang="en-US" dirty="0"/>
+              <a:t>restructure tree in </a:t>
+            </a:r>
+            <a:br>
+              <a:rPr lang="en-US" dirty="0"/>
+            </a:br>
+            <a:r>
+              <a:rPr lang="en-US" dirty="0"/>
+              <a:t>O(</a:t>
+            </a:r>
+            <a:r>
+              <a:rPr lang="en-US" dirty="0" err="1"/>
+              <a:t>lg</a:t>
+            </a:r>
+            <a:r>
+              <a:rPr lang="en-US" dirty="0"/>
+              <a:t> </a:t>
+            </a:r>
+            <a:r>
+              <a:rPr lang="en-US" i="1" dirty="0"/>
+              <a:t>n</a:t>
+            </a:r>
+            <a:r>
+              <a:rPr lang="en-US" dirty="0"/>
+              <a:t>) time</a:t>
+            </a:r>
+            <a:endParaRPr lang="en-US" i="1" dirty="0">
+              <a:solidFill>
+                <a:schemeClr val="accent1"/>
+              </a:solidFill>
+            </a:endParaRPr>
+          </a:p>
+          <a:p>
+            <a:pPr lvl="1"/>
+            <a:endParaRPr lang="en-US" kern="0" dirty="0">
+              <a:solidFill>
+                <a:schemeClr val="accent2"/>
+              </a:solidFill>
+            </a:endParaRPr>
+          </a:p>
+        </p:txBody>
+      </p:sp>
+      <p:sp>
+        <p:nvSpPr>
+          <p:cNvPr id="29" name="Rectangle 3"/>
+          <p:cNvSpPr>
+            <a:spLocks noGrp="1" noChangeArrowheads="1"/>
+          </p:cNvSpPr>
+          <p:nvPr>
+            <p:ph type="title"/>
+          </p:nvPr>
+        </p:nvSpPr>
+        <p:spPr>
+          <a:xfrm>
+            <a:off x="457200" y="-30686"/>
+            <a:ext cx="8229600" cy="990600"/>
+          </a:xfrm>
+        </p:spPr>
+        <p:txBody>
+          <a:bodyPr/>
+          <a:lstStyle/>
+          <a:p>
+            <a:r>
+              <a:rPr lang="en-US" dirty="0" smtClean="0"/>
+              <a:t>The </a:t>
+            </a:r>
+            <a:r>
+              <a:rPr lang="en-US" dirty="0"/>
+              <a:t>Problem With Insertion</a:t>
+            </a:r>
+          </a:p>
+        </p:txBody>
+      </p:sp>
+      <p:pic>
+        <p:nvPicPr>
+          <p:cNvPr id="2" name="Picture 1"/>
+          <p:cNvPicPr>
+            <a:picLocks noChangeAspect="1"/>
+          </p:cNvPicPr>
+          <p:nvPr/>
+        </p:nvPicPr>
+        <p:blipFill>
+          <a:blip r:embed="rId3"/>
+          <a:stretch>
+            <a:fillRect/>
+          </a:stretch>
+        </p:blipFill>
+        <p:spPr>
+          <a:xfrm>
+            <a:off x="5148064" y="836712"/>
+            <a:ext cx="3767336" cy="2958940"/>
+          </a:xfrm>
+          <a:prstGeom prst="rect">
+            <a:avLst/>
+          </a:prstGeom>
+        </p:spPr>
+      </p:pic>
+    </p:spTree>
+    <p:extLst>
+      <p:ext uri="{BB962C8B-B14F-4D97-AF65-F5344CB8AC3E}">
+        <p14:creationId xmlns:p14="http://schemas.microsoft.com/office/powerpoint/2010/main" val="487340821"/>
+      </p:ext>
+    </p:extLst>
+  </p:cSld>
+  <p:clrMapOvr>
+    <a:masterClrMapping/>
+  </p:clrMapOvr>
+</p:sld>
+</file>
+
+<file path=ppt/slides/slide15.xml><?xml version="1.0" encoding="utf-8"?>
+<p:sld xmlns:a="http://schemas.openxmlformats.org/drawingml/2006/main" xmlns:r="http://schemas.openxmlformats.org/officeDocument/2006/relationships" xmlns:p="http://schemas.openxmlformats.org/presentationml/2006/main">
+  <p:cSld>
+    <p:spTree>
+      <p:nvGrpSpPr>
+        <p:cNvPr id="1" name=""/>
+        <p:cNvGrpSpPr/>
+        <p:nvPr/>
+      </p:nvGrpSpPr>
+      <p:grpSpPr>
+        <a:xfrm>
+          <a:off x="0" y="0"/>
+          <a:ext cx="0" cy="0"/>
+          <a:chOff x="0" y="0"/>
+          <a:chExt cx="0" cy="0"/>
+        </a:xfrm>
+      </p:grpSpPr>
+      <p:sp>
+        <p:nvSpPr>
+          <p:cNvPr id="2" name="Title 1"/>
+          <p:cNvSpPr>
+            <a:spLocks noGrp="1"/>
+          </p:cNvSpPr>
+          <p:nvPr>
+            <p:ph type="title"/>
+          </p:nvPr>
+        </p:nvSpPr>
+        <p:spPr/>
+        <p:txBody>
+          <a:bodyPr/>
+          <a:lstStyle/>
+          <a:p>
+            <a:endParaRPr lang="en-US"/>
+          </a:p>
+        </p:txBody>
+      </p:sp>
+      <p:sp>
+        <p:nvSpPr>
+          <p:cNvPr id="3" name="Content Placeholder 2"/>
+          <p:cNvSpPr>
+            <a:spLocks noGrp="1"/>
+          </p:cNvSpPr>
+          <p:nvPr>
+            <p:ph idx="1"/>
+          </p:nvPr>
+        </p:nvSpPr>
+        <p:spPr/>
+        <p:txBody>
+          <a:bodyPr/>
+          <a:lstStyle/>
+          <a:p>
+            <a:endParaRPr lang="en-US"/>
+          </a:p>
+        </p:txBody>
+      </p:sp>
+    </p:spTree>
+    <p:extLst>
+      <p:ext uri="{BB962C8B-B14F-4D97-AF65-F5344CB8AC3E}">
+        <p14:creationId xmlns:p14="http://schemas.microsoft.com/office/powerpoint/2010/main" val="3951719819"/>
+      </p:ext>
+    </p:extLst>
+  </p:cSld>
+  <p:clrMapOvr>
+    <a:masterClrMapping/>
+  </p:clrMapOvr>
+</p:sld>
+</file>
+
+<file path=ppt/slides/slide16.xml><?xml version="1.0" encoding="utf-8"?>
+<p:sld xmlns:a="http://schemas.openxmlformats.org/drawingml/2006/main" xmlns:r="http://schemas.openxmlformats.org/officeDocument/2006/relationships" xmlns:p="http://schemas.openxmlformats.org/presentationml/2006/main">
+  <p:cSld>
+    <p:spTree>
+      <p:nvGrpSpPr>
+        <p:cNvPr id="1" name=""/>
+        <p:cNvGrpSpPr/>
+        <p:nvPr/>
+      </p:nvGrpSpPr>
+      <p:grpSpPr>
+        <a:xfrm>
+          <a:off x="0" y="0"/>
+          <a:ext cx="0" cy="0"/>
+          <a:chOff x="0" y="0"/>
+          <a:chExt cx="0" cy="0"/>
+        </a:xfrm>
+      </p:grpSpPr>
+      <p:sp>
+        <p:nvSpPr>
+          <p:cNvPr id="2" name="Title 1"/>
+          <p:cNvSpPr>
+            <a:spLocks noGrp="1"/>
+          </p:cNvSpPr>
+          <p:nvPr>
+            <p:ph type="title"/>
+          </p:nvPr>
+        </p:nvSpPr>
+        <p:spPr>
+          <a:xfrm>
+            <a:off x="395536" y="-99392"/>
+            <a:ext cx="8229600" cy="1143000"/>
+          </a:xfrm>
+        </p:spPr>
+        <p:txBody>
+          <a:bodyPr/>
+          <a:lstStyle/>
+          <a:p>
+            <a:r>
+              <a:rPr lang="en-US" dirty="0" smtClean="0"/>
+              <a:t>Questions</a:t>
+            </a:r>
+            <a:endParaRPr lang="en-US" dirty="0"/>
+          </a:p>
+        </p:txBody>
+      </p:sp>
+      <p:pic>
+        <p:nvPicPr>
+          <p:cNvPr id="3074" name="Picture 2" descr="Image result for any questions in ppt"/>
+          <p:cNvPicPr>
+            <a:picLocks noChangeAspect="1" noChangeArrowheads="1"/>
+          </p:cNvPicPr>
+          <p:nvPr/>
+        </p:nvPicPr>
+        <p:blipFill>
+          <a:blip r:embed="rId2">
+            <a:extLst>
+              <a:ext uri="{28A0092B-C50C-407E-A947-70E740481C1C}">
+                <a14:useLocalDpi xmlns:a14="http://schemas.microsoft.com/office/drawing/2010/main" val="0"/>
+              </a:ext>
+            </a:extLst>
+          </a:blip>
+          <a:srcRect/>
+          <a:stretch>
+            <a:fillRect/>
+          </a:stretch>
+        </p:blipFill>
+        <p:spPr bwMode="auto">
+          <a:xfrm>
+            <a:off x="1979712" y="764704"/>
+            <a:ext cx="5276850" cy="5276851"/>
+          </a:xfrm>
+          <a:prstGeom prst="rect">
+            <a:avLst/>
+          </a:prstGeom>
+          <a:noFill/>
+          <a:extLst>
+            <a:ext uri="{909E8E84-426E-40DD-AFC4-6F175D3DCCD1}">
+              <a14:hiddenFill xmlns:a14="http://schemas.microsoft.com/office/drawing/2010/main">
+                <a:solidFill>
+                  <a:srgbClr val="FFFFFF"/>
+                </a:solidFill>
+              </a14:hiddenFill>
+            </a:ext>
+          </a:extLst>
+        </p:spPr>
+      </p:pic>
+      <p:sp>
+        <p:nvSpPr>
+          <p:cNvPr id="5" name="TextBox 4"/>
+          <p:cNvSpPr txBox="1"/>
+          <p:nvPr/>
+        </p:nvSpPr>
+        <p:spPr>
+          <a:xfrm>
+            <a:off x="2195736" y="6544380"/>
+            <a:ext cx="4641976" cy="307777"/>
+          </a:xfrm>
+          <a:prstGeom prst="rect">
+            <a:avLst/>
+          </a:prstGeom>
+          <a:noFill/>
+        </p:spPr>
+        <p:txBody>
+          <a:bodyPr wrap="none" rtlCol="0">
+            <a:spAutoFit/>
+          </a:bodyPr>
+          <a:lstStyle/>
+          <a:p>
+            <a:pPr algn="ctr"/>
+            <a:r>
+              <a:rPr lang="en-US" sz="1400" dirty="0" smtClean="0"/>
+              <a:t>Department of Computer Science &amp; Engg., MIT, Manipal</a:t>
+            </a:r>
+            <a:endParaRPr lang="en-IN" sz="1400" dirty="0"/>
+          </a:p>
+        </p:txBody>
+      </p:sp>
+    </p:spTree>
+    <p:extLst>
+      <p:ext uri="{BB962C8B-B14F-4D97-AF65-F5344CB8AC3E}">
+        <p14:creationId xmlns:p14="http://schemas.microsoft.com/office/powerpoint/2010/main" val="573869697"/>
+      </p:ext>
+    </p:extLst>
+  </p:cSld>
+  <p:clrMapOvr>
+    <a:masterClrMapping/>
+  </p:clrMapOvr>
+</p:sld>
+</file>
+
+<file path=ppt/slides/slide17.xml><?xml version="1.0" encoding="utf-8"?>
+<p:sld xmlns:a="http://schemas.openxmlformats.org/drawingml/2006/main" xmlns:r="http://schemas.openxmlformats.org/officeDocument/2006/relationships" xmlns:p="http://schemas.openxmlformats.org/presentationml/2006/main">
+  <p:cSld>
+    <p:spTree>
+      <p:nvGrpSpPr>
+        <p:cNvPr id="1" name=""/>
+        <p:cNvGrpSpPr/>
+        <p:nvPr/>
+      </p:nvGrpSpPr>
+      <p:grpSpPr>
+        <a:xfrm>
+          <a:off x="0" y="0"/>
+          <a:ext cx="0" cy="0"/>
+          <a:chOff x="0" y="0"/>
+          <a:chExt cx="0" cy="0"/>
+        </a:xfrm>
+      </p:grpSpPr>
+      <p:sp>
+        <p:nvSpPr>
+          <p:cNvPr id="3" name="Content Placeholder 2"/>
+          <p:cNvSpPr>
+            <a:spLocks noGrp="1"/>
+          </p:cNvSpPr>
+          <p:nvPr>
+            <p:ph idx="1"/>
+          </p:nvPr>
+        </p:nvSpPr>
+        <p:spPr>
+          <a:xfrm>
+            <a:off x="457200" y="764704"/>
+            <a:ext cx="8229600" cy="5361459"/>
+          </a:xfrm>
+        </p:spPr>
+        <p:txBody>
+          <a:bodyPr/>
+          <a:lstStyle/>
+          <a:p>
+            <a:endParaRPr lang="en-US" dirty="0" smtClean="0"/>
+          </a:p>
+          <a:p>
+            <a:endParaRPr lang="en-US" dirty="0"/>
+          </a:p>
+          <a:p>
+            <a:endParaRPr lang="en-US" dirty="0" smtClean="0"/>
+          </a:p>
+          <a:p>
+            <a:pPr marL="0" indent="0" algn="ctr">
+              <a:buNone/>
+            </a:pPr>
+            <a:endParaRPr lang="en-IN" dirty="0"/>
+          </a:p>
+        </p:txBody>
+      </p:sp>
+      <p:sp>
+        <p:nvSpPr>
+          <p:cNvPr id="4" name="Rectangle 3"/>
+          <p:cNvSpPr/>
+          <p:nvPr/>
+        </p:nvSpPr>
+        <p:spPr>
+          <a:xfrm>
+            <a:off x="2741917" y="2967335"/>
+            <a:ext cx="3660169" cy="923330"/>
+          </a:xfrm>
+          <a:prstGeom prst="rect">
+            <a:avLst/>
+          </a:prstGeom>
+          <a:noFill/>
+        </p:spPr>
+        <p:txBody>
+          <a:bodyPr wrap="none" lIns="91440" tIns="45720" rIns="91440" bIns="45720">
+            <a:spAutoFit/>
+          </a:bodyPr>
+          <a:lstStyle/>
+          <a:p>
+            <a:pPr algn="ctr"/>
+            <a:r>
+              <a:rPr lang="en-US" sz="5400" b="1" cap="none" spc="0" dirty="0" smtClean="0">
+                <a:ln w="12700">
+                  <a:solidFill>
+                    <a:schemeClr val="tx2">
+                      <a:satMod val="155000"/>
+                    </a:schemeClr>
+                  </a:solidFill>
+                  <a:prstDash val="solid"/>
+                </a:ln>
+                <a:solidFill>
+                  <a:schemeClr val="bg2">
+                    <a:tint val="85000"/>
+                    <a:satMod val="155000"/>
+                  </a:schemeClr>
+                </a:solidFill>
+                <a:effectLst>
+                  <a:outerShdw blurRad="41275" dist="20320" dir="1800000" algn="tl" rotWithShape="0">
+                    <a:srgbClr val="000000">
+                      <a:alpha val="40000"/>
+                    </a:srgbClr>
+                  </a:outerShdw>
+                </a:effectLst>
+              </a:rPr>
+              <a:t>Thank You</a:t>
+            </a:r>
+            <a:endParaRPr lang="en-US" sz="5400" b="1" cap="none" spc="0" dirty="0">
+              <a:ln w="12700">
+                <a:solidFill>
+                  <a:schemeClr val="tx2">
+                    <a:satMod val="155000"/>
+                  </a:schemeClr>
+                </a:solidFill>
+                <a:prstDash val="solid"/>
+              </a:ln>
+              <a:solidFill>
+                <a:schemeClr val="bg2">
+                  <a:tint val="85000"/>
+                  <a:satMod val="155000"/>
+                </a:schemeClr>
+              </a:solidFill>
+              <a:effectLst>
+                <a:outerShdw blurRad="41275" dist="20320" dir="1800000" algn="tl" rotWithShape="0">
+                  <a:srgbClr val="000000">
+                    <a:alpha val="40000"/>
+                  </a:srgbClr>
+                </a:outerShdw>
+              </a:effectLst>
+            </a:endParaRPr>
+          </a:p>
+        </p:txBody>
+      </p:sp>
+    </p:spTree>
+    <p:extLst>
+      <p:ext uri="{BB962C8B-B14F-4D97-AF65-F5344CB8AC3E}">
+        <p14:creationId xmlns:p14="http://schemas.microsoft.com/office/powerpoint/2010/main" val="614562961"/>
+      </p:ext>
+    </p:extLst>
+  </p:cSld>
+  <p:clrMapOvr>
+    <a:masterClrMapping/>
+  </p:clrMapOvr>
+  <p:timing>
+    <p:tnLst>
+      <p:par>
+        <p:cTn id="1" dur="indefinite" restart="never" nodeType="tmRoot"/>
+      </p:par>
+    </p:tnLst>
+  </p:timing>
+</p:sld>
+</file>
+
 <file path=ppt/slides/slide2.xml><?xml version="1.0" encoding="utf-8"?>
 <p:sld xmlns:a="http://schemas.openxmlformats.org/drawingml/2006/main" xmlns:r="http://schemas.openxmlformats.org/officeDocument/2006/relationships" xmlns:p="http://schemas.openxmlformats.org/presentationml/2006/main">
   <p:cSld>
@@ -6351,9 +9435,220 @@
       </p:grpSpPr>
       <p:sp>
         <p:nvSpPr>
-          <p:cNvPr id="2" name="Title 1"/>
+          <p:cNvPr id="28" name="Rectangle 2"/>
+          <p:cNvSpPr txBox="1">
+            <a:spLocks noChangeArrowheads="1"/>
+          </p:cNvSpPr>
+          <p:nvPr/>
+        </p:nvSpPr>
+        <p:spPr>
+          <a:xfrm>
+            <a:off x="457200" y="1124000"/>
+            <a:ext cx="8229600" cy="4343400"/>
+          </a:xfrm>
+          <a:prstGeom prst="rect">
+            <a:avLst/>
+          </a:prstGeom>
+        </p:spPr>
+        <p:txBody>
+          <a:bodyPr/>
+          <a:lstStyle>
+            <a:lvl1pPr marL="342900" indent="-342900" algn="l" rtl="0" eaLnBrk="1" fontAlgn="base" hangingPunct="1">
+              <a:spcBef>
+                <a:spcPct val="20000"/>
+              </a:spcBef>
+              <a:spcAft>
+                <a:spcPct val="0"/>
+              </a:spcAft>
+              <a:buChar char="•"/>
+              <a:defRPr sz="3200">
+                <a:solidFill>
+                  <a:schemeClr val="tx1"/>
+                </a:solidFill>
+                <a:latin typeface="+mn-lt"/>
+                <a:ea typeface="+mn-ea"/>
+                <a:cs typeface="+mn-cs"/>
+              </a:defRPr>
+            </a:lvl1pPr>
+            <a:lvl2pPr marL="742950" indent="-285750" algn="l" rtl="0" eaLnBrk="1" fontAlgn="base" hangingPunct="1">
+              <a:spcBef>
+                <a:spcPct val="20000"/>
+              </a:spcBef>
+              <a:spcAft>
+                <a:spcPct val="0"/>
+              </a:spcAft>
+              <a:buChar char="–"/>
+              <a:defRPr sz="2800">
+                <a:solidFill>
+                  <a:schemeClr val="tx1"/>
+                </a:solidFill>
+                <a:latin typeface="+mn-lt"/>
+              </a:defRPr>
+            </a:lvl2pPr>
+            <a:lvl3pPr marL="1143000" indent="-228600" algn="l" rtl="0" eaLnBrk="1" fontAlgn="base" hangingPunct="1">
+              <a:spcBef>
+                <a:spcPct val="20000"/>
+              </a:spcBef>
+              <a:spcAft>
+                <a:spcPct val="0"/>
+              </a:spcAft>
+              <a:buChar char="•"/>
+              <a:defRPr sz="2400">
+                <a:solidFill>
+                  <a:schemeClr val="tx1"/>
+                </a:solidFill>
+                <a:latin typeface="+mn-lt"/>
+              </a:defRPr>
+            </a:lvl3pPr>
+            <a:lvl4pPr marL="1600200" indent="-228600" algn="l" rtl="0" eaLnBrk="1" fontAlgn="base" hangingPunct="1">
+              <a:spcBef>
+                <a:spcPct val="20000"/>
+              </a:spcBef>
+              <a:spcAft>
+                <a:spcPct val="0"/>
+              </a:spcAft>
+              <a:buChar char="–"/>
+              <a:defRPr sz="2000">
+                <a:solidFill>
+                  <a:schemeClr val="tx1"/>
+                </a:solidFill>
+                <a:latin typeface="+mn-lt"/>
+              </a:defRPr>
+            </a:lvl4pPr>
+            <a:lvl5pPr marL="2057400" indent="-228600" algn="l" rtl="0" eaLnBrk="1" fontAlgn="base" hangingPunct="1">
+              <a:spcBef>
+                <a:spcPct val="20000"/>
+              </a:spcBef>
+              <a:spcAft>
+                <a:spcPct val="0"/>
+              </a:spcAft>
+              <a:buChar char="»"/>
+              <a:defRPr sz="2000">
+                <a:solidFill>
+                  <a:schemeClr val="tx1"/>
+                </a:solidFill>
+                <a:latin typeface="+mn-lt"/>
+              </a:defRPr>
+            </a:lvl5pPr>
+            <a:lvl6pPr marL="2514600" indent="-228600" algn="l" rtl="0" eaLnBrk="1" fontAlgn="base" hangingPunct="1">
+              <a:spcBef>
+                <a:spcPct val="20000"/>
+              </a:spcBef>
+              <a:spcAft>
+                <a:spcPct val="0"/>
+              </a:spcAft>
+              <a:buChar char="»"/>
+              <a:defRPr sz="2000">
+                <a:solidFill>
+                  <a:schemeClr val="tx1"/>
+                </a:solidFill>
+                <a:latin typeface="+mn-lt"/>
+              </a:defRPr>
+            </a:lvl6pPr>
+            <a:lvl7pPr marL="2971800" indent="-228600" algn="l" rtl="0" eaLnBrk="1" fontAlgn="base" hangingPunct="1">
+              <a:spcBef>
+                <a:spcPct val="20000"/>
+              </a:spcBef>
+              <a:spcAft>
+                <a:spcPct val="0"/>
+              </a:spcAft>
+              <a:buChar char="»"/>
+              <a:defRPr sz="2000">
+                <a:solidFill>
+                  <a:schemeClr val="tx1"/>
+                </a:solidFill>
+                <a:latin typeface="+mn-lt"/>
+              </a:defRPr>
+            </a:lvl7pPr>
+            <a:lvl8pPr marL="3429000" indent="-228600" algn="l" rtl="0" eaLnBrk="1" fontAlgn="base" hangingPunct="1">
+              <a:spcBef>
+                <a:spcPct val="20000"/>
+              </a:spcBef>
+              <a:spcAft>
+                <a:spcPct val="0"/>
+              </a:spcAft>
+              <a:buChar char="»"/>
+              <a:defRPr sz="2000">
+                <a:solidFill>
+                  <a:schemeClr val="tx1"/>
+                </a:solidFill>
+                <a:latin typeface="+mn-lt"/>
+              </a:defRPr>
+            </a:lvl8pPr>
+            <a:lvl9pPr marL="3886200" indent="-228600" algn="l" rtl="0" eaLnBrk="1" fontAlgn="base" hangingPunct="1">
+              <a:spcBef>
+                <a:spcPct val="20000"/>
+              </a:spcBef>
+              <a:spcAft>
+                <a:spcPct val="0"/>
+              </a:spcAft>
+              <a:buChar char="»"/>
+              <a:defRPr sz="2000">
+                <a:solidFill>
+                  <a:schemeClr val="tx1"/>
+                </a:solidFill>
+                <a:latin typeface="+mn-lt"/>
+              </a:defRPr>
+            </a:lvl9pPr>
+          </a:lstStyle>
+          <a:p>
+            <a:r>
+              <a:rPr lang="en-US" kern="0" dirty="0" smtClean="0"/>
+              <a:t>Insert 8</a:t>
+            </a:r>
+          </a:p>
+          <a:p>
+            <a:pPr lvl="1"/>
+            <a:r>
+              <a:rPr lang="en-US" i="1" kern="0" dirty="0" smtClean="0">
+                <a:solidFill>
+                  <a:schemeClr val="accent2"/>
+                </a:solidFill>
+              </a:rPr>
+              <a:t>Where does it go?</a:t>
+            </a:r>
+          </a:p>
+          <a:p>
+            <a:pPr lvl="1"/>
+            <a:r>
+              <a:rPr lang="en-US" i="1" kern="0" dirty="0">
+                <a:solidFill>
+                  <a:schemeClr val="accent2"/>
+                </a:solidFill>
+              </a:rPr>
+              <a:t>What color </a:t>
+            </a:r>
+            <a:br>
+              <a:rPr lang="en-US" i="1" kern="0" dirty="0">
+                <a:solidFill>
+                  <a:schemeClr val="accent2"/>
+                </a:solidFill>
+              </a:rPr>
+            </a:br>
+            <a:r>
+              <a:rPr lang="en-US" i="1" kern="0" dirty="0">
+                <a:solidFill>
+                  <a:schemeClr val="accent2"/>
+                </a:solidFill>
+              </a:rPr>
+              <a:t>should it be?</a:t>
+            </a:r>
+          </a:p>
+          <a:p>
+            <a:pPr lvl="1"/>
+            <a:endParaRPr lang="en-US" kern="0" dirty="0">
+              <a:solidFill>
+                <a:schemeClr val="accent2"/>
+              </a:solidFill>
+            </a:endParaRPr>
+          </a:p>
+        </p:txBody>
+      </p:sp>
+      <p:sp>
+        <p:nvSpPr>
+          <p:cNvPr id="29" name="Rectangle 3"/>
           <p:cNvSpPr>
-            <a:spLocks noGrp="1"/>
+            <a:spLocks noGrp="1" noChangeArrowheads="1"/>
           </p:cNvSpPr>
           <p:nvPr>
             <p:ph type="title"/>
@@ -6361,8 +9656,8 @@
         </p:nvSpPr>
         <p:spPr>
           <a:xfrm>
-            <a:off x="395536" y="-99392"/>
-            <a:ext cx="8229600" cy="1143000"/>
+            <a:off x="457200" y="-30686"/>
+            <a:ext cx="8229600" cy="990600"/>
           </a:xfrm>
         </p:spPr>
         <p:txBody>
@@ -6371,42 +9666,41 @@
           <a:p>
             <a:r>
               <a:rPr lang="en-US" dirty="0" smtClean="0"/>
-              <a:t>Questions</a:t>
-            </a:r>
-            <a:endParaRPr lang="en-US" dirty="0"/>
+              <a:t>The </a:t>
+            </a:r>
+            <a:r>
+              <a:rPr lang="en-US" dirty="0"/>
+              <a:t>Problem With Insertion</a:t>
+            </a:r>
           </a:p>
         </p:txBody>
       </p:sp>
-      <p:pic>
-        <p:nvPicPr>
-          <p:cNvPr id="3074" name="Picture 2" descr="Image result for any questions in ppt"/>
-          <p:cNvPicPr>
-            <a:picLocks noChangeAspect="1" noChangeArrowheads="1"/>
-          </p:cNvPicPr>
+      <p:sp>
+        <p:nvSpPr>
+          <p:cNvPr id="49" name="Rectangle 23"/>
+          <p:cNvSpPr>
+            <a:spLocks noChangeArrowheads="1"/>
+          </p:cNvSpPr>
           <p:nvPr/>
-        </p:nvPicPr>
-        <p:blipFill>
-          <a:blip r:embed="rId2">
-            <a:extLst>
-              <a:ext uri="{28A0092B-C50C-407E-A947-70E740481C1C}">
-                <a14:useLocalDpi xmlns:a14="http://schemas.microsoft.com/office/drawing/2010/main" val="0"/>
-              </a:ext>
-            </a:extLst>
-          </a:blip>
-          <a:srcRect/>
-          <a:stretch>
-            <a:fillRect/>
-          </a:stretch>
-        </p:blipFill>
+        </p:nvSpPr>
         <p:spPr bwMode="auto">
           <a:xfrm>
-            <a:off x="1979712" y="764704"/>
-            <a:ext cx="5276850" cy="5276851"/>
+            <a:off x="228600" y="3867200"/>
+            <a:ext cx="6248400" cy="2311400"/>
           </a:xfrm>
           <a:prstGeom prst="rect">
             <a:avLst/>
           </a:prstGeom>
           <a:noFill/>
+          <a:ln w="28575">
+            <a:solidFill>
+              <a:schemeClr val="tx2"/>
+            </a:solidFill>
+            <a:miter lim="800000"/>
+            <a:headEnd/>
+            <a:tailEnd/>
+          </a:ln>
+          <a:effectLst/>
           <a:extLst>
             <a:ext uri="{909E8E84-426E-40DD-AFC4-6F175D3DCCD1}">
               <a14:hiddenFill xmlns:a14="http://schemas.microsoft.com/office/drawing/2010/main">
@@ -6415,44 +9709,103 @@
                 </a:solidFill>
               </a14:hiddenFill>
             </a:ext>
+            <a:ext uri="{AF507438-7753-43E0-B8FC-AC1667EBCBE1}">
+              <a14:hiddenEffects xmlns:a14="http://schemas.microsoft.com/office/drawing/2010/main">
+                <a:effectLst>
+                  <a:outerShdw dist="35921" dir="2700000" algn="ctr" rotWithShape="0">
+                    <a:schemeClr val="bg2"/>
+                  </a:outerShdw>
+                </a:effectLst>
+              </a14:hiddenEffects>
+            </a:ext>
           </a:extLst>
         </p:spPr>
-      </p:pic>
-      <p:sp>
-        <p:nvSpPr>
-          <p:cNvPr id="5" name="TextBox 4"/>
-          <p:cNvSpPr txBox="1"/>
+        <p:txBody>
+          <a:bodyPr anchor="ctr">
+            <a:spAutoFit/>
+          </a:bodyPr>
+          <a:lstStyle/>
+          <a:p>
+            <a:r>
+              <a:rPr lang="en-US" sz="2400" i="0" dirty="0">
+                <a:latin typeface="Times New Roman" panose="02020603050405020304" pitchFamily="18" charset="0"/>
+              </a:rPr>
+              <a:t>1.	Every node is either red or black</a:t>
+            </a:r>
+          </a:p>
+          <a:p>
+            <a:r>
+              <a:rPr lang="en-US" sz="2400" i="0" dirty="0">
+                <a:latin typeface="Times New Roman" panose="02020603050405020304" pitchFamily="18" charset="0"/>
+              </a:rPr>
+              <a:t>2.	Every leaf (NULL pointer) is black</a:t>
+            </a:r>
+          </a:p>
+          <a:p>
+            <a:r>
+              <a:rPr lang="en-US" sz="2400" i="0" dirty="0">
+                <a:latin typeface="Times New Roman" panose="02020603050405020304" pitchFamily="18" charset="0"/>
+              </a:rPr>
+              <a:t>3.	If a node is red, both children are black</a:t>
+            </a:r>
+          </a:p>
+          <a:p>
+            <a:r>
+              <a:rPr lang="en-US" sz="2400" i="0" dirty="0">
+                <a:latin typeface="Times New Roman" panose="02020603050405020304" pitchFamily="18" charset="0"/>
+              </a:rPr>
+              <a:t>4. 	Every path from node to descendent leaf</a:t>
+            </a:r>
+            <a:br>
+              <a:rPr lang="en-US" sz="2400" i="0" dirty="0">
+                <a:latin typeface="Times New Roman" panose="02020603050405020304" pitchFamily="18" charset="0"/>
+              </a:rPr>
+            </a:br>
+            <a:r>
+              <a:rPr lang="en-US" sz="2400" i="0" dirty="0">
+                <a:latin typeface="Times New Roman" panose="02020603050405020304" pitchFamily="18" charset="0"/>
+              </a:rPr>
+              <a:t>	contains the same number of black nodes</a:t>
+            </a:r>
+          </a:p>
+          <a:p>
+            <a:r>
+              <a:rPr lang="en-US" sz="2400" i="0" dirty="0">
+                <a:latin typeface="Times New Roman" panose="02020603050405020304" pitchFamily="18" charset="0"/>
+              </a:rPr>
+              <a:t>5. 	The root is always black</a:t>
+            </a:r>
+          </a:p>
+        </p:txBody>
+      </p:sp>
+      <p:pic>
+        <p:nvPicPr>
+          <p:cNvPr id="3" name="Picture 2"/>
+          <p:cNvPicPr>
+            <a:picLocks noChangeAspect="1"/>
+          </p:cNvPicPr>
           <p:nvPr/>
-        </p:nvSpPr>
+        </p:nvPicPr>
+        <p:blipFill>
+          <a:blip r:embed="rId3"/>
+          <a:stretch>
+            <a:fillRect/>
+          </a:stretch>
+        </p:blipFill>
         <p:spPr>
           <a:xfrm>
-            <a:off x="2195736" y="6544380"/>
-            <a:ext cx="4641976" cy="307777"/>
+            <a:off x="4526111" y="1151014"/>
+            <a:ext cx="3901778" cy="2248095"/>
           </a:xfrm>
           <a:prstGeom prst="rect">
             <a:avLst/>
           </a:prstGeom>
-          <a:noFill/>
         </p:spPr>
-        <p:txBody>
-          <a:bodyPr wrap="none" rtlCol="0">
-            <a:spAutoFit/>
-          </a:bodyPr>
-          <a:lstStyle/>
-          <a:p>
-            <a:pPr algn="ctr"/>
-            <a:r>
-              <a:rPr lang="en-US" sz="1400" dirty="0" smtClean="0"/>
-              <a:t>Department of Computer Science &amp; Engg., MIT, Manipal</a:t>
-            </a:r>
-            <a:endParaRPr lang="en-IN" sz="1400" dirty="0"/>
-          </a:p>
-        </p:txBody>
-      </p:sp>
+      </p:pic>
     </p:spTree>
     <p:extLst>
       <p:ext uri="{BB962C8B-B14F-4D97-AF65-F5344CB8AC3E}">
-        <p14:creationId xmlns:p14="http://schemas.microsoft.com/office/powerpoint/2010/main" val="573869697"/>
+        <p14:creationId xmlns:p14="http://schemas.microsoft.com/office/powerpoint/2010/main" val="42314054"/>
       </p:ext>
     </p:extLst>
   </p:cSld>
@@ -6481,132 +9834,354 @@
       </p:grpSpPr>
       <p:sp>
         <p:nvSpPr>
-          <p:cNvPr id="3" name="Content Placeholder 2"/>
+          <p:cNvPr id="28" name="Rectangle 2"/>
+          <p:cNvSpPr txBox="1">
+            <a:spLocks noChangeArrowheads="1"/>
+          </p:cNvSpPr>
+          <p:nvPr/>
+        </p:nvSpPr>
+        <p:spPr>
+          <a:xfrm>
+            <a:off x="457200" y="1124000"/>
+            <a:ext cx="8229600" cy="4343400"/>
+          </a:xfrm>
+          <a:prstGeom prst="rect">
+            <a:avLst/>
+          </a:prstGeom>
+        </p:spPr>
+        <p:txBody>
+          <a:bodyPr/>
+          <a:lstStyle>
+            <a:lvl1pPr marL="342900" indent="-342900" algn="l" rtl="0" eaLnBrk="1" fontAlgn="base" hangingPunct="1">
+              <a:spcBef>
+                <a:spcPct val="20000"/>
+              </a:spcBef>
+              <a:spcAft>
+                <a:spcPct val="0"/>
+              </a:spcAft>
+              <a:buChar char="•"/>
+              <a:defRPr sz="3200">
+                <a:solidFill>
+                  <a:schemeClr val="tx1"/>
+                </a:solidFill>
+                <a:latin typeface="+mn-lt"/>
+                <a:ea typeface="+mn-ea"/>
+                <a:cs typeface="+mn-cs"/>
+              </a:defRPr>
+            </a:lvl1pPr>
+            <a:lvl2pPr marL="742950" indent="-285750" algn="l" rtl="0" eaLnBrk="1" fontAlgn="base" hangingPunct="1">
+              <a:spcBef>
+                <a:spcPct val="20000"/>
+              </a:spcBef>
+              <a:spcAft>
+                <a:spcPct val="0"/>
+              </a:spcAft>
+              <a:buChar char="–"/>
+              <a:defRPr sz="2800">
+                <a:solidFill>
+                  <a:schemeClr val="tx1"/>
+                </a:solidFill>
+                <a:latin typeface="+mn-lt"/>
+              </a:defRPr>
+            </a:lvl2pPr>
+            <a:lvl3pPr marL="1143000" indent="-228600" algn="l" rtl="0" eaLnBrk="1" fontAlgn="base" hangingPunct="1">
+              <a:spcBef>
+                <a:spcPct val="20000"/>
+              </a:spcBef>
+              <a:spcAft>
+                <a:spcPct val="0"/>
+              </a:spcAft>
+              <a:buChar char="•"/>
+              <a:defRPr sz="2400">
+                <a:solidFill>
+                  <a:schemeClr val="tx1"/>
+                </a:solidFill>
+                <a:latin typeface="+mn-lt"/>
+              </a:defRPr>
+            </a:lvl3pPr>
+            <a:lvl4pPr marL="1600200" indent="-228600" algn="l" rtl="0" eaLnBrk="1" fontAlgn="base" hangingPunct="1">
+              <a:spcBef>
+                <a:spcPct val="20000"/>
+              </a:spcBef>
+              <a:spcAft>
+                <a:spcPct val="0"/>
+              </a:spcAft>
+              <a:buChar char="–"/>
+              <a:defRPr sz="2000">
+                <a:solidFill>
+                  <a:schemeClr val="tx1"/>
+                </a:solidFill>
+                <a:latin typeface="+mn-lt"/>
+              </a:defRPr>
+            </a:lvl4pPr>
+            <a:lvl5pPr marL="2057400" indent="-228600" algn="l" rtl="0" eaLnBrk="1" fontAlgn="base" hangingPunct="1">
+              <a:spcBef>
+                <a:spcPct val="20000"/>
+              </a:spcBef>
+              <a:spcAft>
+                <a:spcPct val="0"/>
+              </a:spcAft>
+              <a:buChar char="»"/>
+              <a:defRPr sz="2000">
+                <a:solidFill>
+                  <a:schemeClr val="tx1"/>
+                </a:solidFill>
+                <a:latin typeface="+mn-lt"/>
+              </a:defRPr>
+            </a:lvl5pPr>
+            <a:lvl6pPr marL="2514600" indent="-228600" algn="l" rtl="0" eaLnBrk="1" fontAlgn="base" hangingPunct="1">
+              <a:spcBef>
+                <a:spcPct val="20000"/>
+              </a:spcBef>
+              <a:spcAft>
+                <a:spcPct val="0"/>
+              </a:spcAft>
+              <a:buChar char="»"/>
+              <a:defRPr sz="2000">
+                <a:solidFill>
+                  <a:schemeClr val="tx1"/>
+                </a:solidFill>
+                <a:latin typeface="+mn-lt"/>
+              </a:defRPr>
+            </a:lvl6pPr>
+            <a:lvl7pPr marL="2971800" indent="-228600" algn="l" rtl="0" eaLnBrk="1" fontAlgn="base" hangingPunct="1">
+              <a:spcBef>
+                <a:spcPct val="20000"/>
+              </a:spcBef>
+              <a:spcAft>
+                <a:spcPct val="0"/>
+              </a:spcAft>
+              <a:buChar char="»"/>
+              <a:defRPr sz="2000">
+                <a:solidFill>
+                  <a:schemeClr val="tx1"/>
+                </a:solidFill>
+                <a:latin typeface="+mn-lt"/>
+              </a:defRPr>
+            </a:lvl7pPr>
+            <a:lvl8pPr marL="3429000" indent="-228600" algn="l" rtl="0" eaLnBrk="1" fontAlgn="base" hangingPunct="1">
+              <a:spcBef>
+                <a:spcPct val="20000"/>
+              </a:spcBef>
+              <a:spcAft>
+                <a:spcPct val="0"/>
+              </a:spcAft>
+              <a:buChar char="»"/>
+              <a:defRPr sz="2000">
+                <a:solidFill>
+                  <a:schemeClr val="tx1"/>
+                </a:solidFill>
+                <a:latin typeface="+mn-lt"/>
+              </a:defRPr>
+            </a:lvl8pPr>
+            <a:lvl9pPr marL="3886200" indent="-228600" algn="l" rtl="0" eaLnBrk="1" fontAlgn="base" hangingPunct="1">
+              <a:spcBef>
+                <a:spcPct val="20000"/>
+              </a:spcBef>
+              <a:spcAft>
+                <a:spcPct val="0"/>
+              </a:spcAft>
+              <a:buChar char="»"/>
+              <a:defRPr sz="2000">
+                <a:solidFill>
+                  <a:schemeClr val="tx1"/>
+                </a:solidFill>
+                <a:latin typeface="+mn-lt"/>
+              </a:defRPr>
+            </a:lvl9pPr>
+          </a:lstStyle>
+          <a:p>
+            <a:r>
+              <a:rPr lang="en-US" kern="0" dirty="0" smtClean="0"/>
+              <a:t>Insert 11</a:t>
+            </a:r>
+          </a:p>
+          <a:p>
+            <a:pPr lvl="1"/>
+            <a:r>
+              <a:rPr lang="en-US" i="1" kern="0" dirty="0" smtClean="0">
+                <a:solidFill>
+                  <a:schemeClr val="accent2"/>
+                </a:solidFill>
+              </a:rPr>
+              <a:t>Where does it go?</a:t>
+            </a:r>
+            <a:endParaRPr lang="en-US" kern="0" dirty="0">
+              <a:solidFill>
+                <a:schemeClr val="accent2"/>
+              </a:solidFill>
+            </a:endParaRPr>
+          </a:p>
+        </p:txBody>
+      </p:sp>
+      <p:sp>
+        <p:nvSpPr>
+          <p:cNvPr id="29" name="Rectangle 3"/>
           <p:cNvSpPr>
-            <a:spLocks noGrp="1"/>
+            <a:spLocks noGrp="1" noChangeArrowheads="1"/>
           </p:cNvSpPr>
           <p:nvPr>
-            <p:ph idx="1"/>
+            <p:ph type="title"/>
           </p:nvPr>
         </p:nvSpPr>
         <p:spPr>
           <a:xfrm>
-            <a:off x="457200" y="764704"/>
-            <a:ext cx="8229600" cy="5361459"/>
+            <a:off x="457200" y="-30686"/>
+            <a:ext cx="8229600" cy="990600"/>
           </a:xfrm>
         </p:spPr>
         <p:txBody>
           <a:bodyPr/>
           <a:lstStyle/>
           <a:p>
-            <a:endParaRPr lang="en-US" dirty="0" smtClean="0"/>
-          </a:p>
-          <a:p>
-            <a:endParaRPr lang="en-US" dirty="0"/>
-          </a:p>
-          <a:p>
-            <a:endParaRPr lang="en-US" dirty="0" smtClean="0"/>
-          </a:p>
-          <a:p>
-            <a:pPr marL="0" indent="0" algn="ctr">
-              <a:buNone/>
-            </a:pPr>
-            <a:endParaRPr lang="en-IN" dirty="0"/>
+            <a:r>
+              <a:rPr lang="en-US" dirty="0" smtClean="0"/>
+              <a:t>The </a:t>
+            </a:r>
+            <a:r>
+              <a:rPr lang="en-US" dirty="0"/>
+              <a:t>Problem With Insertion</a:t>
+            </a:r>
           </a:p>
         </p:txBody>
       </p:sp>
       <p:sp>
         <p:nvSpPr>
-          <p:cNvPr id="4" name="Rectangle 3"/>
-          <p:cNvSpPr/>
+          <p:cNvPr id="49" name="Rectangle 23"/>
+          <p:cNvSpPr>
+            <a:spLocks noChangeArrowheads="1"/>
+          </p:cNvSpPr>
           <p:nvPr/>
         </p:nvSpPr>
-        <p:spPr>
+        <p:spPr bwMode="auto">
           <a:xfrm>
-            <a:off x="2741917" y="2967335"/>
-            <a:ext cx="3660169" cy="923330"/>
+            <a:off x="228600" y="3867200"/>
+            <a:ext cx="6248400" cy="2311400"/>
           </a:xfrm>
           <a:prstGeom prst="rect">
             <a:avLst/>
           </a:prstGeom>
           <a:noFill/>
+          <a:ln w="28575">
+            <a:solidFill>
+              <a:schemeClr val="tx2"/>
+            </a:solidFill>
+            <a:miter lim="800000"/>
+            <a:headEnd/>
+            <a:tailEnd/>
+          </a:ln>
+          <a:effectLst/>
+          <a:extLst>
+            <a:ext uri="{909E8E84-426E-40DD-AFC4-6F175D3DCCD1}">
+              <a14:hiddenFill xmlns:a14="http://schemas.microsoft.com/office/drawing/2010/main">
+                <a:solidFill>
+                  <a:srgbClr val="FFFFFF"/>
+                </a:solidFill>
+              </a14:hiddenFill>
+            </a:ext>
+            <a:ext uri="{AF507438-7753-43E0-B8FC-AC1667EBCBE1}">
+              <a14:hiddenEffects xmlns:a14="http://schemas.microsoft.com/office/drawing/2010/main">
+                <a:effectLst>
+                  <a:outerShdw dist="35921" dir="2700000" algn="ctr" rotWithShape="0">
+                    <a:schemeClr val="bg2"/>
+                  </a:outerShdw>
+                </a:effectLst>
+              </a14:hiddenEffects>
+            </a:ext>
+          </a:extLst>
         </p:spPr>
         <p:txBody>
-          <a:bodyPr wrap="none" lIns="91440" tIns="45720" rIns="91440" bIns="45720">
+          <a:bodyPr anchor="ctr">
             <a:spAutoFit/>
           </a:bodyPr>
           <a:lstStyle/>
           <a:p>
-            <a:pPr algn="ctr"/>
-            <a:r>
-              <a:rPr lang="en-US" sz="5400" b="1" cap="none" spc="0" dirty="0" smtClean="0">
-                <a:ln w="12700">
-                  <a:solidFill>
-                    <a:schemeClr val="tx2">
-                      <a:satMod val="155000"/>
-                    </a:schemeClr>
-                  </a:solidFill>
-                  <a:prstDash val="solid"/>
-                </a:ln>
-                <a:solidFill>
-                  <a:schemeClr val="bg2">
-                    <a:tint val="85000"/>
-                    <a:satMod val="155000"/>
-                  </a:schemeClr>
-                </a:solidFill>
-                <a:effectLst>
-                  <a:outerShdw blurRad="41275" dist="20320" dir="1800000" algn="tl" rotWithShape="0">
-                    <a:srgbClr val="000000">
-                      <a:alpha val="40000"/>
-                    </a:srgbClr>
-                  </a:outerShdw>
-                </a:effectLst>
-              </a:rPr>
-              <a:t>Thank You</a:t>
-            </a:r>
-            <a:endParaRPr lang="en-US" sz="5400" b="1" cap="none" spc="0" dirty="0">
-              <a:ln w="12700">
-                <a:solidFill>
-                  <a:schemeClr val="tx2">
-                    <a:satMod val="155000"/>
-                  </a:schemeClr>
-                </a:solidFill>
-                <a:prstDash val="solid"/>
-              </a:ln>
-              <a:solidFill>
-                <a:schemeClr val="bg2">
-                  <a:tint val="85000"/>
-                  <a:satMod val="155000"/>
-                </a:schemeClr>
-              </a:solidFill>
-              <a:effectLst>
-                <a:outerShdw blurRad="41275" dist="20320" dir="1800000" algn="tl" rotWithShape="0">
-                  <a:srgbClr val="000000">
-                    <a:alpha val="40000"/>
-                  </a:srgbClr>
-                </a:outerShdw>
-              </a:effectLst>
-            </a:endParaRPr>
+            <a:r>
+              <a:rPr lang="en-US" sz="2400" i="0">
+                <a:latin typeface="Times New Roman" panose="02020603050405020304" pitchFamily="18" charset="0"/>
+              </a:rPr>
+              <a:t>1.	Every node is either red or black</a:t>
+            </a:r>
+          </a:p>
+          <a:p>
+            <a:r>
+              <a:rPr lang="en-US" sz="2400" i="0">
+                <a:latin typeface="Times New Roman" panose="02020603050405020304" pitchFamily="18" charset="0"/>
+              </a:rPr>
+              <a:t>2.	Every leaf (NULL pointer) is black</a:t>
+            </a:r>
+          </a:p>
+          <a:p>
+            <a:r>
+              <a:rPr lang="en-US" sz="2400" i="0">
+                <a:latin typeface="Times New Roman" panose="02020603050405020304" pitchFamily="18" charset="0"/>
+              </a:rPr>
+              <a:t>3.	If a node is red, both children are black</a:t>
+            </a:r>
+          </a:p>
+          <a:p>
+            <a:r>
+              <a:rPr lang="en-US" sz="2400" i="0">
+                <a:latin typeface="Times New Roman" panose="02020603050405020304" pitchFamily="18" charset="0"/>
+              </a:rPr>
+              <a:t>4. 	Every path from node to descendent leaf</a:t>
+            </a:r>
+            <a:br>
+              <a:rPr lang="en-US" sz="2400" i="0">
+                <a:latin typeface="Times New Roman" panose="02020603050405020304" pitchFamily="18" charset="0"/>
+              </a:rPr>
+            </a:br>
+            <a:r>
+              <a:rPr lang="en-US" sz="2400" i="0">
+                <a:latin typeface="Times New Roman" panose="02020603050405020304" pitchFamily="18" charset="0"/>
+              </a:rPr>
+              <a:t>	contains the same number of black nodes</a:t>
+            </a:r>
+          </a:p>
+          <a:p>
+            <a:r>
+              <a:rPr lang="en-US" sz="2400" i="0">
+                <a:latin typeface="Times New Roman" panose="02020603050405020304" pitchFamily="18" charset="0"/>
+              </a:rPr>
+              <a:t>5. 	The root is always black</a:t>
+            </a:r>
           </a:p>
         </p:txBody>
       </p:sp>
+      <p:pic>
+        <p:nvPicPr>
+          <p:cNvPr id="2" name="Picture 1"/>
+          <p:cNvPicPr>
+            <a:picLocks noChangeAspect="1"/>
+          </p:cNvPicPr>
+          <p:nvPr/>
+        </p:nvPicPr>
+        <p:blipFill>
+          <a:blip r:embed="rId3"/>
+          <a:stretch>
+            <a:fillRect/>
+          </a:stretch>
+        </p:blipFill>
+        <p:spPr>
+          <a:xfrm>
+            <a:off x="4972857" y="1124000"/>
+            <a:ext cx="3909399" cy="2202371"/>
+          </a:xfrm>
+          <a:prstGeom prst="rect">
+            <a:avLst/>
+          </a:prstGeom>
+        </p:spPr>
+      </p:pic>
     </p:spTree>
     <p:extLst>
       <p:ext uri="{BB962C8B-B14F-4D97-AF65-F5344CB8AC3E}">
-        <p14:creationId xmlns:p14="http://schemas.microsoft.com/office/powerpoint/2010/main" val="614562961"/>
+        <p14:creationId xmlns:p14="http://schemas.microsoft.com/office/powerpoint/2010/main" val="3161862299"/>
       </p:ext>
     </p:extLst>
   </p:cSld>
   <p:clrMapOvr>
     <a:masterClrMapping/>
   </p:clrMapOvr>
-  <p:timing>
-    <p:tnLst>
-      <p:par>
-        <p:cTn id="1" dur="indefinite" restart="never" nodeType="tmRoot"/>
-      </p:par>
-    </p:tnLst>
-  </p:timing>
 </p:sld>
 </file>
 

--- a/PPT/RedBlack_DS_PPT.pptx
+++ b/PPT/RedBlack_DS_PPT.pptx
@@ -5,10 +5,10 @@
     <p:sldMasterId id="2147483660" r:id="rId1"/>
   </p:sldMasterIdLst>
   <p:notesMasterIdLst>
-    <p:notesMasterId r:id="rId19"/>
+    <p:notesMasterId r:id="rId21"/>
   </p:notesMasterIdLst>
   <p:handoutMasterIdLst>
-    <p:handoutMasterId r:id="rId20"/>
+    <p:handoutMasterId r:id="rId22"/>
   </p:handoutMasterIdLst>
   <p:sldIdLst>
     <p:sldId id="258" r:id="rId2"/>
@@ -26,8 +26,10 @@
     <p:sldId id="507" r:id="rId14"/>
     <p:sldId id="508" r:id="rId15"/>
     <p:sldId id="505" r:id="rId16"/>
-    <p:sldId id="495" r:id="rId17"/>
-    <p:sldId id="477" r:id="rId18"/>
+    <p:sldId id="509" r:id="rId17"/>
+    <p:sldId id="510" r:id="rId18"/>
+    <p:sldId id="495" r:id="rId19"/>
+    <p:sldId id="477" r:id="rId20"/>
   </p:sldIdLst>
   <p:sldSz cx="9144000" cy="6858000" type="screen4x3"/>
   <p:notesSz cx="6858000" cy="9144000"/>
@@ -176,6 +178,8 @@
             <p14:sldId id="507"/>
             <p14:sldId id="508"/>
             <p14:sldId id="505"/>
+            <p14:sldId id="509"/>
+            <p14:sldId id="510"/>
             <p14:sldId id="495"/>
             <p14:sldId id="477"/>
           </p14:sldIdLst>
@@ -3641,7 +3645,7 @@
           <a:graphicData uri="http://schemas.openxmlformats.org/presentationml/2006/ole">
             <mc:AlternateContent xmlns:mc="http://schemas.openxmlformats.org/markup-compatibility/2006">
               <mc:Choice xmlns:v="urn:schemas-microsoft-com:vml" Requires="v">
-                <p:oleObj spid="_x0000_s2036" name="Picture" r:id="rId15" imgW="671028" imgH="602628" progId="Word.Picture.8">
+                <p:oleObj spid="_x0000_s2037" name="Picture" r:id="rId15" imgW="671028" imgH="602628" progId="Word.Picture.8">
                   <p:embed/>
                 </p:oleObj>
               </mc:Choice>
@@ -6961,36 +6965,1681 @@
       </p:grpSpPr>
       <p:sp>
         <p:nvSpPr>
-          <p:cNvPr id="2" name="Title 1"/>
-          <p:cNvSpPr>
-            <a:spLocks noGrp="1"/>
+          <p:cNvPr id="4" name="Rectangle 2"/>
+          <p:cNvSpPr txBox="1">
+            <a:spLocks noChangeArrowheads="1"/>
           </p:cNvSpPr>
-          <p:nvPr>
-            <p:ph type="title"/>
-          </p:nvPr>
-        </p:nvSpPr>
-        <p:spPr/>
+          <p:nvPr/>
+        </p:nvSpPr>
+        <p:spPr>
+          <a:xfrm>
+            <a:off x="457200" y="0"/>
+            <a:ext cx="8229600" cy="990600"/>
+          </a:xfrm>
+          <a:prstGeom prst="rect">
+            <a:avLst/>
+          </a:prstGeom>
+        </p:spPr>
         <p:txBody>
           <a:bodyPr/>
-          <a:lstStyle/>
-          <a:p>
-            <a:endParaRPr lang="en-US"/>
+          <a:lstStyle>
+            <a:lvl1pPr algn="ctr" rtl="0" eaLnBrk="1" fontAlgn="base" hangingPunct="1">
+              <a:spcBef>
+                <a:spcPct val="0"/>
+              </a:spcBef>
+              <a:spcAft>
+                <a:spcPct val="0"/>
+              </a:spcAft>
+              <a:defRPr sz="4400">
+                <a:solidFill>
+                  <a:schemeClr val="tx2"/>
+                </a:solidFill>
+                <a:latin typeface="+mj-lt"/>
+                <a:ea typeface="+mj-ea"/>
+                <a:cs typeface="+mj-cs"/>
+              </a:defRPr>
+            </a:lvl1pPr>
+            <a:lvl2pPr algn="ctr" rtl="0" eaLnBrk="1" fontAlgn="base" hangingPunct="1">
+              <a:spcBef>
+                <a:spcPct val="0"/>
+              </a:spcBef>
+              <a:spcAft>
+                <a:spcPct val="0"/>
+              </a:spcAft>
+              <a:defRPr sz="4400">
+                <a:solidFill>
+                  <a:schemeClr val="tx2"/>
+                </a:solidFill>
+                <a:latin typeface="Arial" charset="0"/>
+              </a:defRPr>
+            </a:lvl2pPr>
+            <a:lvl3pPr algn="ctr" rtl="0" eaLnBrk="1" fontAlgn="base" hangingPunct="1">
+              <a:spcBef>
+                <a:spcPct val="0"/>
+              </a:spcBef>
+              <a:spcAft>
+                <a:spcPct val="0"/>
+              </a:spcAft>
+              <a:defRPr sz="4400">
+                <a:solidFill>
+                  <a:schemeClr val="tx2"/>
+                </a:solidFill>
+                <a:latin typeface="Arial" charset="0"/>
+              </a:defRPr>
+            </a:lvl3pPr>
+            <a:lvl4pPr algn="ctr" rtl="0" eaLnBrk="1" fontAlgn="base" hangingPunct="1">
+              <a:spcBef>
+                <a:spcPct val="0"/>
+              </a:spcBef>
+              <a:spcAft>
+                <a:spcPct val="0"/>
+              </a:spcAft>
+              <a:defRPr sz="4400">
+                <a:solidFill>
+                  <a:schemeClr val="tx2"/>
+                </a:solidFill>
+                <a:latin typeface="Arial" charset="0"/>
+              </a:defRPr>
+            </a:lvl4pPr>
+            <a:lvl5pPr algn="ctr" rtl="0" eaLnBrk="1" fontAlgn="base" hangingPunct="1">
+              <a:spcBef>
+                <a:spcPct val="0"/>
+              </a:spcBef>
+              <a:spcAft>
+                <a:spcPct val="0"/>
+              </a:spcAft>
+              <a:defRPr sz="4400">
+                <a:solidFill>
+                  <a:schemeClr val="tx2"/>
+                </a:solidFill>
+                <a:latin typeface="Arial" charset="0"/>
+              </a:defRPr>
+            </a:lvl5pPr>
+            <a:lvl6pPr marL="457200" algn="ctr" rtl="0" eaLnBrk="1" fontAlgn="base" hangingPunct="1">
+              <a:spcBef>
+                <a:spcPct val="0"/>
+              </a:spcBef>
+              <a:spcAft>
+                <a:spcPct val="0"/>
+              </a:spcAft>
+              <a:defRPr sz="4400">
+                <a:solidFill>
+                  <a:schemeClr val="tx2"/>
+                </a:solidFill>
+                <a:latin typeface="Arial" charset="0"/>
+              </a:defRPr>
+            </a:lvl6pPr>
+            <a:lvl7pPr marL="914400" algn="ctr" rtl="0" eaLnBrk="1" fontAlgn="base" hangingPunct="1">
+              <a:spcBef>
+                <a:spcPct val="0"/>
+              </a:spcBef>
+              <a:spcAft>
+                <a:spcPct val="0"/>
+              </a:spcAft>
+              <a:defRPr sz="4400">
+                <a:solidFill>
+                  <a:schemeClr val="tx2"/>
+                </a:solidFill>
+                <a:latin typeface="Arial" charset="0"/>
+              </a:defRPr>
+            </a:lvl7pPr>
+            <a:lvl8pPr marL="1371600" algn="ctr" rtl="0" eaLnBrk="1" fontAlgn="base" hangingPunct="1">
+              <a:spcBef>
+                <a:spcPct val="0"/>
+              </a:spcBef>
+              <a:spcAft>
+                <a:spcPct val="0"/>
+              </a:spcAft>
+              <a:defRPr sz="4400">
+                <a:solidFill>
+                  <a:schemeClr val="tx2"/>
+                </a:solidFill>
+                <a:latin typeface="Arial" charset="0"/>
+              </a:defRPr>
+            </a:lvl8pPr>
+            <a:lvl9pPr marL="1828800" algn="ctr" rtl="0" eaLnBrk="1" fontAlgn="base" hangingPunct="1">
+              <a:spcBef>
+                <a:spcPct val="0"/>
+              </a:spcBef>
+              <a:spcAft>
+                <a:spcPct val="0"/>
+              </a:spcAft>
+              <a:defRPr sz="4400">
+                <a:solidFill>
+                  <a:schemeClr val="tx2"/>
+                </a:solidFill>
+                <a:latin typeface="Arial" charset="0"/>
+              </a:defRPr>
+            </a:lvl9pPr>
+          </a:lstStyle>
+          <a:p>
+            <a:r>
+              <a:rPr lang="en-US" kern="0" dirty="0" smtClean="0"/>
+              <a:t>RB Trees: Rotation</a:t>
+            </a:r>
+            <a:endParaRPr lang="en-US" kern="0" dirty="0"/>
           </a:p>
         </p:txBody>
       </p:sp>
       <p:sp>
         <p:nvSpPr>
-          <p:cNvPr id="3" name="Content Placeholder 2"/>
-          <p:cNvSpPr>
-            <a:spLocks noGrp="1"/>
+          <p:cNvPr id="6" name="Rectangle 3"/>
+          <p:cNvSpPr txBox="1">
+            <a:spLocks noChangeArrowheads="1"/>
           </p:cNvSpPr>
-          <p:nvPr>
-            <p:ph idx="1"/>
-          </p:nvPr>
-        </p:nvSpPr>
-        <p:spPr/>
+          <p:nvPr/>
+        </p:nvSpPr>
+        <p:spPr>
+          <a:xfrm>
+            <a:off x="179512" y="836712"/>
+            <a:ext cx="8229600" cy="4343400"/>
+          </a:xfrm>
+          <a:prstGeom prst="rect">
+            <a:avLst/>
+          </a:prstGeom>
+        </p:spPr>
         <p:txBody>
           <a:bodyPr/>
+          <a:lstStyle>
+            <a:lvl1pPr marL="342900" indent="-342900" algn="l" rtl="0" eaLnBrk="1" fontAlgn="base" hangingPunct="1">
+              <a:spcBef>
+                <a:spcPct val="20000"/>
+              </a:spcBef>
+              <a:spcAft>
+                <a:spcPct val="0"/>
+              </a:spcAft>
+              <a:buChar char="•"/>
+              <a:defRPr sz="3200">
+                <a:solidFill>
+                  <a:schemeClr val="tx1"/>
+                </a:solidFill>
+                <a:latin typeface="+mn-lt"/>
+                <a:ea typeface="+mn-ea"/>
+                <a:cs typeface="+mn-cs"/>
+              </a:defRPr>
+            </a:lvl1pPr>
+            <a:lvl2pPr marL="742950" indent="-285750" algn="l" rtl="0" eaLnBrk="1" fontAlgn="base" hangingPunct="1">
+              <a:spcBef>
+                <a:spcPct val="20000"/>
+              </a:spcBef>
+              <a:spcAft>
+                <a:spcPct val="0"/>
+              </a:spcAft>
+              <a:buChar char="–"/>
+              <a:defRPr sz="2800">
+                <a:solidFill>
+                  <a:schemeClr val="tx1"/>
+                </a:solidFill>
+                <a:latin typeface="+mn-lt"/>
+              </a:defRPr>
+            </a:lvl2pPr>
+            <a:lvl3pPr marL="1143000" indent="-228600" algn="l" rtl="0" eaLnBrk="1" fontAlgn="base" hangingPunct="1">
+              <a:spcBef>
+                <a:spcPct val="20000"/>
+              </a:spcBef>
+              <a:spcAft>
+                <a:spcPct val="0"/>
+              </a:spcAft>
+              <a:buChar char="•"/>
+              <a:defRPr sz="2400">
+                <a:solidFill>
+                  <a:schemeClr val="tx1"/>
+                </a:solidFill>
+                <a:latin typeface="+mn-lt"/>
+              </a:defRPr>
+            </a:lvl3pPr>
+            <a:lvl4pPr marL="1600200" indent="-228600" algn="l" rtl="0" eaLnBrk="1" fontAlgn="base" hangingPunct="1">
+              <a:spcBef>
+                <a:spcPct val="20000"/>
+              </a:spcBef>
+              <a:spcAft>
+                <a:spcPct val="0"/>
+              </a:spcAft>
+              <a:buChar char="–"/>
+              <a:defRPr sz="2000">
+                <a:solidFill>
+                  <a:schemeClr val="tx1"/>
+                </a:solidFill>
+                <a:latin typeface="+mn-lt"/>
+              </a:defRPr>
+            </a:lvl4pPr>
+            <a:lvl5pPr marL="2057400" indent="-228600" algn="l" rtl="0" eaLnBrk="1" fontAlgn="base" hangingPunct="1">
+              <a:spcBef>
+                <a:spcPct val="20000"/>
+              </a:spcBef>
+              <a:spcAft>
+                <a:spcPct val="0"/>
+              </a:spcAft>
+              <a:buChar char="»"/>
+              <a:defRPr sz="2000">
+                <a:solidFill>
+                  <a:schemeClr val="tx1"/>
+                </a:solidFill>
+                <a:latin typeface="+mn-lt"/>
+              </a:defRPr>
+            </a:lvl5pPr>
+            <a:lvl6pPr marL="2514600" indent="-228600" algn="l" rtl="0" eaLnBrk="1" fontAlgn="base" hangingPunct="1">
+              <a:spcBef>
+                <a:spcPct val="20000"/>
+              </a:spcBef>
+              <a:spcAft>
+                <a:spcPct val="0"/>
+              </a:spcAft>
+              <a:buChar char="»"/>
+              <a:defRPr sz="2000">
+                <a:solidFill>
+                  <a:schemeClr val="tx1"/>
+                </a:solidFill>
+                <a:latin typeface="+mn-lt"/>
+              </a:defRPr>
+            </a:lvl6pPr>
+            <a:lvl7pPr marL="2971800" indent="-228600" algn="l" rtl="0" eaLnBrk="1" fontAlgn="base" hangingPunct="1">
+              <a:spcBef>
+                <a:spcPct val="20000"/>
+              </a:spcBef>
+              <a:spcAft>
+                <a:spcPct val="0"/>
+              </a:spcAft>
+              <a:buChar char="»"/>
+              <a:defRPr sz="2000">
+                <a:solidFill>
+                  <a:schemeClr val="tx1"/>
+                </a:solidFill>
+                <a:latin typeface="+mn-lt"/>
+              </a:defRPr>
+            </a:lvl7pPr>
+            <a:lvl8pPr marL="3429000" indent="-228600" algn="l" rtl="0" eaLnBrk="1" fontAlgn="base" hangingPunct="1">
+              <a:spcBef>
+                <a:spcPct val="20000"/>
+              </a:spcBef>
+              <a:spcAft>
+                <a:spcPct val="0"/>
+              </a:spcAft>
+              <a:buChar char="»"/>
+              <a:defRPr sz="2000">
+                <a:solidFill>
+                  <a:schemeClr val="tx1"/>
+                </a:solidFill>
+                <a:latin typeface="+mn-lt"/>
+              </a:defRPr>
+            </a:lvl8pPr>
+            <a:lvl9pPr marL="3886200" indent="-228600" algn="l" rtl="0" eaLnBrk="1" fontAlgn="base" hangingPunct="1">
+              <a:spcBef>
+                <a:spcPct val="20000"/>
+              </a:spcBef>
+              <a:spcAft>
+                <a:spcPct val="0"/>
+              </a:spcAft>
+              <a:buChar char="»"/>
+              <a:defRPr sz="2000">
+                <a:solidFill>
+                  <a:schemeClr val="tx1"/>
+                </a:solidFill>
+                <a:latin typeface="+mn-lt"/>
+              </a:defRPr>
+            </a:lvl9pPr>
+          </a:lstStyle>
+          <a:p>
+            <a:r>
+              <a:rPr lang="en-US" kern="0" dirty="0" smtClean="0"/>
+              <a:t>Our basic operation for changing tree structure is called </a:t>
+            </a:r>
+            <a:r>
+              <a:rPr lang="en-US" i="1" kern="0" dirty="0" smtClean="0">
+                <a:solidFill>
+                  <a:schemeClr val="tx2"/>
+                </a:solidFill>
+              </a:rPr>
+              <a:t>rotation</a:t>
+            </a:r>
+            <a:r>
+              <a:rPr lang="en-US" kern="0" dirty="0" smtClean="0"/>
+              <a:t>:</a:t>
+            </a:r>
+          </a:p>
+          <a:p>
+            <a:endParaRPr lang="en-US" kern="0" dirty="0" smtClean="0"/>
+          </a:p>
+          <a:p>
+            <a:endParaRPr lang="en-US" kern="0" dirty="0" smtClean="0"/>
+          </a:p>
+          <a:p>
+            <a:endParaRPr lang="en-US" kern="0" dirty="0" smtClean="0"/>
+          </a:p>
+          <a:p>
+            <a:endParaRPr lang="en-US" kern="0" dirty="0" smtClean="0"/>
+          </a:p>
+        </p:txBody>
+      </p:sp>
+      <p:sp>
+        <p:nvSpPr>
+          <p:cNvPr id="7" name="Oval 4"/>
+          <p:cNvSpPr>
+            <a:spLocks noChangeArrowheads="1"/>
+          </p:cNvSpPr>
+          <p:nvPr/>
+        </p:nvSpPr>
+        <p:spPr bwMode="auto">
+          <a:xfrm>
+            <a:off x="1551112" y="2284512"/>
+            <a:ext cx="609600" cy="609600"/>
+          </a:xfrm>
+          <a:prstGeom prst="ellipse">
+            <a:avLst/>
+          </a:prstGeom>
+          <a:solidFill>
+            <a:srgbClr val="FFFFFF"/>
+          </a:solidFill>
+          <a:ln w="28575">
+            <a:solidFill>
+              <a:schemeClr val="tx1"/>
+            </a:solidFill>
+            <a:round/>
+            <a:headEnd/>
+            <a:tailEnd/>
+          </a:ln>
+          <a:effectLst/>
+          <a:extLst>
+            <a:ext uri="{AF507438-7753-43E0-B8FC-AC1667EBCBE1}">
+              <a14:hiddenEffects xmlns:a14="http://schemas.microsoft.com/office/drawing/2010/main">
+                <a:effectLst>
+                  <a:outerShdw dist="35921" dir="2700000" algn="ctr" rotWithShape="0">
+                    <a:schemeClr val="bg2"/>
+                  </a:outerShdw>
+                </a:effectLst>
+              </a14:hiddenEffects>
+            </a:ext>
+          </a:extLst>
+        </p:spPr>
+        <p:txBody>
+          <a:bodyPr wrap="none" anchor="ctr"/>
+          <a:lstStyle/>
+          <a:p>
+            <a:pPr algn="ctr">
+              <a:lnSpc>
+                <a:spcPct val="60000"/>
+              </a:lnSpc>
+            </a:pPr>
+            <a:r>
+              <a:rPr lang="en-US" sz="2800" b="1">
+                <a:latin typeface="Times New Roman" panose="02020603050405020304" pitchFamily="18" charset="0"/>
+              </a:rPr>
+              <a:t>y</a:t>
+            </a:r>
+          </a:p>
+        </p:txBody>
+      </p:sp>
+      <p:sp>
+        <p:nvSpPr>
+          <p:cNvPr id="8" name="Oval 5"/>
+          <p:cNvSpPr>
+            <a:spLocks noChangeArrowheads="1"/>
+          </p:cNvSpPr>
+          <p:nvPr/>
+        </p:nvSpPr>
+        <p:spPr bwMode="auto">
+          <a:xfrm>
+            <a:off x="865312" y="2970312"/>
+            <a:ext cx="609600" cy="609600"/>
+          </a:xfrm>
+          <a:prstGeom prst="ellipse">
+            <a:avLst/>
+          </a:prstGeom>
+          <a:solidFill>
+            <a:srgbClr val="FFFFFF"/>
+          </a:solidFill>
+          <a:ln w="28575">
+            <a:solidFill>
+              <a:schemeClr val="tx1"/>
+            </a:solidFill>
+            <a:round/>
+            <a:headEnd/>
+            <a:tailEnd/>
+          </a:ln>
+          <a:effectLst/>
+          <a:extLst>
+            <a:ext uri="{AF507438-7753-43E0-B8FC-AC1667EBCBE1}">
+              <a14:hiddenEffects xmlns:a14="http://schemas.microsoft.com/office/drawing/2010/main">
+                <a:effectLst>
+                  <a:outerShdw dist="35921" dir="2700000" algn="ctr" rotWithShape="0">
+                    <a:schemeClr val="bg2"/>
+                  </a:outerShdw>
+                </a:effectLst>
+              </a14:hiddenEffects>
+            </a:ext>
+          </a:extLst>
+        </p:spPr>
+        <p:txBody>
+          <a:bodyPr wrap="none" anchor="ctr"/>
+          <a:lstStyle/>
+          <a:p>
+            <a:pPr algn="ctr">
+              <a:lnSpc>
+                <a:spcPct val="60000"/>
+              </a:lnSpc>
+            </a:pPr>
+            <a:r>
+              <a:rPr lang="en-US" sz="2800" b="1">
+                <a:latin typeface="Times New Roman" panose="02020603050405020304" pitchFamily="18" charset="0"/>
+              </a:rPr>
+              <a:t>x</a:t>
+            </a:r>
+          </a:p>
+        </p:txBody>
+      </p:sp>
+      <p:cxnSp>
+        <p:nvCxnSpPr>
+          <p:cNvPr id="9" name="AutoShape 6"/>
+          <p:cNvCxnSpPr>
+            <a:cxnSpLocks noChangeShapeType="1"/>
+            <a:stCxn id="7" idx="3"/>
+            <a:endCxn id="8" idx="7"/>
+          </p:cNvCxnSpPr>
+          <p:nvPr/>
+        </p:nvCxnSpPr>
+        <p:spPr bwMode="auto">
+          <a:xfrm flipH="1">
+            <a:off x="1386012" y="2819500"/>
+            <a:ext cx="254000" cy="225425"/>
+          </a:xfrm>
+          <a:prstGeom prst="straightConnector1">
+            <a:avLst/>
+          </a:prstGeom>
+          <a:noFill/>
+          <a:ln w="28575">
+            <a:solidFill>
+              <a:schemeClr val="tx1"/>
+            </a:solidFill>
+            <a:round/>
+            <a:headEnd/>
+            <a:tailEnd/>
+          </a:ln>
+          <a:effectLst/>
+          <a:extLst>
+            <a:ext uri="{909E8E84-426E-40DD-AFC4-6F175D3DCCD1}">
+              <a14:hiddenFill xmlns:a14="http://schemas.microsoft.com/office/drawing/2010/main">
+                <a:noFill/>
+              </a14:hiddenFill>
+            </a:ext>
+            <a:ext uri="{AF507438-7753-43E0-B8FC-AC1667EBCBE1}">
+              <a14:hiddenEffects xmlns:a14="http://schemas.microsoft.com/office/drawing/2010/main">
+                <a:effectLst>
+                  <a:outerShdw dist="35921" dir="2700000" algn="ctr" rotWithShape="0">
+                    <a:schemeClr val="bg2"/>
+                  </a:outerShdw>
+                </a:effectLst>
+              </a14:hiddenEffects>
+            </a:ext>
+          </a:extLst>
+        </p:spPr>
+      </p:cxnSp>
+      <p:sp>
+        <p:nvSpPr>
+          <p:cNvPr id="10" name="Oval 7"/>
+          <p:cNvSpPr>
+            <a:spLocks noChangeArrowheads="1"/>
+          </p:cNvSpPr>
+          <p:nvPr/>
+        </p:nvSpPr>
+        <p:spPr bwMode="auto">
+          <a:xfrm>
+            <a:off x="2236912" y="2970312"/>
+            <a:ext cx="609600" cy="609600"/>
+          </a:xfrm>
+          <a:prstGeom prst="ellipse">
+            <a:avLst/>
+          </a:prstGeom>
+          <a:solidFill>
+            <a:srgbClr val="FFFFFF"/>
+          </a:solidFill>
+          <a:ln>
+            <a:noFill/>
+          </a:ln>
+          <a:effectLst/>
+          <a:extLst>
+            <a:ext uri="{91240B29-F687-4F45-9708-019B960494DF}">
+              <a14:hiddenLine xmlns:a14="http://schemas.microsoft.com/office/drawing/2010/main" w="28575">
+                <a:solidFill>
+                  <a:schemeClr val="accent1"/>
+                </a:solidFill>
+                <a:round/>
+                <a:headEnd/>
+                <a:tailEnd/>
+              </a14:hiddenLine>
+            </a:ext>
+            <a:ext uri="{AF507438-7753-43E0-B8FC-AC1667EBCBE1}">
+              <a14:hiddenEffects xmlns:a14="http://schemas.microsoft.com/office/drawing/2010/main">
+                <a:effectLst>
+                  <a:outerShdw dist="35921" dir="2700000" algn="ctr" rotWithShape="0">
+                    <a:schemeClr val="bg2"/>
+                  </a:outerShdw>
+                </a:effectLst>
+              </a14:hiddenEffects>
+            </a:ext>
+          </a:extLst>
+        </p:spPr>
+        <p:txBody>
+          <a:bodyPr wrap="none" anchor="ctr"/>
+          <a:lstStyle/>
+          <a:p>
+            <a:pPr algn="ctr">
+              <a:lnSpc>
+                <a:spcPct val="60000"/>
+              </a:lnSpc>
+            </a:pPr>
+            <a:r>
+              <a:rPr lang="en-US" sz="2800" b="1">
+                <a:latin typeface="Times New Roman" panose="02020603050405020304" pitchFamily="18" charset="0"/>
+                <a:sym typeface="Symbol" panose="05050102010706020507" pitchFamily="18" charset="2"/>
+              </a:rPr>
+              <a:t>C</a:t>
+            </a:r>
+            <a:endParaRPr lang="en-US" sz="2800" b="1">
+              <a:latin typeface="Times New Roman" panose="02020603050405020304" pitchFamily="18" charset="0"/>
+            </a:endParaRPr>
+          </a:p>
+        </p:txBody>
+      </p:sp>
+      <p:cxnSp>
+        <p:nvCxnSpPr>
+          <p:cNvPr id="11" name="AutoShape 8"/>
+          <p:cNvCxnSpPr>
+            <a:cxnSpLocks noChangeShapeType="1"/>
+            <a:stCxn id="7" idx="5"/>
+            <a:endCxn id="10" idx="1"/>
+          </p:cNvCxnSpPr>
+          <p:nvPr/>
+        </p:nvCxnSpPr>
+        <p:spPr bwMode="auto">
+          <a:xfrm>
+            <a:off x="2071812" y="2819500"/>
+            <a:ext cx="254000" cy="239712"/>
+          </a:xfrm>
+          <a:prstGeom prst="straightConnector1">
+            <a:avLst/>
+          </a:prstGeom>
+          <a:noFill/>
+          <a:ln w="28575">
+            <a:solidFill>
+              <a:schemeClr val="tx1"/>
+            </a:solidFill>
+            <a:round/>
+            <a:headEnd/>
+            <a:tailEnd/>
+          </a:ln>
+          <a:effectLst/>
+          <a:extLst>
+            <a:ext uri="{909E8E84-426E-40DD-AFC4-6F175D3DCCD1}">
+              <a14:hiddenFill xmlns:a14="http://schemas.microsoft.com/office/drawing/2010/main">
+                <a:noFill/>
+              </a14:hiddenFill>
+            </a:ext>
+            <a:ext uri="{AF507438-7753-43E0-B8FC-AC1667EBCBE1}">
+              <a14:hiddenEffects xmlns:a14="http://schemas.microsoft.com/office/drawing/2010/main">
+                <a:effectLst>
+                  <a:outerShdw dist="35921" dir="2700000" algn="ctr" rotWithShape="0">
+                    <a:schemeClr val="bg2"/>
+                  </a:outerShdw>
+                </a:effectLst>
+              </a14:hiddenEffects>
+            </a:ext>
+          </a:extLst>
+        </p:spPr>
+      </p:cxnSp>
+      <p:sp>
+        <p:nvSpPr>
+          <p:cNvPr id="12" name="Oval 9"/>
+          <p:cNvSpPr>
+            <a:spLocks noChangeArrowheads="1"/>
+          </p:cNvSpPr>
+          <p:nvPr/>
+        </p:nvSpPr>
+        <p:spPr bwMode="auto">
+          <a:xfrm>
+            <a:off x="179512" y="3656112"/>
+            <a:ext cx="609600" cy="609600"/>
+          </a:xfrm>
+          <a:prstGeom prst="ellipse">
+            <a:avLst/>
+          </a:prstGeom>
+          <a:solidFill>
+            <a:srgbClr val="FFFFFF"/>
+          </a:solidFill>
+          <a:ln>
+            <a:noFill/>
+          </a:ln>
+          <a:effectLst/>
+          <a:extLst>
+            <a:ext uri="{91240B29-F687-4F45-9708-019B960494DF}">
+              <a14:hiddenLine xmlns:a14="http://schemas.microsoft.com/office/drawing/2010/main" w="28575">
+                <a:solidFill>
+                  <a:schemeClr val="accent1"/>
+                </a:solidFill>
+                <a:round/>
+                <a:headEnd/>
+                <a:tailEnd/>
+              </a14:hiddenLine>
+            </a:ext>
+            <a:ext uri="{AF507438-7753-43E0-B8FC-AC1667EBCBE1}">
+              <a14:hiddenEffects xmlns:a14="http://schemas.microsoft.com/office/drawing/2010/main">
+                <a:effectLst>
+                  <a:outerShdw dist="35921" dir="2700000" algn="ctr" rotWithShape="0">
+                    <a:schemeClr val="bg2"/>
+                  </a:outerShdw>
+                </a:effectLst>
+              </a14:hiddenEffects>
+            </a:ext>
+          </a:extLst>
+        </p:spPr>
+        <p:txBody>
+          <a:bodyPr wrap="none" anchor="ctr"/>
+          <a:lstStyle/>
+          <a:p>
+            <a:pPr algn="ctr">
+              <a:lnSpc>
+                <a:spcPct val="60000"/>
+              </a:lnSpc>
+            </a:pPr>
+            <a:r>
+              <a:rPr lang="en-US" sz="2800" b="1">
+                <a:latin typeface="Times New Roman" panose="02020603050405020304" pitchFamily="18" charset="0"/>
+                <a:sym typeface="Symbol" panose="05050102010706020507" pitchFamily="18" charset="2"/>
+              </a:rPr>
+              <a:t>A</a:t>
+            </a:r>
+            <a:endParaRPr lang="en-US" sz="2800" b="1">
+              <a:latin typeface="Times New Roman" panose="02020603050405020304" pitchFamily="18" charset="0"/>
+            </a:endParaRPr>
+          </a:p>
+        </p:txBody>
+      </p:sp>
+      <p:sp>
+        <p:nvSpPr>
+          <p:cNvPr id="13" name="Oval 10"/>
+          <p:cNvSpPr>
+            <a:spLocks noChangeArrowheads="1"/>
+          </p:cNvSpPr>
+          <p:nvPr/>
+        </p:nvSpPr>
+        <p:spPr bwMode="auto">
+          <a:xfrm>
+            <a:off x="1551112" y="3656112"/>
+            <a:ext cx="609600" cy="609600"/>
+          </a:xfrm>
+          <a:prstGeom prst="ellipse">
+            <a:avLst/>
+          </a:prstGeom>
+          <a:solidFill>
+            <a:srgbClr val="FFFFFF"/>
+          </a:solidFill>
+          <a:ln>
+            <a:noFill/>
+          </a:ln>
+          <a:effectLst/>
+          <a:extLst>
+            <a:ext uri="{91240B29-F687-4F45-9708-019B960494DF}">
+              <a14:hiddenLine xmlns:a14="http://schemas.microsoft.com/office/drawing/2010/main" w="28575">
+                <a:solidFill>
+                  <a:schemeClr val="accent1"/>
+                </a:solidFill>
+                <a:round/>
+                <a:headEnd/>
+                <a:tailEnd/>
+              </a14:hiddenLine>
+            </a:ext>
+            <a:ext uri="{AF507438-7753-43E0-B8FC-AC1667EBCBE1}">
+              <a14:hiddenEffects xmlns:a14="http://schemas.microsoft.com/office/drawing/2010/main">
+                <a:effectLst>
+                  <a:outerShdw dist="35921" dir="2700000" algn="ctr" rotWithShape="0">
+                    <a:schemeClr val="bg2"/>
+                  </a:outerShdw>
+                </a:effectLst>
+              </a14:hiddenEffects>
+            </a:ext>
+          </a:extLst>
+        </p:spPr>
+        <p:txBody>
+          <a:bodyPr wrap="none" anchor="ctr"/>
+          <a:lstStyle/>
+          <a:p>
+            <a:pPr algn="ctr">
+              <a:lnSpc>
+                <a:spcPct val="60000"/>
+              </a:lnSpc>
+            </a:pPr>
+            <a:r>
+              <a:rPr lang="en-US" sz="2800" b="1">
+                <a:latin typeface="Times New Roman" panose="02020603050405020304" pitchFamily="18" charset="0"/>
+                <a:sym typeface="Symbol" panose="05050102010706020507" pitchFamily="18" charset="2"/>
+              </a:rPr>
+              <a:t>B</a:t>
+            </a:r>
+          </a:p>
+        </p:txBody>
+      </p:sp>
+      <p:cxnSp>
+        <p:nvCxnSpPr>
+          <p:cNvPr id="14" name="AutoShape 11"/>
+          <p:cNvCxnSpPr>
+            <a:cxnSpLocks noChangeShapeType="1"/>
+            <a:stCxn id="8" idx="3"/>
+            <a:endCxn id="12" idx="7"/>
+          </p:cNvCxnSpPr>
+          <p:nvPr/>
+        </p:nvCxnSpPr>
+        <p:spPr bwMode="auto">
+          <a:xfrm flipH="1">
+            <a:off x="700212" y="3505300"/>
+            <a:ext cx="254000" cy="239712"/>
+          </a:xfrm>
+          <a:prstGeom prst="straightConnector1">
+            <a:avLst/>
+          </a:prstGeom>
+          <a:noFill/>
+          <a:ln w="28575">
+            <a:solidFill>
+              <a:schemeClr val="tx1"/>
+            </a:solidFill>
+            <a:round/>
+            <a:headEnd/>
+            <a:tailEnd/>
+          </a:ln>
+          <a:effectLst/>
+          <a:extLst>
+            <a:ext uri="{909E8E84-426E-40DD-AFC4-6F175D3DCCD1}">
+              <a14:hiddenFill xmlns:a14="http://schemas.microsoft.com/office/drawing/2010/main">
+                <a:noFill/>
+              </a14:hiddenFill>
+            </a:ext>
+            <a:ext uri="{AF507438-7753-43E0-B8FC-AC1667EBCBE1}">
+              <a14:hiddenEffects xmlns:a14="http://schemas.microsoft.com/office/drawing/2010/main">
+                <a:effectLst>
+                  <a:outerShdw dist="35921" dir="2700000" algn="ctr" rotWithShape="0">
+                    <a:schemeClr val="bg2"/>
+                  </a:outerShdw>
+                </a:effectLst>
+              </a14:hiddenEffects>
+            </a:ext>
+          </a:extLst>
+        </p:spPr>
+      </p:cxnSp>
+      <p:cxnSp>
+        <p:nvCxnSpPr>
+          <p:cNvPr id="15" name="AutoShape 12"/>
+          <p:cNvCxnSpPr>
+            <a:cxnSpLocks noChangeShapeType="1"/>
+            <a:stCxn id="8" idx="5"/>
+            <a:endCxn id="13" idx="1"/>
+          </p:cNvCxnSpPr>
+          <p:nvPr/>
+        </p:nvCxnSpPr>
+        <p:spPr bwMode="auto">
+          <a:xfrm>
+            <a:off x="1386012" y="3505300"/>
+            <a:ext cx="254000" cy="239712"/>
+          </a:xfrm>
+          <a:prstGeom prst="straightConnector1">
+            <a:avLst/>
+          </a:prstGeom>
+          <a:noFill/>
+          <a:ln w="28575">
+            <a:solidFill>
+              <a:schemeClr val="tx1"/>
+            </a:solidFill>
+            <a:round/>
+            <a:headEnd/>
+            <a:tailEnd/>
+          </a:ln>
+          <a:effectLst/>
+          <a:extLst>
+            <a:ext uri="{909E8E84-426E-40DD-AFC4-6F175D3DCCD1}">
+              <a14:hiddenFill xmlns:a14="http://schemas.microsoft.com/office/drawing/2010/main">
+                <a:noFill/>
+              </a14:hiddenFill>
+            </a:ext>
+            <a:ext uri="{AF507438-7753-43E0-B8FC-AC1667EBCBE1}">
+              <a14:hiddenEffects xmlns:a14="http://schemas.microsoft.com/office/drawing/2010/main">
+                <a:effectLst>
+                  <a:outerShdw dist="35921" dir="2700000" algn="ctr" rotWithShape="0">
+                    <a:schemeClr val="bg2"/>
+                  </a:outerShdw>
+                </a:effectLst>
+              </a14:hiddenEffects>
+            </a:ext>
+          </a:extLst>
+        </p:spPr>
+      </p:cxnSp>
+      <p:sp>
+        <p:nvSpPr>
+          <p:cNvPr id="16" name="Oval 13"/>
+          <p:cNvSpPr>
+            <a:spLocks noChangeArrowheads="1"/>
+          </p:cNvSpPr>
+          <p:nvPr/>
+        </p:nvSpPr>
+        <p:spPr bwMode="auto">
+          <a:xfrm>
+            <a:off x="6351712" y="2284512"/>
+            <a:ext cx="609600" cy="609600"/>
+          </a:xfrm>
+          <a:prstGeom prst="ellipse">
+            <a:avLst/>
+          </a:prstGeom>
+          <a:solidFill>
+            <a:srgbClr val="FFFFFF"/>
+          </a:solidFill>
+          <a:ln w="28575">
+            <a:solidFill>
+              <a:schemeClr val="tx1"/>
+            </a:solidFill>
+            <a:round/>
+            <a:headEnd/>
+            <a:tailEnd/>
+          </a:ln>
+          <a:effectLst/>
+          <a:extLst>
+            <a:ext uri="{AF507438-7753-43E0-B8FC-AC1667EBCBE1}">
+              <a14:hiddenEffects xmlns:a14="http://schemas.microsoft.com/office/drawing/2010/main">
+                <a:effectLst>
+                  <a:outerShdw dist="35921" dir="2700000" algn="ctr" rotWithShape="0">
+                    <a:schemeClr val="bg2"/>
+                  </a:outerShdw>
+                </a:effectLst>
+              </a14:hiddenEffects>
+            </a:ext>
+          </a:extLst>
+        </p:spPr>
+        <p:txBody>
+          <a:bodyPr wrap="none" anchor="ctr"/>
+          <a:lstStyle/>
+          <a:p>
+            <a:pPr algn="ctr">
+              <a:lnSpc>
+                <a:spcPct val="60000"/>
+              </a:lnSpc>
+            </a:pPr>
+            <a:r>
+              <a:rPr lang="en-US" sz="2800" b="1">
+                <a:latin typeface="Times New Roman" panose="02020603050405020304" pitchFamily="18" charset="0"/>
+              </a:rPr>
+              <a:t>x</a:t>
+            </a:r>
+          </a:p>
+        </p:txBody>
+      </p:sp>
+      <p:sp>
+        <p:nvSpPr>
+          <p:cNvPr id="17" name="Oval 14"/>
+          <p:cNvSpPr>
+            <a:spLocks noChangeArrowheads="1"/>
+          </p:cNvSpPr>
+          <p:nvPr/>
+        </p:nvSpPr>
+        <p:spPr bwMode="auto">
+          <a:xfrm>
+            <a:off x="5665912" y="2970312"/>
+            <a:ext cx="609600" cy="609600"/>
+          </a:xfrm>
+          <a:prstGeom prst="ellipse">
+            <a:avLst/>
+          </a:prstGeom>
+          <a:solidFill>
+            <a:srgbClr val="FFFFFF"/>
+          </a:solidFill>
+          <a:ln>
+            <a:noFill/>
+          </a:ln>
+          <a:effectLst/>
+          <a:extLst>
+            <a:ext uri="{91240B29-F687-4F45-9708-019B960494DF}">
+              <a14:hiddenLine xmlns:a14="http://schemas.microsoft.com/office/drawing/2010/main" w="28575">
+                <a:solidFill>
+                  <a:schemeClr val="accent1"/>
+                </a:solidFill>
+                <a:round/>
+                <a:headEnd/>
+                <a:tailEnd/>
+              </a14:hiddenLine>
+            </a:ext>
+            <a:ext uri="{AF507438-7753-43E0-B8FC-AC1667EBCBE1}">
+              <a14:hiddenEffects xmlns:a14="http://schemas.microsoft.com/office/drawing/2010/main">
+                <a:effectLst>
+                  <a:outerShdw dist="35921" dir="2700000" algn="ctr" rotWithShape="0">
+                    <a:schemeClr val="bg2"/>
+                  </a:outerShdw>
+                </a:effectLst>
+              </a14:hiddenEffects>
+            </a:ext>
+          </a:extLst>
+        </p:spPr>
+        <p:txBody>
+          <a:bodyPr wrap="none" anchor="ctr"/>
+          <a:lstStyle/>
+          <a:p>
+            <a:pPr algn="ctr">
+              <a:lnSpc>
+                <a:spcPct val="60000"/>
+              </a:lnSpc>
+            </a:pPr>
+            <a:r>
+              <a:rPr lang="en-US" sz="2800" b="1">
+                <a:latin typeface="Times New Roman" panose="02020603050405020304" pitchFamily="18" charset="0"/>
+              </a:rPr>
+              <a:t>A</a:t>
+            </a:r>
+          </a:p>
+        </p:txBody>
+      </p:sp>
+      <p:cxnSp>
+        <p:nvCxnSpPr>
+          <p:cNvPr id="18" name="AutoShape 15"/>
+          <p:cNvCxnSpPr>
+            <a:cxnSpLocks noChangeShapeType="1"/>
+            <a:stCxn id="16" idx="3"/>
+            <a:endCxn id="17" idx="7"/>
+          </p:cNvCxnSpPr>
+          <p:nvPr/>
+        </p:nvCxnSpPr>
+        <p:spPr bwMode="auto">
+          <a:xfrm flipH="1">
+            <a:off x="6186612" y="2819500"/>
+            <a:ext cx="254000" cy="239712"/>
+          </a:xfrm>
+          <a:prstGeom prst="straightConnector1">
+            <a:avLst/>
+          </a:prstGeom>
+          <a:noFill/>
+          <a:ln w="28575">
+            <a:solidFill>
+              <a:schemeClr val="tx1"/>
+            </a:solidFill>
+            <a:round/>
+            <a:headEnd/>
+            <a:tailEnd/>
+          </a:ln>
+          <a:effectLst/>
+          <a:extLst>
+            <a:ext uri="{909E8E84-426E-40DD-AFC4-6F175D3DCCD1}">
+              <a14:hiddenFill xmlns:a14="http://schemas.microsoft.com/office/drawing/2010/main">
+                <a:noFill/>
+              </a14:hiddenFill>
+            </a:ext>
+            <a:ext uri="{AF507438-7753-43E0-B8FC-AC1667EBCBE1}">
+              <a14:hiddenEffects xmlns:a14="http://schemas.microsoft.com/office/drawing/2010/main">
+                <a:effectLst>
+                  <a:outerShdw dist="35921" dir="2700000" algn="ctr" rotWithShape="0">
+                    <a:schemeClr val="bg2"/>
+                  </a:outerShdw>
+                </a:effectLst>
+              </a14:hiddenEffects>
+            </a:ext>
+          </a:extLst>
+        </p:spPr>
+      </p:cxnSp>
+      <p:sp>
+        <p:nvSpPr>
+          <p:cNvPr id="19" name="Oval 16"/>
+          <p:cNvSpPr>
+            <a:spLocks noChangeArrowheads="1"/>
+          </p:cNvSpPr>
+          <p:nvPr/>
+        </p:nvSpPr>
+        <p:spPr bwMode="auto">
+          <a:xfrm>
+            <a:off x="7037512" y="2970312"/>
+            <a:ext cx="609600" cy="609600"/>
+          </a:xfrm>
+          <a:prstGeom prst="ellipse">
+            <a:avLst/>
+          </a:prstGeom>
+          <a:solidFill>
+            <a:srgbClr val="FFFFFF"/>
+          </a:solidFill>
+          <a:ln w="28575">
+            <a:solidFill>
+              <a:schemeClr val="tx1"/>
+            </a:solidFill>
+            <a:round/>
+            <a:headEnd/>
+            <a:tailEnd/>
+          </a:ln>
+          <a:effectLst/>
+          <a:extLst>
+            <a:ext uri="{AF507438-7753-43E0-B8FC-AC1667EBCBE1}">
+              <a14:hiddenEffects xmlns:a14="http://schemas.microsoft.com/office/drawing/2010/main">
+                <a:effectLst>
+                  <a:outerShdw dist="35921" dir="2700000" algn="ctr" rotWithShape="0">
+                    <a:schemeClr val="bg2"/>
+                  </a:outerShdw>
+                </a:effectLst>
+              </a14:hiddenEffects>
+            </a:ext>
+          </a:extLst>
+        </p:spPr>
+        <p:txBody>
+          <a:bodyPr wrap="none" anchor="ctr"/>
+          <a:lstStyle/>
+          <a:p>
+            <a:pPr algn="ctr">
+              <a:lnSpc>
+                <a:spcPct val="60000"/>
+              </a:lnSpc>
+            </a:pPr>
+            <a:r>
+              <a:rPr lang="en-US" sz="2800" b="1">
+                <a:latin typeface="Times New Roman" panose="02020603050405020304" pitchFamily="18" charset="0"/>
+                <a:sym typeface="Symbol" panose="05050102010706020507" pitchFamily="18" charset="2"/>
+              </a:rPr>
+              <a:t>y</a:t>
+            </a:r>
+            <a:endParaRPr lang="en-US" sz="2800" b="1">
+              <a:latin typeface="Times New Roman" panose="02020603050405020304" pitchFamily="18" charset="0"/>
+            </a:endParaRPr>
+          </a:p>
+        </p:txBody>
+      </p:sp>
+      <p:cxnSp>
+        <p:nvCxnSpPr>
+          <p:cNvPr id="20" name="AutoShape 17"/>
+          <p:cNvCxnSpPr>
+            <a:cxnSpLocks noChangeShapeType="1"/>
+            <a:stCxn id="16" idx="5"/>
+            <a:endCxn id="19" idx="1"/>
+          </p:cNvCxnSpPr>
+          <p:nvPr/>
+        </p:nvCxnSpPr>
+        <p:spPr bwMode="auto">
+          <a:xfrm>
+            <a:off x="6872412" y="2819500"/>
+            <a:ext cx="254000" cy="225425"/>
+          </a:xfrm>
+          <a:prstGeom prst="straightConnector1">
+            <a:avLst/>
+          </a:prstGeom>
+          <a:noFill/>
+          <a:ln w="28575">
+            <a:solidFill>
+              <a:schemeClr val="tx1"/>
+            </a:solidFill>
+            <a:round/>
+            <a:headEnd/>
+            <a:tailEnd/>
+          </a:ln>
+          <a:effectLst/>
+          <a:extLst>
+            <a:ext uri="{909E8E84-426E-40DD-AFC4-6F175D3DCCD1}">
+              <a14:hiddenFill xmlns:a14="http://schemas.microsoft.com/office/drawing/2010/main">
+                <a:noFill/>
+              </a14:hiddenFill>
+            </a:ext>
+            <a:ext uri="{AF507438-7753-43E0-B8FC-AC1667EBCBE1}">
+              <a14:hiddenEffects xmlns:a14="http://schemas.microsoft.com/office/drawing/2010/main">
+                <a:effectLst>
+                  <a:outerShdw dist="35921" dir="2700000" algn="ctr" rotWithShape="0">
+                    <a:schemeClr val="bg2"/>
+                  </a:outerShdw>
+                </a:effectLst>
+              </a14:hiddenEffects>
+            </a:ext>
+          </a:extLst>
+        </p:spPr>
+      </p:cxnSp>
+      <p:sp>
+        <p:nvSpPr>
+          <p:cNvPr id="21" name="Oval 18"/>
+          <p:cNvSpPr>
+            <a:spLocks noChangeArrowheads="1"/>
+          </p:cNvSpPr>
+          <p:nvPr/>
+        </p:nvSpPr>
+        <p:spPr bwMode="auto">
+          <a:xfrm>
+            <a:off x="6351712" y="3656112"/>
+            <a:ext cx="609600" cy="609600"/>
+          </a:xfrm>
+          <a:prstGeom prst="ellipse">
+            <a:avLst/>
+          </a:prstGeom>
+          <a:solidFill>
+            <a:srgbClr val="FFFFFF"/>
+          </a:solidFill>
+          <a:ln>
+            <a:noFill/>
+          </a:ln>
+          <a:effectLst/>
+          <a:extLst>
+            <a:ext uri="{91240B29-F687-4F45-9708-019B960494DF}">
+              <a14:hiddenLine xmlns:a14="http://schemas.microsoft.com/office/drawing/2010/main" w="28575">
+                <a:solidFill>
+                  <a:schemeClr val="accent1"/>
+                </a:solidFill>
+                <a:round/>
+                <a:headEnd/>
+                <a:tailEnd/>
+              </a14:hiddenLine>
+            </a:ext>
+            <a:ext uri="{AF507438-7753-43E0-B8FC-AC1667EBCBE1}">
+              <a14:hiddenEffects xmlns:a14="http://schemas.microsoft.com/office/drawing/2010/main">
+                <a:effectLst>
+                  <a:outerShdw dist="35921" dir="2700000" algn="ctr" rotWithShape="0">
+                    <a:schemeClr val="bg2"/>
+                  </a:outerShdw>
+                </a:effectLst>
+              </a14:hiddenEffects>
+            </a:ext>
+          </a:extLst>
+        </p:spPr>
+        <p:txBody>
+          <a:bodyPr wrap="none" anchor="ctr"/>
+          <a:lstStyle/>
+          <a:p>
+            <a:pPr algn="ctr">
+              <a:lnSpc>
+                <a:spcPct val="60000"/>
+              </a:lnSpc>
+            </a:pPr>
+            <a:r>
+              <a:rPr lang="en-US" sz="2800" b="1">
+                <a:latin typeface="Times New Roman" panose="02020603050405020304" pitchFamily="18" charset="0"/>
+                <a:sym typeface="Symbol" panose="05050102010706020507" pitchFamily="18" charset="2"/>
+              </a:rPr>
+              <a:t>B</a:t>
+            </a:r>
+            <a:endParaRPr lang="en-US" sz="2800" b="1">
+              <a:latin typeface="Times New Roman" panose="02020603050405020304" pitchFamily="18" charset="0"/>
+            </a:endParaRPr>
+          </a:p>
+        </p:txBody>
+      </p:sp>
+      <p:sp>
+        <p:nvSpPr>
+          <p:cNvPr id="22" name="Oval 19"/>
+          <p:cNvSpPr>
+            <a:spLocks noChangeArrowheads="1"/>
+          </p:cNvSpPr>
+          <p:nvPr/>
+        </p:nvSpPr>
+        <p:spPr bwMode="auto">
+          <a:xfrm>
+            <a:off x="7723312" y="3656112"/>
+            <a:ext cx="609600" cy="609600"/>
+          </a:xfrm>
+          <a:prstGeom prst="ellipse">
+            <a:avLst/>
+          </a:prstGeom>
+          <a:solidFill>
+            <a:srgbClr val="FFFFFF"/>
+          </a:solidFill>
+          <a:ln>
+            <a:noFill/>
+          </a:ln>
+          <a:effectLst/>
+          <a:extLst>
+            <a:ext uri="{91240B29-F687-4F45-9708-019B960494DF}">
+              <a14:hiddenLine xmlns:a14="http://schemas.microsoft.com/office/drawing/2010/main" w="28575">
+                <a:solidFill>
+                  <a:schemeClr val="accent1"/>
+                </a:solidFill>
+                <a:round/>
+                <a:headEnd/>
+                <a:tailEnd/>
+              </a14:hiddenLine>
+            </a:ext>
+            <a:ext uri="{AF507438-7753-43E0-B8FC-AC1667EBCBE1}">
+              <a14:hiddenEffects xmlns:a14="http://schemas.microsoft.com/office/drawing/2010/main">
+                <a:effectLst>
+                  <a:outerShdw dist="35921" dir="2700000" algn="ctr" rotWithShape="0">
+                    <a:schemeClr val="bg2"/>
+                  </a:outerShdw>
+                </a:effectLst>
+              </a14:hiddenEffects>
+            </a:ext>
+          </a:extLst>
+        </p:spPr>
+        <p:txBody>
+          <a:bodyPr wrap="none" anchor="ctr"/>
+          <a:lstStyle/>
+          <a:p>
+            <a:pPr algn="ctr">
+              <a:lnSpc>
+                <a:spcPct val="60000"/>
+              </a:lnSpc>
+            </a:pPr>
+            <a:r>
+              <a:rPr lang="en-US" sz="2800" b="1">
+                <a:latin typeface="Times New Roman" panose="02020603050405020304" pitchFamily="18" charset="0"/>
+                <a:sym typeface="Symbol" panose="05050102010706020507" pitchFamily="18" charset="2"/>
+              </a:rPr>
+              <a:t>C</a:t>
+            </a:r>
+            <a:endParaRPr lang="en-US" sz="2800" b="1">
+              <a:latin typeface="Times New Roman" panose="02020603050405020304" pitchFamily="18" charset="0"/>
+            </a:endParaRPr>
+          </a:p>
+        </p:txBody>
+      </p:sp>
+      <p:cxnSp>
+        <p:nvCxnSpPr>
+          <p:cNvPr id="23" name="AutoShape 20"/>
+          <p:cNvCxnSpPr>
+            <a:cxnSpLocks noChangeShapeType="1"/>
+            <a:stCxn id="19" idx="3"/>
+            <a:endCxn id="21" idx="7"/>
+          </p:cNvCxnSpPr>
+          <p:nvPr/>
+        </p:nvCxnSpPr>
+        <p:spPr bwMode="auto">
+          <a:xfrm flipH="1">
+            <a:off x="6872412" y="3505300"/>
+            <a:ext cx="254000" cy="239712"/>
+          </a:xfrm>
+          <a:prstGeom prst="straightConnector1">
+            <a:avLst/>
+          </a:prstGeom>
+          <a:noFill/>
+          <a:ln w="28575">
+            <a:solidFill>
+              <a:schemeClr val="tx1"/>
+            </a:solidFill>
+            <a:round/>
+            <a:headEnd/>
+            <a:tailEnd/>
+          </a:ln>
+          <a:effectLst/>
+          <a:extLst>
+            <a:ext uri="{909E8E84-426E-40DD-AFC4-6F175D3DCCD1}">
+              <a14:hiddenFill xmlns:a14="http://schemas.microsoft.com/office/drawing/2010/main">
+                <a:noFill/>
+              </a14:hiddenFill>
+            </a:ext>
+            <a:ext uri="{AF507438-7753-43E0-B8FC-AC1667EBCBE1}">
+              <a14:hiddenEffects xmlns:a14="http://schemas.microsoft.com/office/drawing/2010/main">
+                <a:effectLst>
+                  <a:outerShdw dist="35921" dir="2700000" algn="ctr" rotWithShape="0">
+                    <a:schemeClr val="bg2"/>
+                  </a:outerShdw>
+                </a:effectLst>
+              </a14:hiddenEffects>
+            </a:ext>
+          </a:extLst>
+        </p:spPr>
+      </p:cxnSp>
+      <p:cxnSp>
+        <p:nvCxnSpPr>
+          <p:cNvPr id="24" name="AutoShape 21"/>
+          <p:cNvCxnSpPr>
+            <a:cxnSpLocks noChangeShapeType="1"/>
+            <a:stCxn id="19" idx="5"/>
+            <a:endCxn id="22" idx="1"/>
+          </p:cNvCxnSpPr>
+          <p:nvPr/>
+        </p:nvCxnSpPr>
+        <p:spPr bwMode="auto">
+          <a:xfrm>
+            <a:off x="7558212" y="3505300"/>
+            <a:ext cx="254000" cy="239712"/>
+          </a:xfrm>
+          <a:prstGeom prst="straightConnector1">
+            <a:avLst/>
+          </a:prstGeom>
+          <a:noFill/>
+          <a:ln w="28575">
+            <a:solidFill>
+              <a:schemeClr val="tx1"/>
+            </a:solidFill>
+            <a:round/>
+            <a:headEnd/>
+            <a:tailEnd/>
+          </a:ln>
+          <a:effectLst/>
+          <a:extLst>
+            <a:ext uri="{909E8E84-426E-40DD-AFC4-6F175D3DCCD1}">
+              <a14:hiddenFill xmlns:a14="http://schemas.microsoft.com/office/drawing/2010/main">
+                <a:noFill/>
+              </a14:hiddenFill>
+            </a:ext>
+            <a:ext uri="{AF507438-7753-43E0-B8FC-AC1667EBCBE1}">
+              <a14:hiddenEffects xmlns:a14="http://schemas.microsoft.com/office/drawing/2010/main">
+                <a:effectLst>
+                  <a:outerShdw dist="35921" dir="2700000" algn="ctr" rotWithShape="0">
+                    <a:schemeClr val="bg2"/>
+                  </a:outerShdw>
+                </a:effectLst>
+              </a14:hiddenEffects>
+            </a:ext>
+          </a:extLst>
+        </p:spPr>
+      </p:cxnSp>
+      <p:sp>
+        <p:nvSpPr>
+          <p:cNvPr id="25" name="Line 22"/>
+          <p:cNvSpPr>
+            <a:spLocks noChangeShapeType="1"/>
+          </p:cNvSpPr>
+          <p:nvPr/>
+        </p:nvSpPr>
+        <p:spPr bwMode="auto">
+          <a:xfrm>
+            <a:off x="3227512" y="2894112"/>
+            <a:ext cx="2057400" cy="0"/>
+          </a:xfrm>
+          <a:prstGeom prst="line">
+            <a:avLst/>
+          </a:prstGeom>
+          <a:noFill/>
+          <a:ln w="28575">
+            <a:solidFill>
+              <a:schemeClr val="tx1"/>
+            </a:solidFill>
+            <a:round/>
+            <a:headEnd/>
+            <a:tailEnd type="triangle" w="med" len="med"/>
+          </a:ln>
+          <a:effectLst/>
+          <a:extLst>
+            <a:ext uri="{909E8E84-426E-40DD-AFC4-6F175D3DCCD1}">
+              <a14:hiddenFill xmlns:a14="http://schemas.microsoft.com/office/drawing/2010/main">
+                <a:noFill/>
+              </a14:hiddenFill>
+            </a:ext>
+            <a:ext uri="{AF507438-7753-43E0-B8FC-AC1667EBCBE1}">
+              <a14:hiddenEffects xmlns:a14="http://schemas.microsoft.com/office/drawing/2010/main">
+                <a:effectLst>
+                  <a:outerShdw dist="35921" dir="2700000" algn="ctr" rotWithShape="0">
+                    <a:schemeClr val="bg2"/>
+                  </a:outerShdw>
+                </a:effectLst>
+              </a14:hiddenEffects>
+            </a:ext>
+          </a:extLst>
+        </p:spPr>
+        <p:txBody>
+          <a:bodyPr wrap="none" anchor="ctr"/>
+          <a:lstStyle/>
+          <a:p>
+            <a:endParaRPr lang="en-US"/>
+          </a:p>
+        </p:txBody>
+      </p:sp>
+      <p:sp>
+        <p:nvSpPr>
+          <p:cNvPr id="26" name="Text Box 23"/>
+          <p:cNvSpPr txBox="1">
+            <a:spLocks noChangeArrowheads="1"/>
+          </p:cNvSpPr>
+          <p:nvPr/>
+        </p:nvSpPr>
+        <p:spPr bwMode="auto">
+          <a:xfrm>
+            <a:off x="3135437" y="2497237"/>
+            <a:ext cx="2317750" cy="396875"/>
+          </a:xfrm>
+          <a:prstGeom prst="rect">
+            <a:avLst/>
+          </a:prstGeom>
+          <a:noFill/>
+          <a:ln>
+            <a:noFill/>
+          </a:ln>
+          <a:effectLst/>
+          <a:extLst>
+            <a:ext uri="{909E8E84-426E-40DD-AFC4-6F175D3DCCD1}">
+              <a14:hiddenFill xmlns:a14="http://schemas.microsoft.com/office/drawing/2010/main">
+                <a:solidFill>
+                  <a:srgbClr val="FFFFFF"/>
+                </a:solidFill>
+              </a14:hiddenFill>
+            </a:ext>
+            <a:ext uri="{91240B29-F687-4F45-9708-019B960494DF}">
+              <a14:hiddenLine xmlns:a14="http://schemas.microsoft.com/office/drawing/2010/main" w="28575">
+                <a:solidFill>
+                  <a:schemeClr val="tx1"/>
+                </a:solidFill>
+                <a:miter lim="800000"/>
+                <a:headEnd/>
+                <a:tailEnd/>
+              </a14:hiddenLine>
+            </a:ext>
+            <a:ext uri="{AF507438-7753-43E0-B8FC-AC1667EBCBE1}">
+              <a14:hiddenEffects xmlns:a14="http://schemas.microsoft.com/office/drawing/2010/main">
+                <a:effectLst>
+                  <a:outerShdw dist="35921" dir="2700000" algn="ctr" rotWithShape="0">
+                    <a:schemeClr val="bg2"/>
+                  </a:outerShdw>
+                </a:effectLst>
+              </a14:hiddenEffects>
+            </a:ext>
+          </a:extLst>
+        </p:spPr>
+        <p:txBody>
+          <a:bodyPr wrap="none" anchor="ctr">
+            <a:spAutoFit/>
+          </a:bodyPr>
+          <a:lstStyle/>
+          <a:p>
+            <a:pPr algn="ctr"/>
+            <a:r>
+              <a:rPr lang="en-US" b="1">
+                <a:latin typeface="Courier New" panose="02070309020205020404" pitchFamily="49" charset="0"/>
+              </a:rPr>
+              <a:t>rightRotate(y)</a:t>
+            </a:r>
+          </a:p>
+        </p:txBody>
+      </p:sp>
+      <p:sp>
+        <p:nvSpPr>
+          <p:cNvPr id="27" name="Line 24"/>
+          <p:cNvSpPr>
+            <a:spLocks noChangeShapeType="1"/>
+          </p:cNvSpPr>
+          <p:nvPr/>
+        </p:nvSpPr>
+        <p:spPr bwMode="auto">
+          <a:xfrm>
+            <a:off x="3227512" y="3427512"/>
+            <a:ext cx="2057400" cy="0"/>
+          </a:xfrm>
+          <a:prstGeom prst="line">
+            <a:avLst/>
+          </a:prstGeom>
+          <a:noFill/>
+          <a:ln w="28575">
+            <a:solidFill>
+              <a:schemeClr val="tx1"/>
+            </a:solidFill>
+            <a:round/>
+            <a:headEnd type="triangle" w="med" len="med"/>
+            <a:tailEnd/>
+          </a:ln>
+          <a:effectLst/>
+          <a:extLst>
+            <a:ext uri="{909E8E84-426E-40DD-AFC4-6F175D3DCCD1}">
+              <a14:hiddenFill xmlns:a14="http://schemas.microsoft.com/office/drawing/2010/main">
+                <a:noFill/>
+              </a14:hiddenFill>
+            </a:ext>
+            <a:ext uri="{AF507438-7753-43E0-B8FC-AC1667EBCBE1}">
+              <a14:hiddenEffects xmlns:a14="http://schemas.microsoft.com/office/drawing/2010/main">
+                <a:effectLst>
+                  <a:outerShdw dist="35921" dir="2700000" algn="ctr" rotWithShape="0">
+                    <a:schemeClr val="bg2"/>
+                  </a:outerShdw>
+                </a:effectLst>
+              </a14:hiddenEffects>
+            </a:ext>
+          </a:extLst>
+        </p:spPr>
+        <p:txBody>
+          <a:bodyPr wrap="none" anchor="ctr"/>
+          <a:lstStyle/>
+          <a:p>
+            <a:endParaRPr lang="en-US"/>
+          </a:p>
+        </p:txBody>
+      </p:sp>
+      <p:sp>
+        <p:nvSpPr>
+          <p:cNvPr id="28" name="Text Box 25"/>
+          <p:cNvSpPr txBox="1">
+            <a:spLocks noChangeArrowheads="1"/>
+          </p:cNvSpPr>
+          <p:nvPr/>
+        </p:nvSpPr>
+        <p:spPr bwMode="auto">
+          <a:xfrm>
+            <a:off x="3227512" y="3411637"/>
+            <a:ext cx="2165350" cy="396875"/>
+          </a:xfrm>
+          <a:prstGeom prst="rect">
+            <a:avLst/>
+          </a:prstGeom>
+          <a:noFill/>
+          <a:ln>
+            <a:noFill/>
+          </a:ln>
+          <a:effectLst/>
+          <a:extLst>
+            <a:ext uri="{909E8E84-426E-40DD-AFC4-6F175D3DCCD1}">
+              <a14:hiddenFill xmlns:a14="http://schemas.microsoft.com/office/drawing/2010/main">
+                <a:solidFill>
+                  <a:srgbClr val="FFFFFF"/>
+                </a:solidFill>
+              </a14:hiddenFill>
+            </a:ext>
+            <a:ext uri="{91240B29-F687-4F45-9708-019B960494DF}">
+              <a14:hiddenLine xmlns:a14="http://schemas.microsoft.com/office/drawing/2010/main" w="28575">
+                <a:solidFill>
+                  <a:schemeClr val="tx1"/>
+                </a:solidFill>
+                <a:miter lim="800000"/>
+                <a:headEnd/>
+                <a:tailEnd/>
+              </a14:hiddenLine>
+            </a:ext>
+            <a:ext uri="{AF507438-7753-43E0-B8FC-AC1667EBCBE1}">
+              <a14:hiddenEffects xmlns:a14="http://schemas.microsoft.com/office/drawing/2010/main">
+                <a:effectLst>
+                  <a:outerShdw dist="35921" dir="2700000" algn="ctr" rotWithShape="0">
+                    <a:schemeClr val="bg2"/>
+                  </a:outerShdw>
+                </a:effectLst>
+              </a14:hiddenEffects>
+            </a:ext>
+          </a:extLst>
+        </p:spPr>
+        <p:txBody>
+          <a:bodyPr wrap="none" anchor="ctr">
+            <a:spAutoFit/>
+          </a:bodyPr>
+          <a:lstStyle/>
+          <a:p>
+            <a:pPr algn="ctr"/>
+            <a:r>
+              <a:rPr lang="en-US" b="1">
+                <a:latin typeface="Courier New" panose="02070309020205020404" pitchFamily="49" charset="0"/>
+              </a:rPr>
+              <a:t>leftRotate(x)</a:t>
+            </a:r>
+          </a:p>
+        </p:txBody>
+      </p:sp>
+      <p:sp>
+        <p:nvSpPr>
+          <p:cNvPr id="29" name="Line 26"/>
+          <p:cNvSpPr>
+            <a:spLocks noChangeShapeType="1"/>
+          </p:cNvSpPr>
+          <p:nvPr/>
+        </p:nvSpPr>
+        <p:spPr bwMode="auto">
+          <a:xfrm flipV="1">
+            <a:off x="1855912" y="1979712"/>
+            <a:ext cx="0" cy="304800"/>
+          </a:xfrm>
+          <a:prstGeom prst="line">
+            <a:avLst/>
+          </a:prstGeom>
+          <a:noFill/>
+          <a:ln w="28575">
+            <a:solidFill>
+              <a:schemeClr val="tx1"/>
+            </a:solidFill>
+            <a:round/>
+            <a:headEnd/>
+            <a:tailEnd/>
+          </a:ln>
+          <a:effectLst/>
+          <a:extLst>
+            <a:ext uri="{909E8E84-426E-40DD-AFC4-6F175D3DCCD1}">
+              <a14:hiddenFill xmlns:a14="http://schemas.microsoft.com/office/drawing/2010/main">
+                <a:noFill/>
+              </a14:hiddenFill>
+            </a:ext>
+            <a:ext uri="{AF507438-7753-43E0-B8FC-AC1667EBCBE1}">
+              <a14:hiddenEffects xmlns:a14="http://schemas.microsoft.com/office/drawing/2010/main">
+                <a:effectLst>
+                  <a:outerShdw dist="35921" dir="2700000" algn="ctr" rotWithShape="0">
+                    <a:schemeClr val="bg2"/>
+                  </a:outerShdw>
+                </a:effectLst>
+              </a14:hiddenEffects>
+            </a:ext>
+          </a:extLst>
+        </p:spPr>
+        <p:txBody>
+          <a:bodyPr wrap="none" anchor="ctr"/>
+          <a:lstStyle/>
+          <a:p>
+            <a:endParaRPr lang="en-US"/>
+          </a:p>
+        </p:txBody>
+      </p:sp>
+      <p:sp>
+        <p:nvSpPr>
+          <p:cNvPr id="30" name="Line 27"/>
+          <p:cNvSpPr>
+            <a:spLocks noChangeShapeType="1"/>
+          </p:cNvSpPr>
+          <p:nvPr/>
+        </p:nvSpPr>
+        <p:spPr bwMode="auto">
+          <a:xfrm flipV="1">
+            <a:off x="6656512" y="1979712"/>
+            <a:ext cx="0" cy="304800"/>
+          </a:xfrm>
+          <a:prstGeom prst="line">
+            <a:avLst/>
+          </a:prstGeom>
+          <a:noFill/>
+          <a:ln w="28575">
+            <a:solidFill>
+              <a:schemeClr val="tx1"/>
+            </a:solidFill>
+            <a:round/>
+            <a:headEnd/>
+            <a:tailEnd/>
+          </a:ln>
+          <a:effectLst/>
+          <a:extLst>
+            <a:ext uri="{909E8E84-426E-40DD-AFC4-6F175D3DCCD1}">
+              <a14:hiddenFill xmlns:a14="http://schemas.microsoft.com/office/drawing/2010/main">
+                <a:noFill/>
+              </a14:hiddenFill>
+            </a:ext>
+            <a:ext uri="{AF507438-7753-43E0-B8FC-AC1667EBCBE1}">
+              <a14:hiddenEffects xmlns:a14="http://schemas.microsoft.com/office/drawing/2010/main">
+                <a:effectLst>
+                  <a:outerShdw dist="35921" dir="2700000" algn="ctr" rotWithShape="0">
+                    <a:schemeClr val="bg2"/>
+                  </a:outerShdw>
+                </a:effectLst>
+              </a14:hiddenEffects>
+            </a:ext>
+          </a:extLst>
+        </p:spPr>
+        <p:txBody>
+          <a:bodyPr wrap="none" anchor="ctr"/>
           <a:lstStyle/>
           <a:p>
             <a:endParaRPr lang="en-US"/>
@@ -7029,6 +8678,2776 @@
       </p:grpSpPr>
       <p:sp>
         <p:nvSpPr>
+          <p:cNvPr id="29" name="Footer Placeholder 3"/>
+          <p:cNvSpPr>
+            <a:spLocks noGrp="1"/>
+          </p:cNvSpPr>
+          <p:nvPr>
+            <p:ph type="ftr" sz="quarter" idx="4294967295"/>
+          </p:nvPr>
+        </p:nvSpPr>
+        <p:spPr>
+          <a:xfrm>
+            <a:off x="457200" y="6553200"/>
+            <a:ext cx="8229600" cy="304800"/>
+          </a:xfrm>
+          <a:prstGeom prst="rect">
+            <a:avLst/>
+          </a:prstGeom>
+        </p:spPr>
+        <p:txBody>
+          <a:bodyPr/>
+          <a:lstStyle/>
+          <a:p>
+            <a:r>
+              <a:rPr lang="en-US"/>
+              <a:t>David Luebke				         </a:t>
+            </a:r>
+            <a:fld id="{640DD54A-8C7D-431D-AC2E-025A0AA54E68}" type="slidenum">
+              <a:rPr lang="en-US"/>
+              <a:pPr/>
+              <a:t>16</a:t>
+            </a:fld>
+            <a:r>
+              <a:rPr lang="en-US"/>
+              <a:t> 				            </a:t>
+            </a:r>
+            <a:fld id="{55261F01-2EA1-4D74-AF6F-E57AF0C41DAA}" type="datetime1">
+              <a:rPr lang="en-US"/>
+              <a:pPr/>
+              <a:t>10/28/2019</a:t>
+            </a:fld>
+            <a:endParaRPr lang="en-US"/>
+          </a:p>
+        </p:txBody>
+      </p:sp>
+      <p:sp>
+        <p:nvSpPr>
+          <p:cNvPr id="1028098" name="Rectangle 2"/>
+          <p:cNvSpPr>
+            <a:spLocks noGrp="1" noChangeArrowheads="1"/>
+          </p:cNvSpPr>
+          <p:nvPr>
+            <p:ph type="title"/>
+          </p:nvPr>
+        </p:nvSpPr>
+        <p:spPr>
+          <a:xfrm>
+            <a:off x="457200" y="-27384"/>
+            <a:ext cx="8229600" cy="1143000"/>
+          </a:xfrm>
+        </p:spPr>
+        <p:txBody>
+          <a:bodyPr/>
+          <a:lstStyle/>
+          <a:p>
+            <a:r>
+              <a:rPr lang="en-US"/>
+              <a:t>Rotation Example</a:t>
+            </a:r>
+          </a:p>
+        </p:txBody>
+      </p:sp>
+      <p:sp>
+        <p:nvSpPr>
+          <p:cNvPr id="1028099" name="Rectangle 3"/>
+          <p:cNvSpPr>
+            <a:spLocks noGrp="1" noChangeArrowheads="1"/>
+          </p:cNvSpPr>
+          <p:nvPr>
+            <p:ph type="body" idx="1"/>
+          </p:nvPr>
+        </p:nvSpPr>
+        <p:spPr/>
+        <p:txBody>
+          <a:bodyPr/>
+          <a:lstStyle/>
+          <a:p>
+            <a:r>
+              <a:rPr lang="en-US"/>
+              <a:t>Rotate left about 9:</a:t>
+            </a:r>
+          </a:p>
+        </p:txBody>
+      </p:sp>
+      <p:sp>
+        <p:nvSpPr>
+          <p:cNvPr id="1028100" name="Oval 4"/>
+          <p:cNvSpPr>
+            <a:spLocks noChangeArrowheads="1"/>
+          </p:cNvSpPr>
+          <p:nvPr/>
+        </p:nvSpPr>
+        <p:spPr bwMode="auto">
+          <a:xfrm>
+            <a:off x="2514600" y="4038600"/>
+            <a:ext cx="228600" cy="228600"/>
+          </a:xfrm>
+          <a:prstGeom prst="ellipse">
+            <a:avLst/>
+          </a:prstGeom>
+          <a:solidFill>
+            <a:schemeClr val="tx1"/>
+          </a:solidFill>
+          <a:ln w="38100">
+            <a:solidFill>
+              <a:schemeClr val="accent2"/>
+            </a:solidFill>
+            <a:round/>
+            <a:headEnd/>
+            <a:tailEnd/>
+          </a:ln>
+          <a:effectLst/>
+          <a:extLst>
+            <a:ext uri="{AF507438-7753-43E0-B8FC-AC1667EBCBE1}">
+              <a14:hiddenEffects xmlns:a14="http://schemas.microsoft.com/office/drawing/2010/main">
+                <a:effectLst>
+                  <a:outerShdw dist="35921" dir="2700000" algn="ctr" rotWithShape="0">
+                    <a:schemeClr val="bg2"/>
+                  </a:outerShdw>
+                </a:effectLst>
+              </a14:hiddenEffects>
+            </a:ext>
+          </a:extLst>
+        </p:spPr>
+        <p:txBody>
+          <a:bodyPr wrap="none" anchor="ctr"/>
+          <a:lstStyle/>
+          <a:p>
+            <a:endParaRPr lang="en-US">
+              <a:solidFill>
+                <a:schemeClr val="tx2"/>
+              </a:solidFill>
+            </a:endParaRPr>
+          </a:p>
+        </p:txBody>
+      </p:sp>
+      <p:sp>
+        <p:nvSpPr>
+          <p:cNvPr id="1028101" name="Oval 5"/>
+          <p:cNvSpPr>
+            <a:spLocks noChangeArrowheads="1"/>
+          </p:cNvSpPr>
+          <p:nvPr/>
+        </p:nvSpPr>
+        <p:spPr bwMode="auto">
+          <a:xfrm>
+            <a:off x="3581400" y="4038600"/>
+            <a:ext cx="228600" cy="228600"/>
+          </a:xfrm>
+          <a:prstGeom prst="ellipse">
+            <a:avLst/>
+          </a:prstGeom>
+          <a:solidFill>
+            <a:schemeClr val="tx1"/>
+          </a:solidFill>
+          <a:ln w="38100">
+            <a:solidFill>
+              <a:schemeClr val="accent2"/>
+            </a:solidFill>
+            <a:round/>
+            <a:headEnd/>
+            <a:tailEnd/>
+          </a:ln>
+          <a:effectLst/>
+          <a:extLst>
+            <a:ext uri="{AF507438-7753-43E0-B8FC-AC1667EBCBE1}">
+              <a14:hiddenEffects xmlns:a14="http://schemas.microsoft.com/office/drawing/2010/main">
+                <a:effectLst>
+                  <a:outerShdw dist="35921" dir="2700000" algn="ctr" rotWithShape="0">
+                    <a:schemeClr val="bg2"/>
+                  </a:outerShdw>
+                </a:effectLst>
+              </a14:hiddenEffects>
+            </a:ext>
+          </a:extLst>
+        </p:spPr>
+        <p:txBody>
+          <a:bodyPr wrap="none" anchor="ctr"/>
+          <a:lstStyle/>
+          <a:p>
+            <a:endParaRPr lang="en-US">
+              <a:solidFill>
+                <a:schemeClr val="tx2"/>
+              </a:solidFill>
+            </a:endParaRPr>
+          </a:p>
+        </p:txBody>
+      </p:sp>
+      <p:sp>
+        <p:nvSpPr>
+          <p:cNvPr id="1028102" name="Oval 6"/>
+          <p:cNvSpPr>
+            <a:spLocks noChangeArrowheads="1"/>
+          </p:cNvSpPr>
+          <p:nvPr/>
+        </p:nvSpPr>
+        <p:spPr bwMode="auto">
+          <a:xfrm>
+            <a:off x="6477000" y="4724400"/>
+            <a:ext cx="228600" cy="228600"/>
+          </a:xfrm>
+          <a:prstGeom prst="ellipse">
+            <a:avLst/>
+          </a:prstGeom>
+          <a:solidFill>
+            <a:schemeClr val="tx1"/>
+          </a:solidFill>
+          <a:ln w="38100">
+            <a:solidFill>
+              <a:schemeClr val="accent2"/>
+            </a:solidFill>
+            <a:round/>
+            <a:headEnd/>
+            <a:tailEnd/>
+          </a:ln>
+          <a:effectLst/>
+          <a:extLst>
+            <a:ext uri="{AF507438-7753-43E0-B8FC-AC1667EBCBE1}">
+              <a14:hiddenEffects xmlns:a14="http://schemas.microsoft.com/office/drawing/2010/main">
+                <a:effectLst>
+                  <a:outerShdw dist="35921" dir="2700000" algn="ctr" rotWithShape="0">
+                    <a:schemeClr val="bg2"/>
+                  </a:outerShdw>
+                </a:effectLst>
+              </a14:hiddenEffects>
+            </a:ext>
+          </a:extLst>
+        </p:spPr>
+        <p:txBody>
+          <a:bodyPr wrap="none" anchor="ctr"/>
+          <a:lstStyle/>
+          <a:p>
+            <a:endParaRPr lang="en-US">
+              <a:solidFill>
+                <a:schemeClr val="tx2"/>
+              </a:solidFill>
+            </a:endParaRPr>
+          </a:p>
+        </p:txBody>
+      </p:sp>
+      <p:cxnSp>
+        <p:nvCxnSpPr>
+          <p:cNvPr id="1028103" name="AutoShape 7"/>
+          <p:cNvCxnSpPr>
+            <a:cxnSpLocks noChangeShapeType="1"/>
+            <a:stCxn id="1028100" idx="7"/>
+            <a:endCxn id="1028112" idx="3"/>
+          </p:cNvCxnSpPr>
+          <p:nvPr/>
+        </p:nvCxnSpPr>
+        <p:spPr bwMode="auto">
+          <a:xfrm flipV="1">
+            <a:off x="2709863" y="3827463"/>
+            <a:ext cx="263525" cy="225425"/>
+          </a:xfrm>
+          <a:prstGeom prst="straightConnector1">
+            <a:avLst/>
+          </a:prstGeom>
+          <a:noFill/>
+          <a:ln w="38100">
+            <a:solidFill>
+              <a:schemeClr val="accent2"/>
+            </a:solidFill>
+            <a:round/>
+            <a:headEnd/>
+            <a:tailEnd/>
+          </a:ln>
+          <a:effectLst/>
+          <a:extLst>
+            <a:ext uri="{909E8E84-426E-40DD-AFC4-6F175D3DCCD1}">
+              <a14:hiddenFill xmlns:a14="http://schemas.microsoft.com/office/drawing/2010/main">
+                <a:noFill/>
+              </a14:hiddenFill>
+            </a:ext>
+            <a:ext uri="{AF507438-7753-43E0-B8FC-AC1667EBCBE1}">
+              <a14:hiddenEffects xmlns:a14="http://schemas.microsoft.com/office/drawing/2010/main">
+                <a:effectLst>
+                  <a:outerShdw dist="35921" dir="2700000" algn="ctr" rotWithShape="0">
+                    <a:schemeClr val="bg2"/>
+                  </a:outerShdw>
+                </a:effectLst>
+              </a14:hiddenEffects>
+            </a:ext>
+          </a:extLst>
+        </p:spPr>
+      </p:cxnSp>
+      <p:cxnSp>
+        <p:nvCxnSpPr>
+          <p:cNvPr id="1028104" name="AutoShape 8"/>
+          <p:cNvCxnSpPr>
+            <a:cxnSpLocks noChangeShapeType="1"/>
+            <a:stCxn id="1028112" idx="5"/>
+            <a:endCxn id="1028101" idx="1"/>
+          </p:cNvCxnSpPr>
+          <p:nvPr/>
+        </p:nvCxnSpPr>
+        <p:spPr bwMode="auto">
+          <a:xfrm>
+            <a:off x="3351213" y="3827463"/>
+            <a:ext cx="263525" cy="225425"/>
+          </a:xfrm>
+          <a:prstGeom prst="straightConnector1">
+            <a:avLst/>
+          </a:prstGeom>
+          <a:noFill/>
+          <a:ln w="38100">
+            <a:solidFill>
+              <a:schemeClr val="accent2"/>
+            </a:solidFill>
+            <a:round/>
+            <a:headEnd/>
+            <a:tailEnd/>
+          </a:ln>
+          <a:effectLst/>
+          <a:extLst>
+            <a:ext uri="{909E8E84-426E-40DD-AFC4-6F175D3DCCD1}">
+              <a14:hiddenFill xmlns:a14="http://schemas.microsoft.com/office/drawing/2010/main">
+                <a:noFill/>
+              </a14:hiddenFill>
+            </a:ext>
+            <a:ext uri="{AF507438-7753-43E0-B8FC-AC1667EBCBE1}">
+              <a14:hiddenEffects xmlns:a14="http://schemas.microsoft.com/office/drawing/2010/main">
+                <a:effectLst>
+                  <a:outerShdw dist="35921" dir="2700000" algn="ctr" rotWithShape="0">
+                    <a:schemeClr val="bg2"/>
+                  </a:outerShdw>
+                </a:effectLst>
+              </a14:hiddenEffects>
+            </a:ext>
+          </a:extLst>
+        </p:spPr>
+      </p:cxnSp>
+      <p:cxnSp>
+        <p:nvCxnSpPr>
+          <p:cNvPr id="1028105" name="AutoShape 9"/>
+          <p:cNvCxnSpPr>
+            <a:cxnSpLocks noChangeShapeType="1"/>
+            <a:stCxn id="1028113" idx="3"/>
+            <a:endCxn id="1028115" idx="7"/>
+          </p:cNvCxnSpPr>
+          <p:nvPr/>
+        </p:nvCxnSpPr>
+        <p:spPr bwMode="auto">
+          <a:xfrm flipH="1">
+            <a:off x="4722813" y="3827463"/>
+            <a:ext cx="384175" cy="269875"/>
+          </a:xfrm>
+          <a:prstGeom prst="straightConnector1">
+            <a:avLst/>
+          </a:prstGeom>
+          <a:noFill/>
+          <a:ln w="38100">
+            <a:solidFill>
+              <a:schemeClr val="accent2"/>
+            </a:solidFill>
+            <a:round/>
+            <a:headEnd/>
+            <a:tailEnd/>
+          </a:ln>
+          <a:effectLst/>
+          <a:extLst>
+            <a:ext uri="{909E8E84-426E-40DD-AFC4-6F175D3DCCD1}">
+              <a14:hiddenFill xmlns:a14="http://schemas.microsoft.com/office/drawing/2010/main">
+                <a:noFill/>
+              </a14:hiddenFill>
+            </a:ext>
+            <a:ext uri="{AF507438-7753-43E0-B8FC-AC1667EBCBE1}">
+              <a14:hiddenEffects xmlns:a14="http://schemas.microsoft.com/office/drawing/2010/main">
+                <a:effectLst>
+                  <a:outerShdw dist="35921" dir="2700000" algn="ctr" rotWithShape="0">
+                    <a:schemeClr val="bg2"/>
+                  </a:outerShdw>
+                </a:effectLst>
+              </a14:hiddenEffects>
+            </a:ext>
+          </a:extLst>
+        </p:spPr>
+      </p:cxnSp>
+      <p:cxnSp>
+        <p:nvCxnSpPr>
+          <p:cNvPr id="1028106" name="AutoShape 10"/>
+          <p:cNvCxnSpPr>
+            <a:cxnSpLocks noChangeShapeType="1"/>
+            <a:stCxn id="1028111" idx="3"/>
+            <a:endCxn id="1028120" idx="0"/>
+          </p:cNvCxnSpPr>
+          <p:nvPr/>
+        </p:nvCxnSpPr>
+        <p:spPr bwMode="auto">
+          <a:xfrm flipH="1">
+            <a:off x="5676900" y="4513263"/>
+            <a:ext cx="192088" cy="192087"/>
+          </a:xfrm>
+          <a:prstGeom prst="straightConnector1">
+            <a:avLst/>
+          </a:prstGeom>
+          <a:noFill/>
+          <a:ln w="38100">
+            <a:solidFill>
+              <a:schemeClr val="accent2"/>
+            </a:solidFill>
+            <a:round/>
+            <a:headEnd/>
+            <a:tailEnd/>
+          </a:ln>
+          <a:effectLst/>
+          <a:extLst>
+            <a:ext uri="{909E8E84-426E-40DD-AFC4-6F175D3DCCD1}">
+              <a14:hiddenFill xmlns:a14="http://schemas.microsoft.com/office/drawing/2010/main">
+                <a:noFill/>
+              </a14:hiddenFill>
+            </a:ext>
+            <a:ext uri="{AF507438-7753-43E0-B8FC-AC1667EBCBE1}">
+              <a14:hiddenEffects xmlns:a14="http://schemas.microsoft.com/office/drawing/2010/main">
+                <a:effectLst>
+                  <a:outerShdw dist="35921" dir="2700000" algn="ctr" rotWithShape="0">
+                    <a:schemeClr val="bg2"/>
+                  </a:outerShdw>
+                </a:effectLst>
+              </a14:hiddenEffects>
+            </a:ext>
+          </a:extLst>
+        </p:spPr>
+      </p:cxnSp>
+      <p:cxnSp>
+        <p:nvCxnSpPr>
+          <p:cNvPr id="1028107" name="AutoShape 11"/>
+          <p:cNvCxnSpPr>
+            <a:cxnSpLocks noChangeShapeType="1"/>
+            <a:stCxn id="1028111" idx="5"/>
+            <a:endCxn id="1028102" idx="1"/>
+          </p:cNvCxnSpPr>
+          <p:nvPr/>
+        </p:nvCxnSpPr>
+        <p:spPr bwMode="auto">
+          <a:xfrm>
+            <a:off x="6246813" y="4513263"/>
+            <a:ext cx="263525" cy="225425"/>
+          </a:xfrm>
+          <a:prstGeom prst="straightConnector1">
+            <a:avLst/>
+          </a:prstGeom>
+          <a:noFill/>
+          <a:ln w="38100">
+            <a:solidFill>
+              <a:schemeClr val="accent2"/>
+            </a:solidFill>
+            <a:round/>
+            <a:headEnd/>
+            <a:tailEnd/>
+          </a:ln>
+          <a:effectLst/>
+          <a:extLst>
+            <a:ext uri="{909E8E84-426E-40DD-AFC4-6F175D3DCCD1}">
+              <a14:hiddenFill xmlns:a14="http://schemas.microsoft.com/office/drawing/2010/main">
+                <a:noFill/>
+              </a14:hiddenFill>
+            </a:ext>
+            <a:ext uri="{AF507438-7753-43E0-B8FC-AC1667EBCBE1}">
+              <a14:hiddenEffects xmlns:a14="http://schemas.microsoft.com/office/drawing/2010/main">
+                <a:effectLst>
+                  <a:outerShdw dist="35921" dir="2700000" algn="ctr" rotWithShape="0">
+                    <a:schemeClr val="bg2"/>
+                  </a:outerShdw>
+                </a:effectLst>
+              </a14:hiddenEffects>
+            </a:ext>
+          </a:extLst>
+        </p:spPr>
+      </p:cxnSp>
+      <p:cxnSp>
+        <p:nvCxnSpPr>
+          <p:cNvPr id="1028108" name="AutoShape 12"/>
+          <p:cNvCxnSpPr>
+            <a:cxnSpLocks noChangeShapeType="1"/>
+            <a:stCxn id="1028113" idx="1"/>
+            <a:endCxn id="1028114" idx="5"/>
+          </p:cNvCxnSpPr>
+          <p:nvPr/>
+        </p:nvCxnSpPr>
+        <p:spPr bwMode="auto">
+          <a:xfrm flipH="1" flipV="1">
+            <a:off x="4418013" y="3141663"/>
+            <a:ext cx="688975" cy="269875"/>
+          </a:xfrm>
+          <a:prstGeom prst="straightConnector1">
+            <a:avLst/>
+          </a:prstGeom>
+          <a:noFill/>
+          <a:ln w="38100">
+            <a:solidFill>
+              <a:schemeClr val="accent2"/>
+            </a:solidFill>
+            <a:round/>
+            <a:headEnd/>
+            <a:tailEnd/>
+          </a:ln>
+          <a:effectLst/>
+          <a:extLst>
+            <a:ext uri="{909E8E84-426E-40DD-AFC4-6F175D3DCCD1}">
+              <a14:hiddenFill xmlns:a14="http://schemas.microsoft.com/office/drawing/2010/main">
+                <a:noFill/>
+              </a14:hiddenFill>
+            </a:ext>
+            <a:ext uri="{AF507438-7753-43E0-B8FC-AC1667EBCBE1}">
+              <a14:hiddenEffects xmlns:a14="http://schemas.microsoft.com/office/drawing/2010/main">
+                <a:effectLst>
+                  <a:outerShdw dist="35921" dir="2700000" algn="ctr" rotWithShape="0">
+                    <a:schemeClr val="bg2"/>
+                  </a:outerShdw>
+                </a:effectLst>
+              </a14:hiddenEffects>
+            </a:ext>
+          </a:extLst>
+        </p:spPr>
+      </p:cxnSp>
+      <p:cxnSp>
+        <p:nvCxnSpPr>
+          <p:cNvPr id="1028109" name="AutoShape 13"/>
+          <p:cNvCxnSpPr>
+            <a:cxnSpLocks noChangeShapeType="1"/>
+            <a:stCxn id="1028114" idx="3"/>
+            <a:endCxn id="1028112" idx="7"/>
+          </p:cNvCxnSpPr>
+          <p:nvPr/>
+        </p:nvCxnSpPr>
+        <p:spPr bwMode="auto">
+          <a:xfrm flipH="1">
+            <a:off x="3351213" y="3141663"/>
+            <a:ext cx="688975" cy="269875"/>
+          </a:xfrm>
+          <a:prstGeom prst="straightConnector1">
+            <a:avLst/>
+          </a:prstGeom>
+          <a:noFill/>
+          <a:ln w="38100">
+            <a:solidFill>
+              <a:schemeClr val="accent2"/>
+            </a:solidFill>
+            <a:round/>
+            <a:headEnd/>
+            <a:tailEnd/>
+          </a:ln>
+          <a:effectLst/>
+          <a:extLst>
+            <a:ext uri="{909E8E84-426E-40DD-AFC4-6F175D3DCCD1}">
+              <a14:hiddenFill xmlns:a14="http://schemas.microsoft.com/office/drawing/2010/main">
+                <a:noFill/>
+              </a14:hiddenFill>
+            </a:ext>
+            <a:ext uri="{AF507438-7753-43E0-B8FC-AC1667EBCBE1}">
+              <a14:hiddenEffects xmlns:a14="http://schemas.microsoft.com/office/drawing/2010/main">
+                <a:effectLst>
+                  <a:outerShdw dist="35921" dir="2700000" algn="ctr" rotWithShape="0">
+                    <a:schemeClr val="bg2"/>
+                  </a:outerShdw>
+                </a:effectLst>
+              </a14:hiddenEffects>
+            </a:ext>
+          </a:extLst>
+        </p:spPr>
+      </p:cxnSp>
+      <p:cxnSp>
+        <p:nvCxnSpPr>
+          <p:cNvPr id="1028110" name="AutoShape 14"/>
+          <p:cNvCxnSpPr>
+            <a:cxnSpLocks noChangeShapeType="1"/>
+            <a:stCxn id="1028113" idx="5"/>
+            <a:endCxn id="1028111" idx="1"/>
+          </p:cNvCxnSpPr>
+          <p:nvPr/>
+        </p:nvCxnSpPr>
+        <p:spPr bwMode="auto">
+          <a:xfrm>
+            <a:off x="5484813" y="3827463"/>
+            <a:ext cx="384175" cy="269875"/>
+          </a:xfrm>
+          <a:prstGeom prst="straightConnector1">
+            <a:avLst/>
+          </a:prstGeom>
+          <a:noFill/>
+          <a:ln w="38100">
+            <a:solidFill>
+              <a:schemeClr val="accent2"/>
+            </a:solidFill>
+            <a:round/>
+            <a:headEnd/>
+            <a:tailEnd/>
+          </a:ln>
+          <a:effectLst/>
+          <a:extLst>
+            <a:ext uri="{909E8E84-426E-40DD-AFC4-6F175D3DCCD1}">
+              <a14:hiddenFill xmlns:a14="http://schemas.microsoft.com/office/drawing/2010/main">
+                <a:noFill/>
+              </a14:hiddenFill>
+            </a:ext>
+            <a:ext uri="{AF507438-7753-43E0-B8FC-AC1667EBCBE1}">
+              <a14:hiddenEffects xmlns:a14="http://schemas.microsoft.com/office/drawing/2010/main">
+                <a:effectLst>
+                  <a:outerShdw dist="35921" dir="2700000" algn="ctr" rotWithShape="0">
+                    <a:schemeClr val="bg2"/>
+                  </a:outerShdw>
+                </a:effectLst>
+              </a14:hiddenEffects>
+            </a:ext>
+          </a:extLst>
+        </p:spPr>
+      </p:cxnSp>
+      <p:sp>
+        <p:nvSpPr>
+          <p:cNvPr id="1028111" name="Oval 15"/>
+          <p:cNvSpPr>
+            <a:spLocks noChangeArrowheads="1"/>
+          </p:cNvSpPr>
+          <p:nvPr/>
+        </p:nvSpPr>
+        <p:spPr bwMode="auto">
+          <a:xfrm>
+            <a:off x="5791200" y="4038600"/>
+            <a:ext cx="533400" cy="533400"/>
+          </a:xfrm>
+          <a:prstGeom prst="ellipse">
+            <a:avLst/>
+          </a:prstGeom>
+          <a:solidFill>
+            <a:srgbClr val="FFFFFF"/>
+          </a:solidFill>
+          <a:ln w="38100">
+            <a:solidFill>
+              <a:schemeClr val="accent2"/>
+            </a:solidFill>
+            <a:round/>
+            <a:headEnd/>
+            <a:tailEnd/>
+          </a:ln>
+          <a:effectLst/>
+          <a:extLst>
+            <a:ext uri="{AF507438-7753-43E0-B8FC-AC1667EBCBE1}">
+              <a14:hiddenEffects xmlns:a14="http://schemas.microsoft.com/office/drawing/2010/main">
+                <a:effectLst>
+                  <a:outerShdw dist="35921" dir="2700000" algn="ctr" rotWithShape="0">
+                    <a:schemeClr val="bg2"/>
+                  </a:outerShdw>
+                </a:effectLst>
+              </a14:hiddenEffects>
+            </a:ext>
+          </a:extLst>
+        </p:spPr>
+        <p:txBody>
+          <a:bodyPr wrap="none" anchor="ctr"/>
+          <a:lstStyle/>
+          <a:p>
+            <a:pPr algn="ctr"/>
+            <a:r>
+              <a:rPr lang="en-US" sz="2400" b="1">
+                <a:solidFill>
+                  <a:schemeClr val="tx2"/>
+                </a:solidFill>
+                <a:latin typeface="Courier New" panose="02070309020205020404" pitchFamily="49" charset="0"/>
+              </a:rPr>
+              <a:t>12</a:t>
+            </a:r>
+          </a:p>
+        </p:txBody>
+      </p:sp>
+      <p:sp>
+        <p:nvSpPr>
+          <p:cNvPr id="1028112" name="Oval 16"/>
+          <p:cNvSpPr>
+            <a:spLocks noChangeArrowheads="1"/>
+          </p:cNvSpPr>
+          <p:nvPr/>
+        </p:nvSpPr>
+        <p:spPr bwMode="auto">
+          <a:xfrm>
+            <a:off x="2895600" y="3352800"/>
+            <a:ext cx="533400" cy="533400"/>
+          </a:xfrm>
+          <a:prstGeom prst="ellipse">
+            <a:avLst/>
+          </a:prstGeom>
+          <a:solidFill>
+            <a:schemeClr val="bg1"/>
+          </a:solidFill>
+          <a:ln w="38100">
+            <a:solidFill>
+              <a:schemeClr val="accent2"/>
+            </a:solidFill>
+            <a:round/>
+            <a:headEnd/>
+            <a:tailEnd/>
+          </a:ln>
+          <a:effectLst/>
+          <a:extLst>
+            <a:ext uri="{AF507438-7753-43E0-B8FC-AC1667EBCBE1}">
+              <a14:hiddenEffects xmlns:a14="http://schemas.microsoft.com/office/drawing/2010/main">
+                <a:effectLst>
+                  <a:outerShdw dist="35921" dir="2700000" algn="ctr" rotWithShape="0">
+                    <a:schemeClr val="bg2"/>
+                  </a:outerShdw>
+                </a:effectLst>
+              </a14:hiddenEffects>
+            </a:ext>
+          </a:extLst>
+        </p:spPr>
+        <p:txBody>
+          <a:bodyPr wrap="none" anchor="ctr"/>
+          <a:lstStyle/>
+          <a:p>
+            <a:pPr algn="ctr"/>
+            <a:r>
+              <a:rPr lang="en-US" sz="2400" b="1">
+                <a:solidFill>
+                  <a:schemeClr val="tx2"/>
+                </a:solidFill>
+                <a:latin typeface="Courier New" panose="02070309020205020404" pitchFamily="49" charset="0"/>
+              </a:rPr>
+              <a:t>5</a:t>
+            </a:r>
+          </a:p>
+        </p:txBody>
+      </p:sp>
+      <p:sp>
+        <p:nvSpPr>
+          <p:cNvPr id="1028113" name="Oval 17"/>
+          <p:cNvSpPr>
+            <a:spLocks noChangeArrowheads="1"/>
+          </p:cNvSpPr>
+          <p:nvPr/>
+        </p:nvSpPr>
+        <p:spPr bwMode="auto">
+          <a:xfrm>
+            <a:off x="5029200" y="3352800"/>
+            <a:ext cx="533400" cy="533400"/>
+          </a:xfrm>
+          <a:prstGeom prst="ellipse">
+            <a:avLst/>
+          </a:prstGeom>
+          <a:solidFill>
+            <a:schemeClr val="bg1"/>
+          </a:solidFill>
+          <a:ln w="38100">
+            <a:solidFill>
+              <a:schemeClr val="accent2"/>
+            </a:solidFill>
+            <a:round/>
+            <a:headEnd/>
+            <a:tailEnd/>
+          </a:ln>
+          <a:effectLst/>
+          <a:extLst>
+            <a:ext uri="{AF507438-7753-43E0-B8FC-AC1667EBCBE1}">
+              <a14:hiddenEffects xmlns:a14="http://schemas.microsoft.com/office/drawing/2010/main">
+                <a:effectLst>
+                  <a:outerShdw dist="35921" dir="2700000" algn="ctr" rotWithShape="0">
+                    <a:schemeClr val="bg2"/>
+                  </a:outerShdw>
+                </a:effectLst>
+              </a14:hiddenEffects>
+            </a:ext>
+          </a:extLst>
+        </p:spPr>
+        <p:txBody>
+          <a:bodyPr wrap="none" anchor="ctr"/>
+          <a:lstStyle/>
+          <a:p>
+            <a:pPr algn="ctr"/>
+            <a:r>
+              <a:rPr lang="en-US" sz="2400" b="1">
+                <a:solidFill>
+                  <a:schemeClr val="tx2"/>
+                </a:solidFill>
+                <a:latin typeface="Courier New" panose="02070309020205020404" pitchFamily="49" charset="0"/>
+              </a:rPr>
+              <a:t>9</a:t>
+            </a:r>
+          </a:p>
+        </p:txBody>
+      </p:sp>
+      <p:sp>
+        <p:nvSpPr>
+          <p:cNvPr id="1028114" name="Oval 18"/>
+          <p:cNvSpPr>
+            <a:spLocks noChangeArrowheads="1"/>
+          </p:cNvSpPr>
+          <p:nvPr/>
+        </p:nvSpPr>
+        <p:spPr bwMode="auto">
+          <a:xfrm>
+            <a:off x="3962400" y="2667000"/>
+            <a:ext cx="533400" cy="533400"/>
+          </a:xfrm>
+          <a:prstGeom prst="ellipse">
+            <a:avLst/>
+          </a:prstGeom>
+          <a:solidFill>
+            <a:schemeClr val="bg1"/>
+          </a:solidFill>
+          <a:ln w="38100">
+            <a:solidFill>
+              <a:schemeClr val="accent2"/>
+            </a:solidFill>
+            <a:round/>
+            <a:headEnd/>
+            <a:tailEnd/>
+          </a:ln>
+          <a:effectLst/>
+          <a:extLst>
+            <a:ext uri="{AF507438-7753-43E0-B8FC-AC1667EBCBE1}">
+              <a14:hiddenEffects xmlns:a14="http://schemas.microsoft.com/office/drawing/2010/main">
+                <a:effectLst>
+                  <a:outerShdw dist="35921" dir="2700000" algn="ctr" rotWithShape="0">
+                    <a:schemeClr val="bg2"/>
+                  </a:outerShdw>
+                </a:effectLst>
+              </a14:hiddenEffects>
+            </a:ext>
+          </a:extLst>
+        </p:spPr>
+        <p:txBody>
+          <a:bodyPr wrap="none" anchor="ctr"/>
+          <a:lstStyle/>
+          <a:p>
+            <a:pPr algn="ctr"/>
+            <a:r>
+              <a:rPr lang="en-US" sz="2400" b="1">
+                <a:solidFill>
+                  <a:schemeClr val="tx2"/>
+                </a:solidFill>
+                <a:latin typeface="Courier New" panose="02070309020205020404" pitchFamily="49" charset="0"/>
+              </a:rPr>
+              <a:t>7</a:t>
+            </a:r>
+          </a:p>
+        </p:txBody>
+      </p:sp>
+      <p:sp>
+        <p:nvSpPr>
+          <p:cNvPr id="1028115" name="Oval 19"/>
+          <p:cNvSpPr>
+            <a:spLocks noChangeArrowheads="1"/>
+          </p:cNvSpPr>
+          <p:nvPr/>
+        </p:nvSpPr>
+        <p:spPr bwMode="auto">
+          <a:xfrm>
+            <a:off x="4267200" y="4038600"/>
+            <a:ext cx="533400" cy="533400"/>
+          </a:xfrm>
+          <a:prstGeom prst="ellipse">
+            <a:avLst/>
+          </a:prstGeom>
+          <a:solidFill>
+            <a:schemeClr val="bg1"/>
+          </a:solidFill>
+          <a:ln w="38100">
+            <a:solidFill>
+              <a:schemeClr val="accent2"/>
+            </a:solidFill>
+            <a:round/>
+            <a:headEnd/>
+            <a:tailEnd/>
+          </a:ln>
+          <a:effectLst/>
+          <a:extLst>
+            <a:ext uri="{AF507438-7753-43E0-B8FC-AC1667EBCBE1}">
+              <a14:hiddenEffects xmlns:a14="http://schemas.microsoft.com/office/drawing/2010/main">
+                <a:effectLst>
+                  <a:outerShdw dist="35921" dir="2700000" algn="ctr" rotWithShape="0">
+                    <a:schemeClr val="bg2"/>
+                  </a:outerShdw>
+                </a:effectLst>
+              </a14:hiddenEffects>
+            </a:ext>
+          </a:extLst>
+        </p:spPr>
+        <p:txBody>
+          <a:bodyPr wrap="none" anchor="ctr"/>
+          <a:lstStyle/>
+          <a:p>
+            <a:pPr algn="ctr"/>
+            <a:r>
+              <a:rPr lang="en-US" sz="2400" b="1">
+                <a:solidFill>
+                  <a:schemeClr val="tx2"/>
+                </a:solidFill>
+                <a:latin typeface="Courier New" panose="02070309020205020404" pitchFamily="49" charset="0"/>
+              </a:rPr>
+              <a:t>8</a:t>
+            </a:r>
+          </a:p>
+        </p:txBody>
+      </p:sp>
+      <p:sp>
+        <p:nvSpPr>
+          <p:cNvPr id="1028116" name="Oval 20"/>
+          <p:cNvSpPr>
+            <a:spLocks noChangeArrowheads="1"/>
+          </p:cNvSpPr>
+          <p:nvPr/>
+        </p:nvSpPr>
+        <p:spPr bwMode="auto">
+          <a:xfrm>
+            <a:off x="3886200" y="4764088"/>
+            <a:ext cx="228600" cy="228600"/>
+          </a:xfrm>
+          <a:prstGeom prst="ellipse">
+            <a:avLst/>
+          </a:prstGeom>
+          <a:solidFill>
+            <a:schemeClr val="tx1"/>
+          </a:solidFill>
+          <a:ln w="38100">
+            <a:solidFill>
+              <a:schemeClr val="accent2"/>
+            </a:solidFill>
+            <a:round/>
+            <a:headEnd/>
+            <a:tailEnd/>
+          </a:ln>
+          <a:effectLst/>
+          <a:extLst>
+            <a:ext uri="{AF507438-7753-43E0-B8FC-AC1667EBCBE1}">
+              <a14:hiddenEffects xmlns:a14="http://schemas.microsoft.com/office/drawing/2010/main">
+                <a:effectLst>
+                  <a:outerShdw dist="35921" dir="2700000" algn="ctr" rotWithShape="0">
+                    <a:schemeClr val="bg2"/>
+                  </a:outerShdw>
+                </a:effectLst>
+              </a14:hiddenEffects>
+            </a:ext>
+          </a:extLst>
+        </p:spPr>
+        <p:txBody>
+          <a:bodyPr wrap="none" anchor="ctr"/>
+          <a:lstStyle/>
+          <a:p>
+            <a:endParaRPr lang="en-US">
+              <a:solidFill>
+                <a:schemeClr val="tx2"/>
+              </a:solidFill>
+            </a:endParaRPr>
+          </a:p>
+        </p:txBody>
+      </p:sp>
+      <p:sp>
+        <p:nvSpPr>
+          <p:cNvPr id="1028117" name="Oval 21"/>
+          <p:cNvSpPr>
+            <a:spLocks noChangeArrowheads="1"/>
+          </p:cNvSpPr>
+          <p:nvPr/>
+        </p:nvSpPr>
+        <p:spPr bwMode="auto">
+          <a:xfrm>
+            <a:off x="4953000" y="4764088"/>
+            <a:ext cx="228600" cy="228600"/>
+          </a:xfrm>
+          <a:prstGeom prst="ellipse">
+            <a:avLst/>
+          </a:prstGeom>
+          <a:solidFill>
+            <a:schemeClr val="tx1"/>
+          </a:solidFill>
+          <a:ln w="38100">
+            <a:solidFill>
+              <a:schemeClr val="accent2"/>
+            </a:solidFill>
+            <a:round/>
+            <a:headEnd/>
+            <a:tailEnd/>
+          </a:ln>
+          <a:effectLst/>
+          <a:extLst>
+            <a:ext uri="{AF507438-7753-43E0-B8FC-AC1667EBCBE1}">
+              <a14:hiddenEffects xmlns:a14="http://schemas.microsoft.com/office/drawing/2010/main">
+                <a:effectLst>
+                  <a:outerShdw dist="35921" dir="2700000" algn="ctr" rotWithShape="0">
+                    <a:schemeClr val="bg2"/>
+                  </a:outerShdw>
+                </a:effectLst>
+              </a14:hiddenEffects>
+            </a:ext>
+          </a:extLst>
+        </p:spPr>
+        <p:txBody>
+          <a:bodyPr wrap="none" anchor="ctr"/>
+          <a:lstStyle/>
+          <a:p>
+            <a:endParaRPr lang="en-US">
+              <a:solidFill>
+                <a:schemeClr val="tx2"/>
+              </a:solidFill>
+            </a:endParaRPr>
+          </a:p>
+        </p:txBody>
+      </p:sp>
+      <p:cxnSp>
+        <p:nvCxnSpPr>
+          <p:cNvPr id="1028118" name="AutoShape 22"/>
+          <p:cNvCxnSpPr>
+            <a:cxnSpLocks noChangeShapeType="1"/>
+            <a:stCxn id="1028115" idx="3"/>
+            <a:endCxn id="1028116" idx="7"/>
+          </p:cNvCxnSpPr>
+          <p:nvPr/>
+        </p:nvCxnSpPr>
+        <p:spPr bwMode="auto">
+          <a:xfrm flipH="1">
+            <a:off x="4081463" y="4513263"/>
+            <a:ext cx="263525" cy="265112"/>
+          </a:xfrm>
+          <a:prstGeom prst="straightConnector1">
+            <a:avLst/>
+          </a:prstGeom>
+          <a:noFill/>
+          <a:ln w="38100">
+            <a:solidFill>
+              <a:schemeClr val="accent2"/>
+            </a:solidFill>
+            <a:round/>
+            <a:headEnd/>
+            <a:tailEnd/>
+          </a:ln>
+          <a:effectLst/>
+          <a:extLst>
+            <a:ext uri="{909E8E84-426E-40DD-AFC4-6F175D3DCCD1}">
+              <a14:hiddenFill xmlns:a14="http://schemas.microsoft.com/office/drawing/2010/main">
+                <a:noFill/>
+              </a14:hiddenFill>
+            </a:ext>
+            <a:ext uri="{AF507438-7753-43E0-B8FC-AC1667EBCBE1}">
+              <a14:hiddenEffects xmlns:a14="http://schemas.microsoft.com/office/drawing/2010/main">
+                <a:effectLst>
+                  <a:outerShdw dist="35921" dir="2700000" algn="ctr" rotWithShape="0">
+                    <a:schemeClr val="bg2"/>
+                  </a:outerShdw>
+                </a:effectLst>
+              </a14:hiddenEffects>
+            </a:ext>
+          </a:extLst>
+        </p:spPr>
+      </p:cxnSp>
+      <p:cxnSp>
+        <p:nvCxnSpPr>
+          <p:cNvPr id="1028119" name="AutoShape 23"/>
+          <p:cNvCxnSpPr>
+            <a:cxnSpLocks noChangeShapeType="1"/>
+            <a:stCxn id="1028115" idx="5"/>
+            <a:endCxn id="1028117" idx="1"/>
+          </p:cNvCxnSpPr>
+          <p:nvPr/>
+        </p:nvCxnSpPr>
+        <p:spPr bwMode="auto">
+          <a:xfrm>
+            <a:off x="4722813" y="4513263"/>
+            <a:ext cx="263525" cy="265112"/>
+          </a:xfrm>
+          <a:prstGeom prst="straightConnector1">
+            <a:avLst/>
+          </a:prstGeom>
+          <a:noFill/>
+          <a:ln w="38100">
+            <a:solidFill>
+              <a:schemeClr val="accent2"/>
+            </a:solidFill>
+            <a:round/>
+            <a:headEnd/>
+            <a:tailEnd/>
+          </a:ln>
+          <a:effectLst/>
+          <a:extLst>
+            <a:ext uri="{909E8E84-426E-40DD-AFC4-6F175D3DCCD1}">
+              <a14:hiddenFill xmlns:a14="http://schemas.microsoft.com/office/drawing/2010/main">
+                <a:noFill/>
+              </a14:hiddenFill>
+            </a:ext>
+            <a:ext uri="{AF507438-7753-43E0-B8FC-AC1667EBCBE1}">
+              <a14:hiddenEffects xmlns:a14="http://schemas.microsoft.com/office/drawing/2010/main">
+                <a:effectLst>
+                  <a:outerShdw dist="35921" dir="2700000" algn="ctr" rotWithShape="0">
+                    <a:schemeClr val="bg2"/>
+                  </a:outerShdw>
+                </a:effectLst>
+              </a14:hiddenEffects>
+            </a:ext>
+          </a:extLst>
+        </p:spPr>
+      </p:cxnSp>
+      <p:sp>
+        <p:nvSpPr>
+          <p:cNvPr id="1028120" name="Oval 24"/>
+          <p:cNvSpPr>
+            <a:spLocks noChangeArrowheads="1"/>
+          </p:cNvSpPr>
+          <p:nvPr/>
+        </p:nvSpPr>
+        <p:spPr bwMode="auto">
+          <a:xfrm>
+            <a:off x="5410200" y="4724400"/>
+            <a:ext cx="533400" cy="533400"/>
+          </a:xfrm>
+          <a:prstGeom prst="ellipse">
+            <a:avLst/>
+          </a:prstGeom>
+          <a:solidFill>
+            <a:srgbClr val="FFFFFF"/>
+          </a:solidFill>
+          <a:ln w="38100">
+            <a:solidFill>
+              <a:schemeClr val="accent2"/>
+            </a:solidFill>
+            <a:round/>
+            <a:headEnd/>
+            <a:tailEnd/>
+          </a:ln>
+          <a:effectLst/>
+          <a:extLst>
+            <a:ext uri="{AF507438-7753-43E0-B8FC-AC1667EBCBE1}">
+              <a14:hiddenEffects xmlns:a14="http://schemas.microsoft.com/office/drawing/2010/main">
+                <a:effectLst>
+                  <a:outerShdw dist="35921" dir="2700000" algn="ctr" rotWithShape="0">
+                    <a:schemeClr val="bg2"/>
+                  </a:outerShdw>
+                </a:effectLst>
+              </a14:hiddenEffects>
+            </a:ext>
+          </a:extLst>
+        </p:spPr>
+        <p:txBody>
+          <a:bodyPr wrap="none" anchor="ctr"/>
+          <a:lstStyle/>
+          <a:p>
+            <a:pPr algn="ctr"/>
+            <a:r>
+              <a:rPr lang="en-US" sz="2400" b="1">
+                <a:solidFill>
+                  <a:schemeClr val="tx2"/>
+                </a:solidFill>
+                <a:latin typeface="Courier New" panose="02070309020205020404" pitchFamily="49" charset="0"/>
+              </a:rPr>
+              <a:t>11</a:t>
+            </a:r>
+          </a:p>
+        </p:txBody>
+      </p:sp>
+      <p:sp>
+        <p:nvSpPr>
+          <p:cNvPr id="1028121" name="Oval 25"/>
+          <p:cNvSpPr>
+            <a:spLocks noChangeArrowheads="1"/>
+          </p:cNvSpPr>
+          <p:nvPr/>
+        </p:nvSpPr>
+        <p:spPr bwMode="auto">
+          <a:xfrm>
+            <a:off x="6096000" y="5486400"/>
+            <a:ext cx="228600" cy="228600"/>
+          </a:xfrm>
+          <a:prstGeom prst="ellipse">
+            <a:avLst/>
+          </a:prstGeom>
+          <a:solidFill>
+            <a:schemeClr val="tx1"/>
+          </a:solidFill>
+          <a:ln w="38100">
+            <a:solidFill>
+              <a:schemeClr val="tx1"/>
+            </a:solidFill>
+            <a:round/>
+            <a:headEnd/>
+            <a:tailEnd/>
+          </a:ln>
+          <a:effectLst/>
+          <a:extLst>
+            <a:ext uri="{AF507438-7753-43E0-B8FC-AC1667EBCBE1}">
+              <a14:hiddenEffects xmlns:a14="http://schemas.microsoft.com/office/drawing/2010/main">
+                <a:effectLst>
+                  <a:outerShdw dist="35921" dir="2700000" algn="ctr" rotWithShape="0">
+                    <a:schemeClr val="bg2"/>
+                  </a:outerShdw>
+                </a:effectLst>
+              </a14:hiddenEffects>
+            </a:ext>
+          </a:extLst>
+        </p:spPr>
+        <p:txBody>
+          <a:bodyPr wrap="none" anchor="ctr"/>
+          <a:lstStyle/>
+          <a:p>
+            <a:endParaRPr lang="en-US"/>
+          </a:p>
+        </p:txBody>
+      </p:sp>
+      <p:cxnSp>
+        <p:nvCxnSpPr>
+          <p:cNvPr id="1028122" name="AutoShape 26"/>
+          <p:cNvCxnSpPr>
+            <a:cxnSpLocks noChangeShapeType="1"/>
+            <a:stCxn id="1028120" idx="3"/>
+            <a:endCxn id="1028124" idx="7"/>
+          </p:cNvCxnSpPr>
+          <p:nvPr/>
+        </p:nvCxnSpPr>
+        <p:spPr bwMode="auto">
+          <a:xfrm flipH="1">
+            <a:off x="5224463" y="5199063"/>
+            <a:ext cx="263525" cy="301625"/>
+          </a:xfrm>
+          <a:prstGeom prst="straightConnector1">
+            <a:avLst/>
+          </a:prstGeom>
+          <a:noFill/>
+          <a:ln w="38100">
+            <a:solidFill>
+              <a:schemeClr val="accent2"/>
+            </a:solidFill>
+            <a:round/>
+            <a:headEnd/>
+            <a:tailEnd/>
+          </a:ln>
+          <a:effectLst/>
+          <a:extLst>
+            <a:ext uri="{909E8E84-426E-40DD-AFC4-6F175D3DCCD1}">
+              <a14:hiddenFill xmlns:a14="http://schemas.microsoft.com/office/drawing/2010/main">
+                <a:noFill/>
+              </a14:hiddenFill>
+            </a:ext>
+            <a:ext uri="{AF507438-7753-43E0-B8FC-AC1667EBCBE1}">
+              <a14:hiddenEffects xmlns:a14="http://schemas.microsoft.com/office/drawing/2010/main">
+                <a:effectLst>
+                  <a:outerShdw dist="35921" dir="2700000" algn="ctr" rotWithShape="0">
+                    <a:schemeClr val="bg2"/>
+                  </a:outerShdw>
+                </a:effectLst>
+              </a14:hiddenEffects>
+            </a:ext>
+          </a:extLst>
+        </p:spPr>
+      </p:cxnSp>
+      <p:cxnSp>
+        <p:nvCxnSpPr>
+          <p:cNvPr id="1028123" name="AutoShape 27"/>
+          <p:cNvCxnSpPr>
+            <a:cxnSpLocks noChangeShapeType="1"/>
+            <a:stCxn id="1028120" idx="5"/>
+            <a:endCxn id="1028121" idx="1"/>
+          </p:cNvCxnSpPr>
+          <p:nvPr/>
+        </p:nvCxnSpPr>
+        <p:spPr bwMode="auto">
+          <a:xfrm>
+            <a:off x="5865813" y="5199063"/>
+            <a:ext cx="263525" cy="301625"/>
+          </a:xfrm>
+          <a:prstGeom prst="straightConnector1">
+            <a:avLst/>
+          </a:prstGeom>
+          <a:noFill/>
+          <a:ln w="38100">
+            <a:solidFill>
+              <a:schemeClr val="accent2"/>
+            </a:solidFill>
+            <a:round/>
+            <a:headEnd/>
+            <a:tailEnd/>
+          </a:ln>
+          <a:effectLst/>
+          <a:extLst>
+            <a:ext uri="{909E8E84-426E-40DD-AFC4-6F175D3DCCD1}">
+              <a14:hiddenFill xmlns:a14="http://schemas.microsoft.com/office/drawing/2010/main">
+                <a:noFill/>
+              </a14:hiddenFill>
+            </a:ext>
+            <a:ext uri="{AF507438-7753-43E0-B8FC-AC1667EBCBE1}">
+              <a14:hiddenEffects xmlns:a14="http://schemas.microsoft.com/office/drawing/2010/main">
+                <a:effectLst>
+                  <a:outerShdw dist="35921" dir="2700000" algn="ctr" rotWithShape="0">
+                    <a:schemeClr val="bg2"/>
+                  </a:outerShdw>
+                </a:effectLst>
+              </a14:hiddenEffects>
+            </a:ext>
+          </a:extLst>
+        </p:spPr>
+      </p:cxnSp>
+      <p:sp>
+        <p:nvSpPr>
+          <p:cNvPr id="1028124" name="Oval 28"/>
+          <p:cNvSpPr>
+            <a:spLocks noChangeArrowheads="1"/>
+          </p:cNvSpPr>
+          <p:nvPr/>
+        </p:nvSpPr>
+        <p:spPr bwMode="auto">
+          <a:xfrm>
+            <a:off x="5029200" y="5486400"/>
+            <a:ext cx="228600" cy="228600"/>
+          </a:xfrm>
+          <a:prstGeom prst="ellipse">
+            <a:avLst/>
+          </a:prstGeom>
+          <a:solidFill>
+            <a:schemeClr val="tx1"/>
+          </a:solidFill>
+          <a:ln w="38100">
+            <a:solidFill>
+              <a:schemeClr val="tx1"/>
+            </a:solidFill>
+            <a:round/>
+            <a:headEnd/>
+            <a:tailEnd/>
+          </a:ln>
+          <a:effectLst/>
+          <a:extLst>
+            <a:ext uri="{AF507438-7753-43E0-B8FC-AC1667EBCBE1}">
+              <a14:hiddenEffects xmlns:a14="http://schemas.microsoft.com/office/drawing/2010/main">
+                <a:effectLst>
+                  <a:outerShdw dist="35921" dir="2700000" algn="ctr" rotWithShape="0">
+                    <a:schemeClr val="bg2"/>
+                  </a:outerShdw>
+                </a:effectLst>
+              </a14:hiddenEffects>
+            </a:ext>
+          </a:extLst>
+        </p:spPr>
+        <p:txBody>
+          <a:bodyPr wrap="none" anchor="ctr"/>
+          <a:lstStyle/>
+          <a:p>
+            <a:endParaRPr lang="en-US"/>
+          </a:p>
+        </p:txBody>
+      </p:sp>
+    </p:spTree>
+    <p:extLst>
+      <p:ext uri="{BB962C8B-B14F-4D97-AF65-F5344CB8AC3E}">
+        <p14:creationId xmlns:p14="http://schemas.microsoft.com/office/powerpoint/2010/main" val="2871662029"/>
+      </p:ext>
+    </p:extLst>
+  </p:cSld>
+  <p:clrMapOvr>
+    <a:masterClrMapping/>
+  </p:clrMapOvr>
+  <p:timing>
+    <p:tnLst>
+      <p:par>
+        <p:cTn id="1" dur="indefinite" restart="never" nodeType="tmRoot"/>
+      </p:par>
+    </p:tnLst>
+  </p:timing>
+</p:sld>
+</file>
+
+<file path=ppt/slides/slide17.xml><?xml version="1.0" encoding="utf-8"?>
+<p:sld xmlns:a="http://schemas.openxmlformats.org/drawingml/2006/main" xmlns:r="http://schemas.openxmlformats.org/officeDocument/2006/relationships" xmlns:p="http://schemas.openxmlformats.org/presentationml/2006/main">
+  <p:cSld>
+    <p:spTree>
+      <p:nvGrpSpPr>
+        <p:cNvPr id="1" name=""/>
+        <p:cNvGrpSpPr/>
+        <p:nvPr/>
+      </p:nvGrpSpPr>
+      <p:grpSpPr>
+        <a:xfrm>
+          <a:off x="0" y="0"/>
+          <a:ext cx="0" cy="0"/>
+          <a:chOff x="0" y="0"/>
+          <a:chExt cx="0" cy="0"/>
+        </a:xfrm>
+      </p:grpSpPr>
+      <p:sp>
+        <p:nvSpPr>
+          <p:cNvPr id="29" name="Footer Placeholder 3"/>
+          <p:cNvSpPr>
+            <a:spLocks noGrp="1"/>
+          </p:cNvSpPr>
+          <p:nvPr>
+            <p:ph type="ftr" sz="quarter" idx="4294967295"/>
+          </p:nvPr>
+        </p:nvSpPr>
+        <p:spPr>
+          <a:xfrm>
+            <a:off x="457200" y="6553200"/>
+            <a:ext cx="8229600" cy="304800"/>
+          </a:xfrm>
+          <a:prstGeom prst="rect">
+            <a:avLst/>
+          </a:prstGeom>
+        </p:spPr>
+        <p:txBody>
+          <a:bodyPr/>
+          <a:lstStyle/>
+          <a:p>
+            <a:r>
+              <a:rPr lang="en-US"/>
+              <a:t>David Luebke				         </a:t>
+            </a:r>
+            <a:fld id="{5B0CB05B-54E8-4FC9-8D1E-24EFB9CB5971}" type="slidenum">
+              <a:rPr lang="en-US"/>
+              <a:pPr/>
+              <a:t>17</a:t>
+            </a:fld>
+            <a:r>
+              <a:rPr lang="en-US"/>
+              <a:t> 				            </a:t>
+            </a:r>
+            <a:fld id="{55261F01-2EA1-4D74-AF6F-E57AF0C41DAA}" type="datetime1">
+              <a:rPr lang="en-US"/>
+              <a:pPr/>
+              <a:t>10/28/2019</a:t>
+            </a:fld>
+            <a:endParaRPr lang="en-US"/>
+          </a:p>
+        </p:txBody>
+      </p:sp>
+      <p:sp>
+        <p:nvSpPr>
+          <p:cNvPr id="1029122" name="Rectangle 2"/>
+          <p:cNvSpPr>
+            <a:spLocks noGrp="1" noChangeArrowheads="1"/>
+          </p:cNvSpPr>
+          <p:nvPr>
+            <p:ph type="title"/>
+          </p:nvPr>
+        </p:nvSpPr>
+        <p:spPr>
+          <a:xfrm>
+            <a:off x="457200" y="-8859"/>
+            <a:ext cx="8229600" cy="1143000"/>
+          </a:xfrm>
+        </p:spPr>
+        <p:txBody>
+          <a:bodyPr/>
+          <a:lstStyle/>
+          <a:p>
+            <a:r>
+              <a:rPr lang="en-US" dirty="0"/>
+              <a:t>Rotation Example</a:t>
+            </a:r>
+          </a:p>
+        </p:txBody>
+      </p:sp>
+      <p:sp>
+        <p:nvSpPr>
+          <p:cNvPr id="1029123" name="Rectangle 3"/>
+          <p:cNvSpPr>
+            <a:spLocks noGrp="1" noChangeArrowheads="1"/>
+          </p:cNvSpPr>
+          <p:nvPr>
+            <p:ph type="body" idx="1"/>
+          </p:nvPr>
+        </p:nvSpPr>
+        <p:spPr/>
+        <p:txBody>
+          <a:bodyPr/>
+          <a:lstStyle/>
+          <a:p>
+            <a:r>
+              <a:rPr lang="en-US" dirty="0"/>
+              <a:t>Rotate left about 9:</a:t>
+            </a:r>
+          </a:p>
+        </p:txBody>
+      </p:sp>
+      <p:sp>
+        <p:nvSpPr>
+          <p:cNvPr id="1029124" name="Oval 4"/>
+          <p:cNvSpPr>
+            <a:spLocks noChangeArrowheads="1"/>
+          </p:cNvSpPr>
+          <p:nvPr/>
+        </p:nvSpPr>
+        <p:spPr bwMode="auto">
+          <a:xfrm>
+            <a:off x="2514600" y="4038600"/>
+            <a:ext cx="228600" cy="228600"/>
+          </a:xfrm>
+          <a:prstGeom prst="ellipse">
+            <a:avLst/>
+          </a:prstGeom>
+          <a:solidFill>
+            <a:schemeClr val="tx1"/>
+          </a:solidFill>
+          <a:ln w="38100">
+            <a:solidFill>
+              <a:schemeClr val="accent2"/>
+            </a:solidFill>
+            <a:round/>
+            <a:headEnd/>
+            <a:tailEnd/>
+          </a:ln>
+          <a:effectLst/>
+          <a:extLst>
+            <a:ext uri="{AF507438-7753-43E0-B8FC-AC1667EBCBE1}">
+              <a14:hiddenEffects xmlns:a14="http://schemas.microsoft.com/office/drawing/2010/main">
+                <a:effectLst>
+                  <a:outerShdw dist="35921" dir="2700000" algn="ctr" rotWithShape="0">
+                    <a:schemeClr val="bg2"/>
+                  </a:outerShdw>
+                </a:effectLst>
+              </a14:hiddenEffects>
+            </a:ext>
+          </a:extLst>
+        </p:spPr>
+        <p:txBody>
+          <a:bodyPr wrap="none" anchor="ctr"/>
+          <a:lstStyle/>
+          <a:p>
+            <a:endParaRPr lang="en-US">
+              <a:solidFill>
+                <a:schemeClr val="accent6"/>
+              </a:solidFill>
+            </a:endParaRPr>
+          </a:p>
+        </p:txBody>
+      </p:sp>
+      <p:sp>
+        <p:nvSpPr>
+          <p:cNvPr id="1029125" name="Oval 5"/>
+          <p:cNvSpPr>
+            <a:spLocks noChangeArrowheads="1"/>
+          </p:cNvSpPr>
+          <p:nvPr/>
+        </p:nvSpPr>
+        <p:spPr bwMode="auto">
+          <a:xfrm>
+            <a:off x="3581400" y="4038600"/>
+            <a:ext cx="228600" cy="228600"/>
+          </a:xfrm>
+          <a:prstGeom prst="ellipse">
+            <a:avLst/>
+          </a:prstGeom>
+          <a:solidFill>
+            <a:schemeClr val="tx1"/>
+          </a:solidFill>
+          <a:ln w="38100">
+            <a:solidFill>
+              <a:schemeClr val="accent2"/>
+            </a:solidFill>
+            <a:round/>
+            <a:headEnd/>
+            <a:tailEnd/>
+          </a:ln>
+          <a:effectLst/>
+          <a:extLst>
+            <a:ext uri="{AF507438-7753-43E0-B8FC-AC1667EBCBE1}">
+              <a14:hiddenEffects xmlns:a14="http://schemas.microsoft.com/office/drawing/2010/main">
+                <a:effectLst>
+                  <a:outerShdw dist="35921" dir="2700000" algn="ctr" rotWithShape="0">
+                    <a:schemeClr val="bg2"/>
+                  </a:outerShdw>
+                </a:effectLst>
+              </a14:hiddenEffects>
+            </a:ext>
+          </a:extLst>
+        </p:spPr>
+        <p:txBody>
+          <a:bodyPr wrap="none" anchor="ctr"/>
+          <a:lstStyle/>
+          <a:p>
+            <a:endParaRPr lang="en-US">
+              <a:solidFill>
+                <a:schemeClr val="accent6"/>
+              </a:solidFill>
+            </a:endParaRPr>
+          </a:p>
+        </p:txBody>
+      </p:sp>
+      <p:sp>
+        <p:nvSpPr>
+          <p:cNvPr id="1029126" name="Oval 6"/>
+          <p:cNvSpPr>
+            <a:spLocks noChangeArrowheads="1"/>
+          </p:cNvSpPr>
+          <p:nvPr/>
+        </p:nvSpPr>
+        <p:spPr bwMode="auto">
+          <a:xfrm>
+            <a:off x="5867400" y="4038600"/>
+            <a:ext cx="228600" cy="228600"/>
+          </a:xfrm>
+          <a:prstGeom prst="ellipse">
+            <a:avLst/>
+          </a:prstGeom>
+          <a:solidFill>
+            <a:schemeClr val="tx1"/>
+          </a:solidFill>
+          <a:ln w="38100">
+            <a:solidFill>
+              <a:schemeClr val="accent2"/>
+            </a:solidFill>
+            <a:round/>
+            <a:headEnd/>
+            <a:tailEnd/>
+          </a:ln>
+          <a:effectLst/>
+          <a:extLst>
+            <a:ext uri="{AF507438-7753-43E0-B8FC-AC1667EBCBE1}">
+              <a14:hiddenEffects xmlns:a14="http://schemas.microsoft.com/office/drawing/2010/main">
+                <a:effectLst>
+                  <a:outerShdw dist="35921" dir="2700000" algn="ctr" rotWithShape="0">
+                    <a:schemeClr val="bg2"/>
+                  </a:outerShdw>
+                </a:effectLst>
+              </a14:hiddenEffects>
+            </a:ext>
+          </a:extLst>
+        </p:spPr>
+        <p:txBody>
+          <a:bodyPr wrap="none" anchor="ctr"/>
+          <a:lstStyle/>
+          <a:p>
+            <a:endParaRPr lang="en-US">
+              <a:solidFill>
+                <a:schemeClr val="accent6"/>
+              </a:solidFill>
+            </a:endParaRPr>
+          </a:p>
+        </p:txBody>
+      </p:sp>
+      <p:cxnSp>
+        <p:nvCxnSpPr>
+          <p:cNvPr id="1029127" name="AutoShape 7"/>
+          <p:cNvCxnSpPr>
+            <a:cxnSpLocks noChangeShapeType="1"/>
+            <a:stCxn id="1029124" idx="7"/>
+            <a:endCxn id="1029133" idx="3"/>
+          </p:cNvCxnSpPr>
+          <p:nvPr/>
+        </p:nvCxnSpPr>
+        <p:spPr bwMode="auto">
+          <a:xfrm flipV="1">
+            <a:off x="2709863" y="3827463"/>
+            <a:ext cx="263525" cy="225425"/>
+          </a:xfrm>
+          <a:prstGeom prst="straightConnector1">
+            <a:avLst/>
+          </a:prstGeom>
+          <a:noFill/>
+          <a:ln w="38100">
+            <a:solidFill>
+              <a:schemeClr val="accent2"/>
+            </a:solidFill>
+            <a:round/>
+            <a:headEnd/>
+            <a:tailEnd/>
+          </a:ln>
+          <a:effectLst/>
+          <a:extLst>
+            <a:ext uri="{909E8E84-426E-40DD-AFC4-6F175D3DCCD1}">
+              <a14:hiddenFill xmlns:a14="http://schemas.microsoft.com/office/drawing/2010/main">
+                <a:noFill/>
+              </a14:hiddenFill>
+            </a:ext>
+            <a:ext uri="{AF507438-7753-43E0-B8FC-AC1667EBCBE1}">
+              <a14:hiddenEffects xmlns:a14="http://schemas.microsoft.com/office/drawing/2010/main">
+                <a:effectLst>
+                  <a:outerShdw dist="35921" dir="2700000" algn="ctr" rotWithShape="0">
+                    <a:schemeClr val="bg2"/>
+                  </a:outerShdw>
+                </a:effectLst>
+              </a14:hiddenEffects>
+            </a:ext>
+          </a:extLst>
+        </p:spPr>
+      </p:cxnSp>
+      <p:cxnSp>
+        <p:nvCxnSpPr>
+          <p:cNvPr id="1029128" name="AutoShape 8"/>
+          <p:cNvCxnSpPr>
+            <a:cxnSpLocks noChangeShapeType="1"/>
+            <a:stCxn id="1029133" idx="5"/>
+            <a:endCxn id="1029125" idx="1"/>
+          </p:cNvCxnSpPr>
+          <p:nvPr/>
+        </p:nvCxnSpPr>
+        <p:spPr bwMode="auto">
+          <a:xfrm>
+            <a:off x="3351213" y="3827463"/>
+            <a:ext cx="263525" cy="225425"/>
+          </a:xfrm>
+          <a:prstGeom prst="straightConnector1">
+            <a:avLst/>
+          </a:prstGeom>
+          <a:noFill/>
+          <a:ln w="38100">
+            <a:solidFill>
+              <a:schemeClr val="accent2"/>
+            </a:solidFill>
+            <a:round/>
+            <a:headEnd/>
+            <a:tailEnd/>
+          </a:ln>
+          <a:effectLst/>
+          <a:extLst>
+            <a:ext uri="{909E8E84-426E-40DD-AFC4-6F175D3DCCD1}">
+              <a14:hiddenFill xmlns:a14="http://schemas.microsoft.com/office/drawing/2010/main">
+                <a:noFill/>
+              </a14:hiddenFill>
+            </a:ext>
+            <a:ext uri="{AF507438-7753-43E0-B8FC-AC1667EBCBE1}">
+              <a14:hiddenEffects xmlns:a14="http://schemas.microsoft.com/office/drawing/2010/main">
+                <a:effectLst>
+                  <a:outerShdw dist="35921" dir="2700000" algn="ctr" rotWithShape="0">
+                    <a:schemeClr val="bg2"/>
+                  </a:outerShdw>
+                </a:effectLst>
+              </a14:hiddenEffects>
+            </a:ext>
+          </a:extLst>
+        </p:spPr>
+      </p:cxnSp>
+      <p:cxnSp>
+        <p:nvCxnSpPr>
+          <p:cNvPr id="1029129" name="AutoShape 9"/>
+          <p:cNvCxnSpPr>
+            <a:cxnSpLocks noChangeShapeType="1"/>
+            <a:stCxn id="1029134" idx="3"/>
+            <a:endCxn id="1029136" idx="7"/>
+          </p:cNvCxnSpPr>
+          <p:nvPr/>
+        </p:nvCxnSpPr>
+        <p:spPr bwMode="auto">
+          <a:xfrm flipH="1">
+            <a:off x="4722813" y="3827463"/>
+            <a:ext cx="384175" cy="269875"/>
+          </a:xfrm>
+          <a:prstGeom prst="straightConnector1">
+            <a:avLst/>
+          </a:prstGeom>
+          <a:noFill/>
+          <a:ln w="38100">
+            <a:solidFill>
+              <a:schemeClr val="accent2"/>
+            </a:solidFill>
+            <a:round/>
+            <a:headEnd/>
+            <a:tailEnd/>
+          </a:ln>
+          <a:effectLst/>
+          <a:extLst>
+            <a:ext uri="{909E8E84-426E-40DD-AFC4-6F175D3DCCD1}">
+              <a14:hiddenFill xmlns:a14="http://schemas.microsoft.com/office/drawing/2010/main">
+                <a:noFill/>
+              </a14:hiddenFill>
+            </a:ext>
+            <a:ext uri="{AF507438-7753-43E0-B8FC-AC1667EBCBE1}">
+              <a14:hiddenEffects xmlns:a14="http://schemas.microsoft.com/office/drawing/2010/main">
+                <a:effectLst>
+                  <a:outerShdw dist="35921" dir="2700000" algn="ctr" rotWithShape="0">
+                    <a:schemeClr val="bg2"/>
+                  </a:outerShdw>
+                </a:effectLst>
+              </a14:hiddenEffects>
+            </a:ext>
+          </a:extLst>
+        </p:spPr>
+      </p:cxnSp>
+      <p:cxnSp>
+        <p:nvCxnSpPr>
+          <p:cNvPr id="1029130" name="AutoShape 10"/>
+          <p:cNvCxnSpPr>
+            <a:cxnSpLocks noChangeShapeType="1"/>
+            <a:stCxn id="1029134" idx="1"/>
+            <a:endCxn id="1029135" idx="5"/>
+          </p:cNvCxnSpPr>
+          <p:nvPr/>
+        </p:nvCxnSpPr>
+        <p:spPr bwMode="auto">
+          <a:xfrm flipH="1" flipV="1">
+            <a:off x="4418013" y="3141663"/>
+            <a:ext cx="688975" cy="269875"/>
+          </a:xfrm>
+          <a:prstGeom prst="straightConnector1">
+            <a:avLst/>
+          </a:prstGeom>
+          <a:noFill/>
+          <a:ln w="38100">
+            <a:solidFill>
+              <a:schemeClr val="accent2"/>
+            </a:solidFill>
+            <a:round/>
+            <a:headEnd/>
+            <a:tailEnd/>
+          </a:ln>
+          <a:effectLst/>
+          <a:extLst>
+            <a:ext uri="{909E8E84-426E-40DD-AFC4-6F175D3DCCD1}">
+              <a14:hiddenFill xmlns:a14="http://schemas.microsoft.com/office/drawing/2010/main">
+                <a:noFill/>
+              </a14:hiddenFill>
+            </a:ext>
+            <a:ext uri="{AF507438-7753-43E0-B8FC-AC1667EBCBE1}">
+              <a14:hiddenEffects xmlns:a14="http://schemas.microsoft.com/office/drawing/2010/main">
+                <a:effectLst>
+                  <a:outerShdw dist="35921" dir="2700000" algn="ctr" rotWithShape="0">
+                    <a:schemeClr val="bg2"/>
+                  </a:outerShdw>
+                </a:effectLst>
+              </a14:hiddenEffects>
+            </a:ext>
+          </a:extLst>
+        </p:spPr>
+      </p:cxnSp>
+      <p:cxnSp>
+        <p:nvCxnSpPr>
+          <p:cNvPr id="1029131" name="AutoShape 11"/>
+          <p:cNvCxnSpPr>
+            <a:cxnSpLocks noChangeShapeType="1"/>
+            <a:stCxn id="1029135" idx="3"/>
+            <a:endCxn id="1029133" idx="7"/>
+          </p:cNvCxnSpPr>
+          <p:nvPr/>
+        </p:nvCxnSpPr>
+        <p:spPr bwMode="auto">
+          <a:xfrm flipH="1">
+            <a:off x="3351213" y="3141663"/>
+            <a:ext cx="688975" cy="269875"/>
+          </a:xfrm>
+          <a:prstGeom prst="straightConnector1">
+            <a:avLst/>
+          </a:prstGeom>
+          <a:noFill/>
+          <a:ln w="38100">
+            <a:solidFill>
+              <a:schemeClr val="accent2"/>
+            </a:solidFill>
+            <a:round/>
+            <a:headEnd/>
+            <a:tailEnd/>
+          </a:ln>
+          <a:effectLst/>
+          <a:extLst>
+            <a:ext uri="{909E8E84-426E-40DD-AFC4-6F175D3DCCD1}">
+              <a14:hiddenFill xmlns:a14="http://schemas.microsoft.com/office/drawing/2010/main">
+                <a:noFill/>
+              </a14:hiddenFill>
+            </a:ext>
+            <a:ext uri="{AF507438-7753-43E0-B8FC-AC1667EBCBE1}">
+              <a14:hiddenEffects xmlns:a14="http://schemas.microsoft.com/office/drawing/2010/main">
+                <a:effectLst>
+                  <a:outerShdw dist="35921" dir="2700000" algn="ctr" rotWithShape="0">
+                    <a:schemeClr val="bg2"/>
+                  </a:outerShdw>
+                </a:effectLst>
+              </a14:hiddenEffects>
+            </a:ext>
+          </a:extLst>
+        </p:spPr>
+      </p:cxnSp>
+      <p:cxnSp>
+        <p:nvCxnSpPr>
+          <p:cNvPr id="1029132" name="AutoShape 12"/>
+          <p:cNvCxnSpPr>
+            <a:cxnSpLocks noChangeShapeType="1"/>
+            <a:stCxn id="1029134" idx="5"/>
+            <a:endCxn id="1029126" idx="1"/>
+          </p:cNvCxnSpPr>
+          <p:nvPr/>
+        </p:nvCxnSpPr>
+        <p:spPr bwMode="auto">
+          <a:xfrm>
+            <a:off x="5484813" y="3827463"/>
+            <a:ext cx="415925" cy="225425"/>
+          </a:xfrm>
+          <a:prstGeom prst="straightConnector1">
+            <a:avLst/>
+          </a:prstGeom>
+          <a:noFill/>
+          <a:ln w="38100">
+            <a:solidFill>
+              <a:schemeClr val="accent2"/>
+            </a:solidFill>
+            <a:round/>
+            <a:headEnd/>
+            <a:tailEnd/>
+          </a:ln>
+          <a:effectLst/>
+          <a:extLst>
+            <a:ext uri="{909E8E84-426E-40DD-AFC4-6F175D3DCCD1}">
+              <a14:hiddenFill xmlns:a14="http://schemas.microsoft.com/office/drawing/2010/main">
+                <a:noFill/>
+              </a14:hiddenFill>
+            </a:ext>
+            <a:ext uri="{AF507438-7753-43E0-B8FC-AC1667EBCBE1}">
+              <a14:hiddenEffects xmlns:a14="http://schemas.microsoft.com/office/drawing/2010/main">
+                <a:effectLst>
+                  <a:outerShdw dist="35921" dir="2700000" algn="ctr" rotWithShape="0">
+                    <a:schemeClr val="bg2"/>
+                  </a:outerShdw>
+                </a:effectLst>
+              </a14:hiddenEffects>
+            </a:ext>
+          </a:extLst>
+        </p:spPr>
+      </p:cxnSp>
+      <p:sp>
+        <p:nvSpPr>
+          <p:cNvPr id="1029133" name="Oval 13"/>
+          <p:cNvSpPr>
+            <a:spLocks noChangeArrowheads="1"/>
+          </p:cNvSpPr>
+          <p:nvPr/>
+        </p:nvSpPr>
+        <p:spPr bwMode="auto">
+          <a:xfrm>
+            <a:off x="2895600" y="3352800"/>
+            <a:ext cx="533400" cy="533400"/>
+          </a:xfrm>
+          <a:prstGeom prst="ellipse">
+            <a:avLst/>
+          </a:prstGeom>
+          <a:solidFill>
+            <a:schemeClr val="bg1"/>
+          </a:solidFill>
+          <a:ln w="38100">
+            <a:solidFill>
+              <a:schemeClr val="accent2"/>
+            </a:solidFill>
+            <a:round/>
+            <a:headEnd/>
+            <a:tailEnd/>
+          </a:ln>
+          <a:effectLst/>
+          <a:extLst>
+            <a:ext uri="{AF507438-7753-43E0-B8FC-AC1667EBCBE1}">
+              <a14:hiddenEffects xmlns:a14="http://schemas.microsoft.com/office/drawing/2010/main">
+                <a:effectLst>
+                  <a:outerShdw dist="35921" dir="2700000" algn="ctr" rotWithShape="0">
+                    <a:schemeClr val="bg2"/>
+                  </a:outerShdw>
+                </a:effectLst>
+              </a14:hiddenEffects>
+            </a:ext>
+          </a:extLst>
+        </p:spPr>
+        <p:txBody>
+          <a:bodyPr wrap="none" anchor="ctr"/>
+          <a:lstStyle/>
+          <a:p>
+            <a:pPr algn="ctr"/>
+            <a:r>
+              <a:rPr lang="en-US" sz="2400" b="1" dirty="0">
+                <a:solidFill>
+                  <a:schemeClr val="accent6"/>
+                </a:solidFill>
+                <a:latin typeface="Courier New" panose="02070309020205020404" pitchFamily="49" charset="0"/>
+              </a:rPr>
+              <a:t>5</a:t>
+            </a:r>
+          </a:p>
+        </p:txBody>
+      </p:sp>
+      <p:sp>
+        <p:nvSpPr>
+          <p:cNvPr id="1029134" name="Oval 14"/>
+          <p:cNvSpPr>
+            <a:spLocks noChangeArrowheads="1"/>
+          </p:cNvSpPr>
+          <p:nvPr/>
+        </p:nvSpPr>
+        <p:spPr bwMode="auto">
+          <a:xfrm>
+            <a:off x="5029200" y="3352800"/>
+            <a:ext cx="533400" cy="533400"/>
+          </a:xfrm>
+          <a:prstGeom prst="ellipse">
+            <a:avLst/>
+          </a:prstGeom>
+          <a:solidFill>
+            <a:schemeClr val="bg1"/>
+          </a:solidFill>
+          <a:ln w="38100">
+            <a:solidFill>
+              <a:schemeClr val="accent2"/>
+            </a:solidFill>
+            <a:round/>
+            <a:headEnd/>
+            <a:tailEnd/>
+          </a:ln>
+          <a:effectLst/>
+          <a:extLst>
+            <a:ext uri="{AF507438-7753-43E0-B8FC-AC1667EBCBE1}">
+              <a14:hiddenEffects xmlns:a14="http://schemas.microsoft.com/office/drawing/2010/main">
+                <a:effectLst>
+                  <a:outerShdw dist="35921" dir="2700000" algn="ctr" rotWithShape="0">
+                    <a:schemeClr val="bg2"/>
+                  </a:outerShdw>
+                </a:effectLst>
+              </a14:hiddenEffects>
+            </a:ext>
+          </a:extLst>
+        </p:spPr>
+        <p:txBody>
+          <a:bodyPr wrap="none" anchor="ctr"/>
+          <a:lstStyle/>
+          <a:p>
+            <a:pPr algn="ctr"/>
+            <a:r>
+              <a:rPr lang="en-US" sz="2400" b="1">
+                <a:solidFill>
+                  <a:schemeClr val="accent6"/>
+                </a:solidFill>
+                <a:latin typeface="Courier New" panose="02070309020205020404" pitchFamily="49" charset="0"/>
+              </a:rPr>
+              <a:t>12</a:t>
+            </a:r>
+          </a:p>
+        </p:txBody>
+      </p:sp>
+      <p:sp>
+        <p:nvSpPr>
+          <p:cNvPr id="1029135" name="Oval 15"/>
+          <p:cNvSpPr>
+            <a:spLocks noChangeArrowheads="1"/>
+          </p:cNvSpPr>
+          <p:nvPr/>
+        </p:nvSpPr>
+        <p:spPr bwMode="auto">
+          <a:xfrm>
+            <a:off x="3962400" y="2667000"/>
+            <a:ext cx="533400" cy="533400"/>
+          </a:xfrm>
+          <a:prstGeom prst="ellipse">
+            <a:avLst/>
+          </a:prstGeom>
+          <a:solidFill>
+            <a:schemeClr val="bg1"/>
+          </a:solidFill>
+          <a:ln w="38100">
+            <a:solidFill>
+              <a:schemeClr val="accent2"/>
+            </a:solidFill>
+            <a:round/>
+            <a:headEnd/>
+            <a:tailEnd/>
+          </a:ln>
+          <a:effectLst/>
+          <a:extLst>
+            <a:ext uri="{AF507438-7753-43E0-B8FC-AC1667EBCBE1}">
+              <a14:hiddenEffects xmlns:a14="http://schemas.microsoft.com/office/drawing/2010/main">
+                <a:effectLst>
+                  <a:outerShdw dist="35921" dir="2700000" algn="ctr" rotWithShape="0">
+                    <a:schemeClr val="bg2"/>
+                  </a:outerShdw>
+                </a:effectLst>
+              </a14:hiddenEffects>
+            </a:ext>
+          </a:extLst>
+        </p:spPr>
+        <p:txBody>
+          <a:bodyPr wrap="none" anchor="ctr"/>
+          <a:lstStyle/>
+          <a:p>
+            <a:pPr algn="ctr"/>
+            <a:r>
+              <a:rPr lang="en-US" sz="2400" b="1" dirty="0">
+                <a:solidFill>
+                  <a:schemeClr val="accent6"/>
+                </a:solidFill>
+                <a:latin typeface="Courier New" panose="02070309020205020404" pitchFamily="49" charset="0"/>
+              </a:rPr>
+              <a:t>7</a:t>
+            </a:r>
+          </a:p>
+        </p:txBody>
+      </p:sp>
+      <p:sp>
+        <p:nvSpPr>
+          <p:cNvPr id="1029136" name="Oval 16"/>
+          <p:cNvSpPr>
+            <a:spLocks noChangeArrowheads="1"/>
+          </p:cNvSpPr>
+          <p:nvPr/>
+        </p:nvSpPr>
+        <p:spPr bwMode="auto">
+          <a:xfrm>
+            <a:off x="4267200" y="4038600"/>
+            <a:ext cx="533400" cy="533400"/>
+          </a:xfrm>
+          <a:prstGeom prst="ellipse">
+            <a:avLst/>
+          </a:prstGeom>
+          <a:solidFill>
+            <a:schemeClr val="bg1"/>
+          </a:solidFill>
+          <a:ln w="38100">
+            <a:solidFill>
+              <a:schemeClr val="accent2"/>
+            </a:solidFill>
+            <a:round/>
+            <a:headEnd/>
+            <a:tailEnd/>
+          </a:ln>
+          <a:effectLst/>
+          <a:extLst>
+            <a:ext uri="{AF507438-7753-43E0-B8FC-AC1667EBCBE1}">
+              <a14:hiddenEffects xmlns:a14="http://schemas.microsoft.com/office/drawing/2010/main">
+                <a:effectLst>
+                  <a:outerShdw dist="35921" dir="2700000" algn="ctr" rotWithShape="0">
+                    <a:schemeClr val="bg2"/>
+                  </a:outerShdw>
+                </a:effectLst>
+              </a14:hiddenEffects>
+            </a:ext>
+          </a:extLst>
+        </p:spPr>
+        <p:txBody>
+          <a:bodyPr wrap="none" anchor="ctr"/>
+          <a:lstStyle/>
+          <a:p>
+            <a:pPr algn="ctr"/>
+            <a:r>
+              <a:rPr lang="en-US" sz="2400" b="1">
+                <a:solidFill>
+                  <a:schemeClr val="accent6"/>
+                </a:solidFill>
+                <a:latin typeface="Courier New" panose="02070309020205020404" pitchFamily="49" charset="0"/>
+              </a:rPr>
+              <a:t>9</a:t>
+            </a:r>
+          </a:p>
+        </p:txBody>
+      </p:sp>
+      <p:cxnSp>
+        <p:nvCxnSpPr>
+          <p:cNvPr id="1029137" name="AutoShape 17"/>
+          <p:cNvCxnSpPr>
+            <a:cxnSpLocks noChangeShapeType="1"/>
+            <a:stCxn id="1029136" idx="3"/>
+            <a:endCxn id="1029144" idx="7"/>
+          </p:cNvCxnSpPr>
+          <p:nvPr/>
+        </p:nvCxnSpPr>
+        <p:spPr bwMode="auto">
+          <a:xfrm flipH="1">
+            <a:off x="3960813" y="4513263"/>
+            <a:ext cx="384175" cy="269875"/>
+          </a:xfrm>
+          <a:prstGeom prst="straightConnector1">
+            <a:avLst/>
+          </a:prstGeom>
+          <a:noFill/>
+          <a:ln w="38100">
+            <a:solidFill>
+              <a:schemeClr val="accent2"/>
+            </a:solidFill>
+            <a:round/>
+            <a:headEnd/>
+            <a:tailEnd/>
+          </a:ln>
+          <a:effectLst/>
+          <a:extLst>
+            <a:ext uri="{909E8E84-426E-40DD-AFC4-6F175D3DCCD1}">
+              <a14:hiddenFill xmlns:a14="http://schemas.microsoft.com/office/drawing/2010/main">
+                <a:noFill/>
+              </a14:hiddenFill>
+            </a:ext>
+            <a:ext uri="{AF507438-7753-43E0-B8FC-AC1667EBCBE1}">
+              <a14:hiddenEffects xmlns:a14="http://schemas.microsoft.com/office/drawing/2010/main">
+                <a:effectLst>
+                  <a:outerShdw dist="35921" dir="2700000" algn="ctr" rotWithShape="0">
+                    <a:schemeClr val="bg2"/>
+                  </a:outerShdw>
+                </a:effectLst>
+              </a14:hiddenEffects>
+            </a:ext>
+          </a:extLst>
+        </p:spPr>
+      </p:cxnSp>
+      <p:cxnSp>
+        <p:nvCxnSpPr>
+          <p:cNvPr id="1029138" name="AutoShape 18"/>
+          <p:cNvCxnSpPr>
+            <a:cxnSpLocks noChangeShapeType="1"/>
+            <a:stCxn id="1029136" idx="5"/>
+            <a:endCxn id="1029139" idx="1"/>
+          </p:cNvCxnSpPr>
+          <p:nvPr/>
+        </p:nvCxnSpPr>
+        <p:spPr bwMode="auto">
+          <a:xfrm>
+            <a:off x="4722813" y="4513263"/>
+            <a:ext cx="384175" cy="269875"/>
+          </a:xfrm>
+          <a:prstGeom prst="straightConnector1">
+            <a:avLst/>
+          </a:prstGeom>
+          <a:noFill/>
+          <a:ln w="38100">
+            <a:solidFill>
+              <a:schemeClr val="accent2"/>
+            </a:solidFill>
+            <a:round/>
+            <a:headEnd/>
+            <a:tailEnd/>
+          </a:ln>
+          <a:effectLst/>
+          <a:extLst>
+            <a:ext uri="{909E8E84-426E-40DD-AFC4-6F175D3DCCD1}">
+              <a14:hiddenFill xmlns:a14="http://schemas.microsoft.com/office/drawing/2010/main">
+                <a:noFill/>
+              </a14:hiddenFill>
+            </a:ext>
+            <a:ext uri="{AF507438-7753-43E0-B8FC-AC1667EBCBE1}">
+              <a14:hiddenEffects xmlns:a14="http://schemas.microsoft.com/office/drawing/2010/main">
+                <a:effectLst>
+                  <a:outerShdw dist="35921" dir="2700000" algn="ctr" rotWithShape="0">
+                    <a:schemeClr val="bg2"/>
+                  </a:outerShdw>
+                </a:effectLst>
+              </a14:hiddenEffects>
+            </a:ext>
+          </a:extLst>
+        </p:spPr>
+      </p:cxnSp>
+      <p:sp>
+        <p:nvSpPr>
+          <p:cNvPr id="1029139" name="Oval 19"/>
+          <p:cNvSpPr>
+            <a:spLocks noChangeArrowheads="1"/>
+          </p:cNvSpPr>
+          <p:nvPr/>
+        </p:nvSpPr>
+        <p:spPr bwMode="auto">
+          <a:xfrm>
+            <a:off x="5029200" y="4724400"/>
+            <a:ext cx="533400" cy="533400"/>
+          </a:xfrm>
+          <a:prstGeom prst="ellipse">
+            <a:avLst/>
+          </a:prstGeom>
+          <a:solidFill>
+            <a:srgbClr val="FFFFFF"/>
+          </a:solidFill>
+          <a:ln w="38100">
+            <a:solidFill>
+              <a:schemeClr val="accent2"/>
+            </a:solidFill>
+            <a:round/>
+            <a:headEnd/>
+            <a:tailEnd/>
+          </a:ln>
+          <a:effectLst/>
+          <a:extLst>
+            <a:ext uri="{AF507438-7753-43E0-B8FC-AC1667EBCBE1}">
+              <a14:hiddenEffects xmlns:a14="http://schemas.microsoft.com/office/drawing/2010/main">
+                <a:effectLst>
+                  <a:outerShdw dist="35921" dir="2700000" algn="ctr" rotWithShape="0">
+                    <a:schemeClr val="bg2"/>
+                  </a:outerShdw>
+                </a:effectLst>
+              </a14:hiddenEffects>
+            </a:ext>
+          </a:extLst>
+        </p:spPr>
+        <p:txBody>
+          <a:bodyPr wrap="none" anchor="ctr"/>
+          <a:lstStyle/>
+          <a:p>
+            <a:pPr algn="ctr"/>
+            <a:r>
+              <a:rPr lang="en-US" sz="2400" b="1">
+                <a:solidFill>
+                  <a:schemeClr val="accent6"/>
+                </a:solidFill>
+                <a:latin typeface="Courier New" panose="02070309020205020404" pitchFamily="49" charset="0"/>
+              </a:rPr>
+              <a:t>11</a:t>
+            </a:r>
+          </a:p>
+        </p:txBody>
+      </p:sp>
+      <p:sp>
+        <p:nvSpPr>
+          <p:cNvPr id="1029140" name="Oval 20"/>
+          <p:cNvSpPr>
+            <a:spLocks noChangeArrowheads="1"/>
+          </p:cNvSpPr>
+          <p:nvPr/>
+        </p:nvSpPr>
+        <p:spPr bwMode="auto">
+          <a:xfrm>
+            <a:off x="5715000" y="5486400"/>
+            <a:ext cx="228600" cy="228600"/>
+          </a:xfrm>
+          <a:prstGeom prst="ellipse">
+            <a:avLst/>
+          </a:prstGeom>
+          <a:solidFill>
+            <a:schemeClr val="tx1"/>
+          </a:solidFill>
+          <a:ln w="38100">
+            <a:solidFill>
+              <a:schemeClr val="accent2"/>
+            </a:solidFill>
+            <a:round/>
+            <a:headEnd/>
+            <a:tailEnd/>
+          </a:ln>
+          <a:effectLst/>
+          <a:extLst>
+            <a:ext uri="{AF507438-7753-43E0-B8FC-AC1667EBCBE1}">
+              <a14:hiddenEffects xmlns:a14="http://schemas.microsoft.com/office/drawing/2010/main">
+                <a:effectLst>
+                  <a:outerShdw dist="35921" dir="2700000" algn="ctr" rotWithShape="0">
+                    <a:schemeClr val="bg2"/>
+                  </a:outerShdw>
+                </a:effectLst>
+              </a14:hiddenEffects>
+            </a:ext>
+          </a:extLst>
+        </p:spPr>
+        <p:txBody>
+          <a:bodyPr wrap="none" anchor="ctr"/>
+          <a:lstStyle/>
+          <a:p>
+            <a:endParaRPr lang="en-US">
+              <a:solidFill>
+                <a:schemeClr val="accent6"/>
+              </a:solidFill>
+            </a:endParaRPr>
+          </a:p>
+        </p:txBody>
+      </p:sp>
+      <p:cxnSp>
+        <p:nvCxnSpPr>
+          <p:cNvPr id="1029141" name="AutoShape 21"/>
+          <p:cNvCxnSpPr>
+            <a:cxnSpLocks noChangeShapeType="1"/>
+            <a:stCxn id="1029139" idx="3"/>
+            <a:endCxn id="1029143" idx="7"/>
+          </p:cNvCxnSpPr>
+          <p:nvPr/>
+        </p:nvCxnSpPr>
+        <p:spPr bwMode="auto">
+          <a:xfrm flipH="1">
+            <a:off x="4843463" y="5199063"/>
+            <a:ext cx="263525" cy="301625"/>
+          </a:xfrm>
+          <a:prstGeom prst="straightConnector1">
+            <a:avLst/>
+          </a:prstGeom>
+          <a:noFill/>
+          <a:ln w="38100">
+            <a:solidFill>
+              <a:schemeClr val="accent2"/>
+            </a:solidFill>
+            <a:round/>
+            <a:headEnd/>
+            <a:tailEnd/>
+          </a:ln>
+          <a:effectLst/>
+          <a:extLst>
+            <a:ext uri="{909E8E84-426E-40DD-AFC4-6F175D3DCCD1}">
+              <a14:hiddenFill xmlns:a14="http://schemas.microsoft.com/office/drawing/2010/main">
+                <a:noFill/>
+              </a14:hiddenFill>
+            </a:ext>
+            <a:ext uri="{AF507438-7753-43E0-B8FC-AC1667EBCBE1}">
+              <a14:hiddenEffects xmlns:a14="http://schemas.microsoft.com/office/drawing/2010/main">
+                <a:effectLst>
+                  <a:outerShdw dist="35921" dir="2700000" algn="ctr" rotWithShape="0">
+                    <a:schemeClr val="bg2"/>
+                  </a:outerShdw>
+                </a:effectLst>
+              </a14:hiddenEffects>
+            </a:ext>
+          </a:extLst>
+        </p:spPr>
+      </p:cxnSp>
+      <p:cxnSp>
+        <p:nvCxnSpPr>
+          <p:cNvPr id="1029142" name="AutoShape 22"/>
+          <p:cNvCxnSpPr>
+            <a:cxnSpLocks noChangeShapeType="1"/>
+            <a:stCxn id="1029139" idx="5"/>
+            <a:endCxn id="1029140" idx="1"/>
+          </p:cNvCxnSpPr>
+          <p:nvPr/>
+        </p:nvCxnSpPr>
+        <p:spPr bwMode="auto">
+          <a:xfrm>
+            <a:off x="5484813" y="5199063"/>
+            <a:ext cx="263525" cy="301625"/>
+          </a:xfrm>
+          <a:prstGeom prst="straightConnector1">
+            <a:avLst/>
+          </a:prstGeom>
+          <a:noFill/>
+          <a:ln w="38100">
+            <a:solidFill>
+              <a:schemeClr val="accent2"/>
+            </a:solidFill>
+            <a:round/>
+            <a:headEnd/>
+            <a:tailEnd/>
+          </a:ln>
+          <a:effectLst/>
+          <a:extLst>
+            <a:ext uri="{909E8E84-426E-40DD-AFC4-6F175D3DCCD1}">
+              <a14:hiddenFill xmlns:a14="http://schemas.microsoft.com/office/drawing/2010/main">
+                <a:noFill/>
+              </a14:hiddenFill>
+            </a:ext>
+            <a:ext uri="{AF507438-7753-43E0-B8FC-AC1667EBCBE1}">
+              <a14:hiddenEffects xmlns:a14="http://schemas.microsoft.com/office/drawing/2010/main">
+                <a:effectLst>
+                  <a:outerShdw dist="35921" dir="2700000" algn="ctr" rotWithShape="0">
+                    <a:schemeClr val="bg2"/>
+                  </a:outerShdw>
+                </a:effectLst>
+              </a14:hiddenEffects>
+            </a:ext>
+          </a:extLst>
+        </p:spPr>
+      </p:cxnSp>
+      <p:sp>
+        <p:nvSpPr>
+          <p:cNvPr id="1029143" name="Oval 23"/>
+          <p:cNvSpPr>
+            <a:spLocks noChangeArrowheads="1"/>
+          </p:cNvSpPr>
+          <p:nvPr/>
+        </p:nvSpPr>
+        <p:spPr bwMode="auto">
+          <a:xfrm>
+            <a:off x="4648200" y="5486400"/>
+            <a:ext cx="228600" cy="228600"/>
+          </a:xfrm>
+          <a:prstGeom prst="ellipse">
+            <a:avLst/>
+          </a:prstGeom>
+          <a:solidFill>
+            <a:schemeClr val="tx1"/>
+          </a:solidFill>
+          <a:ln w="38100">
+            <a:solidFill>
+              <a:schemeClr val="accent2"/>
+            </a:solidFill>
+            <a:round/>
+            <a:headEnd/>
+            <a:tailEnd/>
+          </a:ln>
+          <a:effectLst/>
+          <a:extLst>
+            <a:ext uri="{AF507438-7753-43E0-B8FC-AC1667EBCBE1}">
+              <a14:hiddenEffects xmlns:a14="http://schemas.microsoft.com/office/drawing/2010/main">
+                <a:effectLst>
+                  <a:outerShdw dist="35921" dir="2700000" algn="ctr" rotWithShape="0">
+                    <a:schemeClr val="bg2"/>
+                  </a:outerShdw>
+                </a:effectLst>
+              </a14:hiddenEffects>
+            </a:ext>
+          </a:extLst>
+        </p:spPr>
+        <p:txBody>
+          <a:bodyPr wrap="none" anchor="ctr"/>
+          <a:lstStyle/>
+          <a:p>
+            <a:endParaRPr lang="en-US">
+              <a:solidFill>
+                <a:schemeClr val="accent6"/>
+              </a:solidFill>
+            </a:endParaRPr>
+          </a:p>
+        </p:txBody>
+      </p:sp>
+      <p:sp>
+        <p:nvSpPr>
+          <p:cNvPr id="1029144" name="Oval 24"/>
+          <p:cNvSpPr>
+            <a:spLocks noChangeArrowheads="1"/>
+          </p:cNvSpPr>
+          <p:nvPr/>
+        </p:nvSpPr>
+        <p:spPr bwMode="auto">
+          <a:xfrm>
+            <a:off x="3505200" y="4724400"/>
+            <a:ext cx="533400" cy="533400"/>
+          </a:xfrm>
+          <a:prstGeom prst="ellipse">
+            <a:avLst/>
+          </a:prstGeom>
+          <a:solidFill>
+            <a:srgbClr val="FFFFFF"/>
+          </a:solidFill>
+          <a:ln w="38100">
+            <a:solidFill>
+              <a:schemeClr val="accent2"/>
+            </a:solidFill>
+            <a:round/>
+            <a:headEnd/>
+            <a:tailEnd/>
+          </a:ln>
+          <a:effectLst/>
+          <a:extLst>
+            <a:ext uri="{AF507438-7753-43E0-B8FC-AC1667EBCBE1}">
+              <a14:hiddenEffects xmlns:a14="http://schemas.microsoft.com/office/drawing/2010/main">
+                <a:effectLst>
+                  <a:outerShdw dist="35921" dir="2700000" algn="ctr" rotWithShape="0">
+                    <a:schemeClr val="bg2"/>
+                  </a:outerShdw>
+                </a:effectLst>
+              </a14:hiddenEffects>
+            </a:ext>
+          </a:extLst>
+        </p:spPr>
+        <p:txBody>
+          <a:bodyPr wrap="none" anchor="ctr"/>
+          <a:lstStyle/>
+          <a:p>
+            <a:pPr algn="ctr"/>
+            <a:r>
+              <a:rPr lang="en-US" sz="2400" b="1">
+                <a:solidFill>
+                  <a:schemeClr val="accent6"/>
+                </a:solidFill>
+                <a:latin typeface="Courier New" panose="02070309020205020404" pitchFamily="49" charset="0"/>
+              </a:rPr>
+              <a:t>8</a:t>
+            </a:r>
+          </a:p>
+        </p:txBody>
+      </p:sp>
+      <p:sp>
+        <p:nvSpPr>
+          <p:cNvPr id="1029145" name="Oval 25"/>
+          <p:cNvSpPr>
+            <a:spLocks noChangeArrowheads="1"/>
+          </p:cNvSpPr>
+          <p:nvPr/>
+        </p:nvSpPr>
+        <p:spPr bwMode="auto">
+          <a:xfrm>
+            <a:off x="4191000" y="5486400"/>
+            <a:ext cx="228600" cy="228600"/>
+          </a:xfrm>
+          <a:prstGeom prst="ellipse">
+            <a:avLst/>
+          </a:prstGeom>
+          <a:solidFill>
+            <a:schemeClr val="tx1"/>
+          </a:solidFill>
+          <a:ln w="38100">
+            <a:solidFill>
+              <a:schemeClr val="accent2"/>
+            </a:solidFill>
+            <a:round/>
+            <a:headEnd/>
+            <a:tailEnd/>
+          </a:ln>
+          <a:effectLst/>
+          <a:extLst>
+            <a:ext uri="{AF507438-7753-43E0-B8FC-AC1667EBCBE1}">
+              <a14:hiddenEffects xmlns:a14="http://schemas.microsoft.com/office/drawing/2010/main">
+                <a:effectLst>
+                  <a:outerShdw dist="35921" dir="2700000" algn="ctr" rotWithShape="0">
+                    <a:schemeClr val="bg2"/>
+                  </a:outerShdw>
+                </a:effectLst>
+              </a14:hiddenEffects>
+            </a:ext>
+          </a:extLst>
+        </p:spPr>
+        <p:txBody>
+          <a:bodyPr wrap="none" anchor="ctr"/>
+          <a:lstStyle/>
+          <a:p>
+            <a:endParaRPr lang="en-US">
+              <a:solidFill>
+                <a:schemeClr val="accent6"/>
+              </a:solidFill>
+            </a:endParaRPr>
+          </a:p>
+        </p:txBody>
+      </p:sp>
+      <p:cxnSp>
+        <p:nvCxnSpPr>
+          <p:cNvPr id="1029146" name="AutoShape 26"/>
+          <p:cNvCxnSpPr>
+            <a:cxnSpLocks noChangeShapeType="1"/>
+            <a:stCxn id="1029144" idx="3"/>
+            <a:endCxn id="1029148" idx="7"/>
+          </p:cNvCxnSpPr>
+          <p:nvPr/>
+        </p:nvCxnSpPr>
+        <p:spPr bwMode="auto">
+          <a:xfrm flipH="1">
+            <a:off x="3319463" y="5199063"/>
+            <a:ext cx="263525" cy="301625"/>
+          </a:xfrm>
+          <a:prstGeom prst="straightConnector1">
+            <a:avLst/>
+          </a:prstGeom>
+          <a:noFill/>
+          <a:ln w="38100">
+            <a:solidFill>
+              <a:schemeClr val="accent2"/>
+            </a:solidFill>
+            <a:round/>
+            <a:headEnd/>
+            <a:tailEnd/>
+          </a:ln>
+          <a:effectLst/>
+          <a:extLst>
+            <a:ext uri="{909E8E84-426E-40DD-AFC4-6F175D3DCCD1}">
+              <a14:hiddenFill xmlns:a14="http://schemas.microsoft.com/office/drawing/2010/main">
+                <a:noFill/>
+              </a14:hiddenFill>
+            </a:ext>
+            <a:ext uri="{AF507438-7753-43E0-B8FC-AC1667EBCBE1}">
+              <a14:hiddenEffects xmlns:a14="http://schemas.microsoft.com/office/drawing/2010/main">
+                <a:effectLst>
+                  <a:outerShdw dist="35921" dir="2700000" algn="ctr" rotWithShape="0">
+                    <a:schemeClr val="bg2"/>
+                  </a:outerShdw>
+                </a:effectLst>
+              </a14:hiddenEffects>
+            </a:ext>
+          </a:extLst>
+        </p:spPr>
+      </p:cxnSp>
+      <p:cxnSp>
+        <p:nvCxnSpPr>
+          <p:cNvPr id="1029147" name="AutoShape 27"/>
+          <p:cNvCxnSpPr>
+            <a:cxnSpLocks noChangeShapeType="1"/>
+            <a:stCxn id="1029144" idx="5"/>
+            <a:endCxn id="1029145" idx="1"/>
+          </p:cNvCxnSpPr>
+          <p:nvPr/>
+        </p:nvCxnSpPr>
+        <p:spPr bwMode="auto">
+          <a:xfrm>
+            <a:off x="3960813" y="5199063"/>
+            <a:ext cx="263525" cy="301625"/>
+          </a:xfrm>
+          <a:prstGeom prst="straightConnector1">
+            <a:avLst/>
+          </a:prstGeom>
+          <a:noFill/>
+          <a:ln w="38100">
+            <a:solidFill>
+              <a:schemeClr val="accent2"/>
+            </a:solidFill>
+            <a:round/>
+            <a:headEnd/>
+            <a:tailEnd/>
+          </a:ln>
+          <a:effectLst/>
+          <a:extLst>
+            <a:ext uri="{909E8E84-426E-40DD-AFC4-6F175D3DCCD1}">
+              <a14:hiddenFill xmlns:a14="http://schemas.microsoft.com/office/drawing/2010/main">
+                <a:noFill/>
+              </a14:hiddenFill>
+            </a:ext>
+            <a:ext uri="{AF507438-7753-43E0-B8FC-AC1667EBCBE1}">
+              <a14:hiddenEffects xmlns:a14="http://schemas.microsoft.com/office/drawing/2010/main">
+                <a:effectLst>
+                  <a:outerShdw dist="35921" dir="2700000" algn="ctr" rotWithShape="0">
+                    <a:schemeClr val="bg2"/>
+                  </a:outerShdw>
+                </a:effectLst>
+              </a14:hiddenEffects>
+            </a:ext>
+          </a:extLst>
+        </p:spPr>
+      </p:cxnSp>
+      <p:sp>
+        <p:nvSpPr>
+          <p:cNvPr id="1029148" name="Oval 28"/>
+          <p:cNvSpPr>
+            <a:spLocks noChangeArrowheads="1"/>
+          </p:cNvSpPr>
+          <p:nvPr/>
+        </p:nvSpPr>
+        <p:spPr bwMode="auto">
+          <a:xfrm>
+            <a:off x="3124200" y="5486400"/>
+            <a:ext cx="228600" cy="228600"/>
+          </a:xfrm>
+          <a:prstGeom prst="ellipse">
+            <a:avLst/>
+          </a:prstGeom>
+          <a:solidFill>
+            <a:schemeClr val="tx1"/>
+          </a:solidFill>
+          <a:ln w="38100">
+            <a:solidFill>
+              <a:schemeClr val="accent2"/>
+            </a:solidFill>
+            <a:round/>
+            <a:headEnd/>
+            <a:tailEnd/>
+          </a:ln>
+          <a:effectLst/>
+          <a:extLst>
+            <a:ext uri="{AF507438-7753-43E0-B8FC-AC1667EBCBE1}">
+              <a14:hiddenEffects xmlns:a14="http://schemas.microsoft.com/office/drawing/2010/main">
+                <a:effectLst>
+                  <a:outerShdw dist="35921" dir="2700000" algn="ctr" rotWithShape="0">
+                    <a:schemeClr val="bg2"/>
+                  </a:outerShdw>
+                </a:effectLst>
+              </a14:hiddenEffects>
+            </a:ext>
+          </a:extLst>
+        </p:spPr>
+        <p:txBody>
+          <a:bodyPr wrap="none" anchor="ctr"/>
+          <a:lstStyle/>
+          <a:p>
+            <a:endParaRPr lang="en-US">
+              <a:solidFill>
+                <a:schemeClr val="accent6"/>
+              </a:solidFill>
+            </a:endParaRPr>
+          </a:p>
+        </p:txBody>
+      </p:sp>
+    </p:spTree>
+    <p:extLst>
+      <p:ext uri="{BB962C8B-B14F-4D97-AF65-F5344CB8AC3E}">
+        <p14:creationId xmlns:p14="http://schemas.microsoft.com/office/powerpoint/2010/main" val="230114704"/>
+      </p:ext>
+    </p:extLst>
+  </p:cSld>
+  <p:clrMapOvr>
+    <a:masterClrMapping/>
+  </p:clrMapOvr>
+  <p:timing>
+    <p:tnLst>
+      <p:par>
+        <p:cTn id="1" dur="indefinite" restart="never" nodeType="tmRoot"/>
+      </p:par>
+    </p:tnLst>
+  </p:timing>
+</p:sld>
+</file>
+
+<file path=ppt/slides/slide18.xml><?xml version="1.0" encoding="utf-8"?>
+<p:sld xmlns:a="http://schemas.openxmlformats.org/drawingml/2006/main" xmlns:r="http://schemas.openxmlformats.org/officeDocument/2006/relationships" xmlns:p="http://schemas.openxmlformats.org/presentationml/2006/main">
+  <p:cSld>
+    <p:spTree>
+      <p:nvGrpSpPr>
+        <p:cNvPr id="1" name=""/>
+        <p:cNvGrpSpPr/>
+        <p:nvPr/>
+      </p:nvGrpSpPr>
+      <p:grpSpPr>
+        <a:xfrm>
+          <a:off x="0" y="0"/>
+          <a:ext cx="0" cy="0"/>
+          <a:chOff x="0" y="0"/>
+          <a:chExt cx="0" cy="0"/>
+        </a:xfrm>
+      </p:grpSpPr>
+      <p:sp>
+        <p:nvSpPr>
           <p:cNvPr id="2" name="Title 1"/>
           <p:cNvSpPr>
             <a:spLocks noGrp="1"/>
@@ -7140,7 +11559,7 @@
 </p:sld>
 </file>
 
-<file path=ppt/slides/slide17.xml><?xml version="1.0" encoding="utf-8"?>
+<file path=ppt/slides/slide19.xml><?xml version="1.0" encoding="utf-8"?>
 <p:sld xmlns:a="http://schemas.openxmlformats.org/drawingml/2006/main" xmlns:r="http://schemas.openxmlformats.org/officeDocument/2006/relationships" xmlns:p="http://schemas.openxmlformats.org/presentationml/2006/main">
   <p:cSld>
     <p:spTree>
